--- a/static/ppt/pics.pptx
+++ b/static/ppt/pics.pptx
@@ -6,6 +6,8 @@
   </p:sldMasterIdLst>
   <p:sldIdLst>
     <p:sldId id="256" r:id="rId2"/>
+    <p:sldId id="257" r:id="rId3"/>
+    <p:sldId id="258" r:id="rId4"/>
   </p:sldIdLst>
   <p:sldSz cx="12192000" cy="6858000"/>
   <p:notesSz cx="6858000" cy="9144000"/>
@@ -104,6 +106,11 @@
       </a:defRPr>
     </a:lvl9pPr>
   </p:defaultTextStyle>
+  <p:extLst>
+    <p:ext uri="{EFAFB233-063F-42B5-8137-9DF3F51BA10A}">
+      <p15:sldGuideLst xmlns:p15="http://schemas.microsoft.com/office/powerpoint/2012/main"/>
+    </p:ext>
+  </p:extLst>
 </p:presentation>
 </file>
 
@@ -254,7 +261,7 @@
           <a:p>
             <a:fld id="{A8983048-05B4-432B-AD38-81F02E70B9D2}" type="datetimeFigureOut">
               <a:rPr lang="zh-CN" altLang="en-US" smtClean="0"/>
-              <a:t>2023/1/26</a:t>
+              <a:t>2023/3/27</a:t>
             </a:fld>
             <a:endParaRPr lang="zh-CN" altLang="en-US"/>
           </a:p>
@@ -452,7 +459,7 @@
           <a:p>
             <a:fld id="{A8983048-05B4-432B-AD38-81F02E70B9D2}" type="datetimeFigureOut">
               <a:rPr lang="zh-CN" altLang="en-US" smtClean="0"/>
-              <a:t>2023/1/26</a:t>
+              <a:t>2023/3/27</a:t>
             </a:fld>
             <a:endParaRPr lang="zh-CN" altLang="en-US"/>
           </a:p>
@@ -660,7 +667,7 @@
           <a:p>
             <a:fld id="{A8983048-05B4-432B-AD38-81F02E70B9D2}" type="datetimeFigureOut">
               <a:rPr lang="zh-CN" altLang="en-US" smtClean="0"/>
-              <a:t>2023/1/26</a:t>
+              <a:t>2023/3/27</a:t>
             </a:fld>
             <a:endParaRPr lang="zh-CN" altLang="en-US"/>
           </a:p>
@@ -858,7 +865,7 @@
           <a:p>
             <a:fld id="{A8983048-05B4-432B-AD38-81F02E70B9D2}" type="datetimeFigureOut">
               <a:rPr lang="zh-CN" altLang="en-US" smtClean="0"/>
-              <a:t>2023/1/26</a:t>
+              <a:t>2023/3/27</a:t>
             </a:fld>
             <a:endParaRPr lang="zh-CN" altLang="en-US"/>
           </a:p>
@@ -1133,7 +1140,7 @@
           <a:p>
             <a:fld id="{A8983048-05B4-432B-AD38-81F02E70B9D2}" type="datetimeFigureOut">
               <a:rPr lang="zh-CN" altLang="en-US" smtClean="0"/>
-              <a:t>2023/1/26</a:t>
+              <a:t>2023/3/27</a:t>
             </a:fld>
             <a:endParaRPr lang="zh-CN" altLang="en-US"/>
           </a:p>
@@ -1398,7 +1405,7 @@
           <a:p>
             <a:fld id="{A8983048-05B4-432B-AD38-81F02E70B9D2}" type="datetimeFigureOut">
               <a:rPr lang="zh-CN" altLang="en-US" smtClean="0"/>
-              <a:t>2023/1/26</a:t>
+              <a:t>2023/3/27</a:t>
             </a:fld>
             <a:endParaRPr lang="zh-CN" altLang="en-US"/>
           </a:p>
@@ -1810,7 +1817,7 @@
           <a:p>
             <a:fld id="{A8983048-05B4-432B-AD38-81F02E70B9D2}" type="datetimeFigureOut">
               <a:rPr lang="zh-CN" altLang="en-US" smtClean="0"/>
-              <a:t>2023/1/26</a:t>
+              <a:t>2023/3/27</a:t>
             </a:fld>
             <a:endParaRPr lang="zh-CN" altLang="en-US"/>
           </a:p>
@@ -1951,7 +1958,7 @@
           <a:p>
             <a:fld id="{A8983048-05B4-432B-AD38-81F02E70B9D2}" type="datetimeFigureOut">
               <a:rPr lang="zh-CN" altLang="en-US" smtClean="0"/>
-              <a:t>2023/1/26</a:t>
+              <a:t>2023/3/27</a:t>
             </a:fld>
             <a:endParaRPr lang="zh-CN" altLang="en-US"/>
           </a:p>
@@ -2064,7 +2071,7 @@
           <a:p>
             <a:fld id="{A8983048-05B4-432B-AD38-81F02E70B9D2}" type="datetimeFigureOut">
               <a:rPr lang="zh-CN" altLang="en-US" smtClean="0"/>
-              <a:t>2023/1/26</a:t>
+              <a:t>2023/3/27</a:t>
             </a:fld>
             <a:endParaRPr lang="zh-CN" altLang="en-US"/>
           </a:p>
@@ -2375,7 +2382,7 @@
           <a:p>
             <a:fld id="{A8983048-05B4-432B-AD38-81F02E70B9D2}" type="datetimeFigureOut">
               <a:rPr lang="zh-CN" altLang="en-US" smtClean="0"/>
-              <a:t>2023/1/26</a:t>
+              <a:t>2023/3/27</a:t>
             </a:fld>
             <a:endParaRPr lang="zh-CN" altLang="en-US"/>
           </a:p>
@@ -2663,7 +2670,7 @@
           <a:p>
             <a:fld id="{A8983048-05B4-432B-AD38-81F02E70B9D2}" type="datetimeFigureOut">
               <a:rPr lang="zh-CN" altLang="en-US" smtClean="0"/>
-              <a:t>2023/1/26</a:t>
+              <a:t>2023/3/27</a:t>
             </a:fld>
             <a:endParaRPr lang="zh-CN" altLang="en-US"/>
           </a:p>
@@ -2904,7 +2911,7 @@
           <a:p>
             <a:fld id="{A8983048-05B4-432B-AD38-81F02E70B9D2}" type="datetimeFigureOut">
               <a:rPr lang="zh-CN" altLang="en-US" smtClean="0"/>
-              <a:t>2023/1/26</a:t>
+              <a:t>2023/3/27</a:t>
             </a:fld>
             <a:endParaRPr lang="zh-CN" altLang="en-US"/>
           </a:p>
@@ -3981,6 +3988,6678 @@
 </p:sld>
 </file>
 
+<file path=ppt/slides/slide2.xml><?xml version="1.0" encoding="utf-8"?>
+<p:sld xmlns:a="http://schemas.openxmlformats.org/drawingml/2006/main" xmlns:r="http://schemas.openxmlformats.org/officeDocument/2006/relationships" xmlns:p="http://schemas.openxmlformats.org/presentationml/2006/main">
+  <p:cSld>
+    <p:spTree>
+      <p:nvGrpSpPr>
+        <p:cNvPr id="1" name=""/>
+        <p:cNvGrpSpPr/>
+        <p:nvPr/>
+      </p:nvGrpSpPr>
+      <p:grpSpPr>
+        <a:xfrm>
+          <a:off x="0" y="0"/>
+          <a:ext cx="0" cy="0"/>
+          <a:chOff x="0" y="0"/>
+          <a:chExt cx="0" cy="0"/>
+        </a:xfrm>
+      </p:grpSpPr>
+      <p:graphicFrame>
+        <p:nvGraphicFramePr>
+          <p:cNvPr id="4" name="表格 4">
+            <a:extLst>
+              <a:ext uri="{FF2B5EF4-FFF2-40B4-BE49-F238E27FC236}">
+                <a16:creationId xmlns:a16="http://schemas.microsoft.com/office/drawing/2014/main" id="{7578A558-CB72-E86B-9EFC-3A0EEBCA7020}"/>
+              </a:ext>
+            </a:extLst>
+          </p:cNvPr>
+          <p:cNvGraphicFramePr>
+            <a:graphicFrameLocks noGrp="1"/>
+          </p:cNvGraphicFramePr>
+          <p:nvPr>
+            <p:extLst>
+              <p:ext uri="{D42A27DB-BD31-4B8C-83A1-F6EECF244321}">
+                <p14:modId xmlns:p14="http://schemas.microsoft.com/office/powerpoint/2010/main" val="518727369"/>
+              </p:ext>
+            </p:extLst>
+          </p:nvPr>
+        </p:nvGraphicFramePr>
+        <p:xfrm>
+          <a:off x="2032000" y="719666"/>
+          <a:ext cx="8127999" cy="1112520"/>
+        </p:xfrm>
+        <a:graphic>
+          <a:graphicData uri="http://schemas.openxmlformats.org/drawingml/2006/table">
+            <a:tbl>
+              <a:tblPr firstRow="1" bandRow="1">
+                <a:tableStyleId>{2D5ABB26-0587-4C30-8999-92F81FD0307C}</a:tableStyleId>
+              </a:tblPr>
+              <a:tblGrid>
+                <a:gridCol w="903111">
+                  <a:extLst>
+                    <a:ext uri="{9D8B030D-6E8A-4147-A177-3AD203B41FA5}">
+                      <a16:colId xmlns:a16="http://schemas.microsoft.com/office/drawing/2014/main" val="96869284"/>
+                    </a:ext>
+                  </a:extLst>
+                </a:gridCol>
+                <a:gridCol w="903111">
+                  <a:extLst>
+                    <a:ext uri="{9D8B030D-6E8A-4147-A177-3AD203B41FA5}">
+                      <a16:colId xmlns:a16="http://schemas.microsoft.com/office/drawing/2014/main" val="1724586327"/>
+                    </a:ext>
+                  </a:extLst>
+                </a:gridCol>
+                <a:gridCol w="903111">
+                  <a:extLst>
+                    <a:ext uri="{9D8B030D-6E8A-4147-A177-3AD203B41FA5}">
+                      <a16:colId xmlns:a16="http://schemas.microsoft.com/office/drawing/2014/main" val="1292169811"/>
+                    </a:ext>
+                  </a:extLst>
+                </a:gridCol>
+                <a:gridCol w="903111">
+                  <a:extLst>
+                    <a:ext uri="{9D8B030D-6E8A-4147-A177-3AD203B41FA5}">
+                      <a16:colId xmlns:a16="http://schemas.microsoft.com/office/drawing/2014/main" val="3212490303"/>
+                    </a:ext>
+                  </a:extLst>
+                </a:gridCol>
+                <a:gridCol w="903111">
+                  <a:extLst>
+                    <a:ext uri="{9D8B030D-6E8A-4147-A177-3AD203B41FA5}">
+                      <a16:colId xmlns:a16="http://schemas.microsoft.com/office/drawing/2014/main" val="2534878117"/>
+                    </a:ext>
+                  </a:extLst>
+                </a:gridCol>
+                <a:gridCol w="903111">
+                  <a:extLst>
+                    <a:ext uri="{9D8B030D-6E8A-4147-A177-3AD203B41FA5}">
+                      <a16:colId xmlns:a16="http://schemas.microsoft.com/office/drawing/2014/main" val="2056376299"/>
+                    </a:ext>
+                  </a:extLst>
+                </a:gridCol>
+                <a:gridCol w="903111">
+                  <a:extLst>
+                    <a:ext uri="{9D8B030D-6E8A-4147-A177-3AD203B41FA5}">
+                      <a16:colId xmlns:a16="http://schemas.microsoft.com/office/drawing/2014/main" val="2868137292"/>
+                    </a:ext>
+                  </a:extLst>
+                </a:gridCol>
+                <a:gridCol w="903111">
+                  <a:extLst>
+                    <a:ext uri="{9D8B030D-6E8A-4147-A177-3AD203B41FA5}">
+                      <a16:colId xmlns:a16="http://schemas.microsoft.com/office/drawing/2014/main" val="3424264390"/>
+                    </a:ext>
+                  </a:extLst>
+                </a:gridCol>
+                <a:gridCol w="903111">
+                  <a:extLst>
+                    <a:ext uri="{9D8B030D-6E8A-4147-A177-3AD203B41FA5}">
+                      <a16:colId xmlns:a16="http://schemas.microsoft.com/office/drawing/2014/main" val="131220661"/>
+                    </a:ext>
+                  </a:extLst>
+                </a:gridCol>
+              </a:tblGrid>
+              <a:tr h="370840">
+                <a:tc>
+                  <a:txBody>
+                    <a:bodyPr/>
+                    <a:lstStyle/>
+                    <a:p>
+                      <a:pPr algn="ctr"/>
+                      <a:r>
+                        <a:rPr lang="en-US" altLang="zh-CN" sz="1400" b="0" dirty="0">
+                          <a:latin typeface="Microsoft YaHei" panose="020B0503020204020204" pitchFamily="34" charset="-122"/>
+                          <a:ea typeface="Microsoft YaHei" panose="020B0503020204020204" pitchFamily="34" charset="-122"/>
+                        </a:rPr>
+                        <a:t>index</a:t>
+                      </a:r>
+                      <a:endParaRPr lang="zh-CN" altLang="en-US" sz="1400" b="0" dirty="0">
+                        <a:latin typeface="Microsoft YaHei" panose="020B0503020204020204" pitchFamily="34" charset="-122"/>
+                        <a:ea typeface="Microsoft YaHei" panose="020B0503020204020204" pitchFamily="34" charset="-122"/>
+                      </a:endParaRPr>
+                    </a:p>
+                  </a:txBody>
+                  <a:tcPr anchor="ctr">
+                    <a:lnL w="12700" cap="flat" cmpd="sng" algn="ctr">
+                      <a:solidFill>
+                        <a:schemeClr val="tx1"/>
+                      </a:solidFill>
+                      <a:prstDash val="solid"/>
+                      <a:round/>
+                      <a:headEnd type="none" w="med" len="med"/>
+                      <a:tailEnd type="none" w="med" len="med"/>
+                    </a:lnL>
+                    <a:lnR w="12700" cap="flat" cmpd="sng" algn="ctr">
+                      <a:solidFill>
+                        <a:schemeClr val="tx1"/>
+                      </a:solidFill>
+                      <a:prstDash val="solid"/>
+                      <a:round/>
+                      <a:headEnd type="none" w="med" len="med"/>
+                      <a:tailEnd type="none" w="med" len="med"/>
+                    </a:lnR>
+                    <a:lnT w="12700" cap="flat" cmpd="sng" algn="ctr">
+                      <a:solidFill>
+                        <a:schemeClr val="tx1"/>
+                      </a:solidFill>
+                      <a:prstDash val="solid"/>
+                      <a:round/>
+                      <a:headEnd type="none" w="med" len="med"/>
+                      <a:tailEnd type="none" w="med" len="med"/>
+                    </a:lnT>
+                    <a:lnB w="12700" cap="flat" cmpd="sng" algn="ctr">
+                      <a:solidFill>
+                        <a:schemeClr val="tx1"/>
+                      </a:solidFill>
+                      <a:prstDash val="solid"/>
+                      <a:round/>
+                      <a:headEnd type="none" w="med" len="med"/>
+                      <a:tailEnd type="none" w="med" len="med"/>
+                    </a:lnB>
+                    <a:solidFill>
+                      <a:schemeClr val="accent1">
+                        <a:lumMod val="20000"/>
+                        <a:lumOff val="80000"/>
+                      </a:schemeClr>
+                    </a:solidFill>
+                  </a:tcPr>
+                </a:tc>
+                <a:tc>
+                  <a:txBody>
+                    <a:bodyPr/>
+                    <a:lstStyle/>
+                    <a:p>
+                      <a:pPr algn="ctr"/>
+                      <a:r>
+                        <a:rPr lang="en-US" altLang="zh-CN" sz="1400" b="0" dirty="0">
+                          <a:latin typeface="Microsoft YaHei" panose="020B0503020204020204" pitchFamily="34" charset="-122"/>
+                          <a:ea typeface="Microsoft YaHei" panose="020B0503020204020204" pitchFamily="34" charset="-122"/>
+                        </a:rPr>
+                        <a:t>0</a:t>
+                      </a:r>
+                      <a:endParaRPr lang="zh-CN" altLang="en-US" sz="1400" b="0" dirty="0">
+                        <a:latin typeface="Microsoft YaHei" panose="020B0503020204020204" pitchFamily="34" charset="-122"/>
+                        <a:ea typeface="Microsoft YaHei" panose="020B0503020204020204" pitchFamily="34" charset="-122"/>
+                      </a:endParaRPr>
+                    </a:p>
+                  </a:txBody>
+                  <a:tcPr anchor="ctr">
+                    <a:lnL w="12700" cap="flat" cmpd="sng" algn="ctr">
+                      <a:solidFill>
+                        <a:schemeClr val="tx1"/>
+                      </a:solidFill>
+                      <a:prstDash val="solid"/>
+                      <a:round/>
+                      <a:headEnd type="none" w="med" len="med"/>
+                      <a:tailEnd type="none" w="med" len="med"/>
+                    </a:lnL>
+                    <a:lnR w="12700" cap="flat" cmpd="sng" algn="ctr">
+                      <a:solidFill>
+                        <a:schemeClr val="tx1"/>
+                      </a:solidFill>
+                      <a:prstDash val="solid"/>
+                      <a:round/>
+                      <a:headEnd type="none" w="med" len="med"/>
+                      <a:tailEnd type="none" w="med" len="med"/>
+                    </a:lnR>
+                    <a:lnT w="12700" cap="flat" cmpd="sng" algn="ctr">
+                      <a:solidFill>
+                        <a:schemeClr val="tx1"/>
+                      </a:solidFill>
+                      <a:prstDash val="solid"/>
+                      <a:round/>
+                      <a:headEnd type="none" w="med" len="med"/>
+                      <a:tailEnd type="none" w="med" len="med"/>
+                    </a:lnT>
+                    <a:lnB w="12700" cap="flat" cmpd="sng" algn="ctr">
+                      <a:solidFill>
+                        <a:schemeClr val="tx1"/>
+                      </a:solidFill>
+                      <a:prstDash val="solid"/>
+                      <a:round/>
+                      <a:headEnd type="none" w="med" len="med"/>
+                      <a:tailEnd type="none" w="med" len="med"/>
+                    </a:lnB>
+                    <a:solidFill>
+                      <a:schemeClr val="accent1">
+                        <a:lumMod val="20000"/>
+                        <a:lumOff val="80000"/>
+                      </a:schemeClr>
+                    </a:solidFill>
+                  </a:tcPr>
+                </a:tc>
+                <a:tc>
+                  <a:txBody>
+                    <a:bodyPr/>
+                    <a:lstStyle/>
+                    <a:p>
+                      <a:pPr algn="ctr"/>
+                      <a:r>
+                        <a:rPr lang="en-US" altLang="zh-CN" sz="1400" b="0" dirty="0">
+                          <a:latin typeface="Microsoft YaHei" panose="020B0503020204020204" pitchFamily="34" charset="-122"/>
+                          <a:ea typeface="Microsoft YaHei" panose="020B0503020204020204" pitchFamily="34" charset="-122"/>
+                        </a:rPr>
+                        <a:t>1</a:t>
+                      </a:r>
+                      <a:endParaRPr lang="zh-CN" altLang="en-US" sz="1400" b="0" dirty="0">
+                        <a:latin typeface="Microsoft YaHei" panose="020B0503020204020204" pitchFamily="34" charset="-122"/>
+                        <a:ea typeface="Microsoft YaHei" panose="020B0503020204020204" pitchFamily="34" charset="-122"/>
+                      </a:endParaRPr>
+                    </a:p>
+                  </a:txBody>
+                  <a:tcPr anchor="ctr">
+                    <a:lnL w="12700" cap="flat" cmpd="sng" algn="ctr">
+                      <a:solidFill>
+                        <a:schemeClr val="tx1"/>
+                      </a:solidFill>
+                      <a:prstDash val="solid"/>
+                      <a:round/>
+                      <a:headEnd type="none" w="med" len="med"/>
+                      <a:tailEnd type="none" w="med" len="med"/>
+                    </a:lnL>
+                    <a:lnR w="12700" cap="flat" cmpd="sng" algn="ctr">
+                      <a:solidFill>
+                        <a:schemeClr val="tx1"/>
+                      </a:solidFill>
+                      <a:prstDash val="solid"/>
+                      <a:round/>
+                      <a:headEnd type="none" w="med" len="med"/>
+                      <a:tailEnd type="none" w="med" len="med"/>
+                    </a:lnR>
+                    <a:lnT w="12700" cap="flat" cmpd="sng" algn="ctr">
+                      <a:solidFill>
+                        <a:schemeClr val="tx1"/>
+                      </a:solidFill>
+                      <a:prstDash val="solid"/>
+                      <a:round/>
+                      <a:headEnd type="none" w="med" len="med"/>
+                      <a:tailEnd type="none" w="med" len="med"/>
+                    </a:lnT>
+                    <a:lnB w="12700" cap="flat" cmpd="sng" algn="ctr">
+                      <a:solidFill>
+                        <a:schemeClr val="tx1"/>
+                      </a:solidFill>
+                      <a:prstDash val="solid"/>
+                      <a:round/>
+                      <a:headEnd type="none" w="med" len="med"/>
+                      <a:tailEnd type="none" w="med" len="med"/>
+                    </a:lnB>
+                    <a:solidFill>
+                      <a:schemeClr val="accent1">
+                        <a:lumMod val="20000"/>
+                        <a:lumOff val="80000"/>
+                      </a:schemeClr>
+                    </a:solidFill>
+                  </a:tcPr>
+                </a:tc>
+                <a:tc>
+                  <a:txBody>
+                    <a:bodyPr/>
+                    <a:lstStyle/>
+                    <a:p>
+                      <a:pPr algn="ctr"/>
+                      <a:r>
+                        <a:rPr lang="en-US" altLang="zh-CN" sz="1400" b="0" dirty="0">
+                          <a:latin typeface="Microsoft YaHei" panose="020B0503020204020204" pitchFamily="34" charset="-122"/>
+                          <a:ea typeface="Microsoft YaHei" panose="020B0503020204020204" pitchFamily="34" charset="-122"/>
+                        </a:rPr>
+                        <a:t>2</a:t>
+                      </a:r>
+                      <a:endParaRPr lang="zh-CN" altLang="en-US" sz="1400" b="0" dirty="0">
+                        <a:latin typeface="Microsoft YaHei" panose="020B0503020204020204" pitchFamily="34" charset="-122"/>
+                        <a:ea typeface="Microsoft YaHei" panose="020B0503020204020204" pitchFamily="34" charset="-122"/>
+                      </a:endParaRPr>
+                    </a:p>
+                  </a:txBody>
+                  <a:tcPr anchor="ctr">
+                    <a:lnL w="12700" cap="flat" cmpd="sng" algn="ctr">
+                      <a:solidFill>
+                        <a:schemeClr val="tx1"/>
+                      </a:solidFill>
+                      <a:prstDash val="solid"/>
+                      <a:round/>
+                      <a:headEnd type="none" w="med" len="med"/>
+                      <a:tailEnd type="none" w="med" len="med"/>
+                    </a:lnL>
+                    <a:lnR w="12700" cap="flat" cmpd="sng" algn="ctr">
+                      <a:solidFill>
+                        <a:schemeClr val="tx1"/>
+                      </a:solidFill>
+                      <a:prstDash val="solid"/>
+                      <a:round/>
+                      <a:headEnd type="none" w="med" len="med"/>
+                      <a:tailEnd type="none" w="med" len="med"/>
+                    </a:lnR>
+                    <a:lnT w="12700" cap="flat" cmpd="sng" algn="ctr">
+                      <a:solidFill>
+                        <a:schemeClr val="tx1"/>
+                      </a:solidFill>
+                      <a:prstDash val="solid"/>
+                      <a:round/>
+                      <a:headEnd type="none" w="med" len="med"/>
+                      <a:tailEnd type="none" w="med" len="med"/>
+                    </a:lnT>
+                    <a:lnB w="12700" cap="flat" cmpd="sng" algn="ctr">
+                      <a:solidFill>
+                        <a:schemeClr val="tx1"/>
+                      </a:solidFill>
+                      <a:prstDash val="solid"/>
+                      <a:round/>
+                      <a:headEnd type="none" w="med" len="med"/>
+                      <a:tailEnd type="none" w="med" len="med"/>
+                    </a:lnB>
+                    <a:solidFill>
+                      <a:schemeClr val="accent1">
+                        <a:lumMod val="20000"/>
+                        <a:lumOff val="80000"/>
+                      </a:schemeClr>
+                    </a:solidFill>
+                  </a:tcPr>
+                </a:tc>
+                <a:tc>
+                  <a:txBody>
+                    <a:bodyPr/>
+                    <a:lstStyle/>
+                    <a:p>
+                      <a:pPr algn="ctr"/>
+                      <a:r>
+                        <a:rPr lang="en-US" altLang="zh-CN" sz="1400" b="0" dirty="0">
+                          <a:latin typeface="Microsoft YaHei" panose="020B0503020204020204" pitchFamily="34" charset="-122"/>
+                          <a:ea typeface="Microsoft YaHei" panose="020B0503020204020204" pitchFamily="34" charset="-122"/>
+                        </a:rPr>
+                        <a:t>3</a:t>
+                      </a:r>
+                      <a:endParaRPr lang="zh-CN" altLang="en-US" sz="1400" b="0" dirty="0">
+                        <a:latin typeface="Microsoft YaHei" panose="020B0503020204020204" pitchFamily="34" charset="-122"/>
+                        <a:ea typeface="Microsoft YaHei" panose="020B0503020204020204" pitchFamily="34" charset="-122"/>
+                      </a:endParaRPr>
+                    </a:p>
+                  </a:txBody>
+                  <a:tcPr anchor="ctr">
+                    <a:lnL w="12700" cap="flat" cmpd="sng" algn="ctr">
+                      <a:solidFill>
+                        <a:schemeClr val="tx1"/>
+                      </a:solidFill>
+                      <a:prstDash val="solid"/>
+                      <a:round/>
+                      <a:headEnd type="none" w="med" len="med"/>
+                      <a:tailEnd type="none" w="med" len="med"/>
+                    </a:lnL>
+                    <a:lnR w="12700" cap="flat" cmpd="sng" algn="ctr">
+                      <a:solidFill>
+                        <a:schemeClr val="tx1"/>
+                      </a:solidFill>
+                      <a:prstDash val="solid"/>
+                      <a:round/>
+                      <a:headEnd type="none" w="med" len="med"/>
+                      <a:tailEnd type="none" w="med" len="med"/>
+                    </a:lnR>
+                    <a:lnT w="12700" cap="flat" cmpd="sng" algn="ctr">
+                      <a:solidFill>
+                        <a:schemeClr val="tx1"/>
+                      </a:solidFill>
+                      <a:prstDash val="solid"/>
+                      <a:round/>
+                      <a:headEnd type="none" w="med" len="med"/>
+                      <a:tailEnd type="none" w="med" len="med"/>
+                    </a:lnT>
+                    <a:lnB w="12700" cap="flat" cmpd="sng" algn="ctr">
+                      <a:solidFill>
+                        <a:schemeClr val="tx1"/>
+                      </a:solidFill>
+                      <a:prstDash val="solid"/>
+                      <a:round/>
+                      <a:headEnd type="none" w="med" len="med"/>
+                      <a:tailEnd type="none" w="med" len="med"/>
+                    </a:lnB>
+                    <a:solidFill>
+                      <a:schemeClr val="accent1">
+                        <a:lumMod val="20000"/>
+                        <a:lumOff val="80000"/>
+                      </a:schemeClr>
+                    </a:solidFill>
+                  </a:tcPr>
+                </a:tc>
+                <a:tc>
+                  <a:txBody>
+                    <a:bodyPr/>
+                    <a:lstStyle/>
+                    <a:p>
+                      <a:pPr algn="ctr"/>
+                      <a:r>
+                        <a:rPr lang="en-US" altLang="zh-CN" sz="1400" b="0" dirty="0">
+                          <a:latin typeface="Microsoft YaHei" panose="020B0503020204020204" pitchFamily="34" charset="-122"/>
+                          <a:ea typeface="Microsoft YaHei" panose="020B0503020204020204" pitchFamily="34" charset="-122"/>
+                        </a:rPr>
+                        <a:t>4</a:t>
+                      </a:r>
+                      <a:endParaRPr lang="zh-CN" altLang="en-US" sz="1400" b="0" dirty="0">
+                        <a:latin typeface="Microsoft YaHei" panose="020B0503020204020204" pitchFamily="34" charset="-122"/>
+                        <a:ea typeface="Microsoft YaHei" panose="020B0503020204020204" pitchFamily="34" charset="-122"/>
+                      </a:endParaRPr>
+                    </a:p>
+                  </a:txBody>
+                  <a:tcPr anchor="ctr">
+                    <a:lnL w="12700" cap="flat" cmpd="sng" algn="ctr">
+                      <a:solidFill>
+                        <a:schemeClr val="tx1"/>
+                      </a:solidFill>
+                      <a:prstDash val="solid"/>
+                      <a:round/>
+                      <a:headEnd type="none" w="med" len="med"/>
+                      <a:tailEnd type="none" w="med" len="med"/>
+                    </a:lnL>
+                    <a:lnR w="12700" cap="flat" cmpd="sng" algn="ctr">
+                      <a:solidFill>
+                        <a:schemeClr val="tx1"/>
+                      </a:solidFill>
+                      <a:prstDash val="solid"/>
+                      <a:round/>
+                      <a:headEnd type="none" w="med" len="med"/>
+                      <a:tailEnd type="none" w="med" len="med"/>
+                    </a:lnR>
+                    <a:lnT w="12700" cap="flat" cmpd="sng" algn="ctr">
+                      <a:solidFill>
+                        <a:schemeClr val="tx1"/>
+                      </a:solidFill>
+                      <a:prstDash val="solid"/>
+                      <a:round/>
+                      <a:headEnd type="none" w="med" len="med"/>
+                      <a:tailEnd type="none" w="med" len="med"/>
+                    </a:lnT>
+                    <a:lnB w="12700" cap="flat" cmpd="sng" algn="ctr">
+                      <a:solidFill>
+                        <a:schemeClr val="tx1"/>
+                      </a:solidFill>
+                      <a:prstDash val="solid"/>
+                      <a:round/>
+                      <a:headEnd type="none" w="med" len="med"/>
+                      <a:tailEnd type="none" w="med" len="med"/>
+                    </a:lnB>
+                    <a:solidFill>
+                      <a:schemeClr val="accent1">
+                        <a:lumMod val="20000"/>
+                        <a:lumOff val="80000"/>
+                      </a:schemeClr>
+                    </a:solidFill>
+                  </a:tcPr>
+                </a:tc>
+                <a:tc>
+                  <a:txBody>
+                    <a:bodyPr/>
+                    <a:lstStyle/>
+                    <a:p>
+                      <a:pPr algn="ctr"/>
+                      <a:r>
+                        <a:rPr lang="en-US" altLang="zh-CN" sz="1400" b="0" dirty="0">
+                          <a:latin typeface="Microsoft YaHei" panose="020B0503020204020204" pitchFamily="34" charset="-122"/>
+                          <a:ea typeface="Microsoft YaHei" panose="020B0503020204020204" pitchFamily="34" charset="-122"/>
+                        </a:rPr>
+                        <a:t>5</a:t>
+                      </a:r>
+                      <a:endParaRPr lang="zh-CN" altLang="en-US" sz="1400" b="0" dirty="0">
+                        <a:latin typeface="Microsoft YaHei" panose="020B0503020204020204" pitchFamily="34" charset="-122"/>
+                        <a:ea typeface="Microsoft YaHei" panose="020B0503020204020204" pitchFamily="34" charset="-122"/>
+                      </a:endParaRPr>
+                    </a:p>
+                  </a:txBody>
+                  <a:tcPr anchor="ctr">
+                    <a:lnL w="12700" cap="flat" cmpd="sng" algn="ctr">
+                      <a:solidFill>
+                        <a:schemeClr val="tx1"/>
+                      </a:solidFill>
+                      <a:prstDash val="solid"/>
+                      <a:round/>
+                      <a:headEnd type="none" w="med" len="med"/>
+                      <a:tailEnd type="none" w="med" len="med"/>
+                    </a:lnL>
+                    <a:lnR w="12700" cap="flat" cmpd="sng" algn="ctr">
+                      <a:solidFill>
+                        <a:schemeClr val="tx1"/>
+                      </a:solidFill>
+                      <a:prstDash val="solid"/>
+                      <a:round/>
+                      <a:headEnd type="none" w="med" len="med"/>
+                      <a:tailEnd type="none" w="med" len="med"/>
+                    </a:lnR>
+                    <a:lnT w="12700" cap="flat" cmpd="sng" algn="ctr">
+                      <a:solidFill>
+                        <a:schemeClr val="tx1"/>
+                      </a:solidFill>
+                      <a:prstDash val="solid"/>
+                      <a:round/>
+                      <a:headEnd type="none" w="med" len="med"/>
+                      <a:tailEnd type="none" w="med" len="med"/>
+                    </a:lnT>
+                    <a:lnB w="12700" cap="flat" cmpd="sng" algn="ctr">
+                      <a:solidFill>
+                        <a:schemeClr val="tx1"/>
+                      </a:solidFill>
+                      <a:prstDash val="solid"/>
+                      <a:round/>
+                      <a:headEnd type="none" w="med" len="med"/>
+                      <a:tailEnd type="none" w="med" len="med"/>
+                    </a:lnB>
+                    <a:solidFill>
+                      <a:schemeClr val="accent1">
+                        <a:lumMod val="20000"/>
+                        <a:lumOff val="80000"/>
+                      </a:schemeClr>
+                    </a:solidFill>
+                  </a:tcPr>
+                </a:tc>
+                <a:tc>
+                  <a:txBody>
+                    <a:bodyPr/>
+                    <a:lstStyle/>
+                    <a:p>
+                      <a:pPr algn="ctr"/>
+                      <a:r>
+                        <a:rPr lang="en-US" altLang="zh-CN" sz="1400" b="0" dirty="0">
+                          <a:latin typeface="Microsoft YaHei" panose="020B0503020204020204" pitchFamily="34" charset="-122"/>
+                          <a:ea typeface="Microsoft YaHei" panose="020B0503020204020204" pitchFamily="34" charset="-122"/>
+                        </a:rPr>
+                        <a:t>6</a:t>
+                      </a:r>
+                      <a:endParaRPr lang="zh-CN" altLang="en-US" sz="1400" b="0" dirty="0">
+                        <a:latin typeface="Microsoft YaHei" panose="020B0503020204020204" pitchFamily="34" charset="-122"/>
+                        <a:ea typeface="Microsoft YaHei" panose="020B0503020204020204" pitchFamily="34" charset="-122"/>
+                      </a:endParaRPr>
+                    </a:p>
+                  </a:txBody>
+                  <a:tcPr anchor="ctr">
+                    <a:lnL w="12700" cap="flat" cmpd="sng" algn="ctr">
+                      <a:solidFill>
+                        <a:schemeClr val="tx1"/>
+                      </a:solidFill>
+                      <a:prstDash val="solid"/>
+                      <a:round/>
+                      <a:headEnd type="none" w="med" len="med"/>
+                      <a:tailEnd type="none" w="med" len="med"/>
+                    </a:lnL>
+                    <a:lnR w="12700" cap="flat" cmpd="sng" algn="ctr">
+                      <a:solidFill>
+                        <a:schemeClr val="tx1"/>
+                      </a:solidFill>
+                      <a:prstDash val="solid"/>
+                      <a:round/>
+                      <a:headEnd type="none" w="med" len="med"/>
+                      <a:tailEnd type="none" w="med" len="med"/>
+                    </a:lnR>
+                    <a:lnT w="12700" cap="flat" cmpd="sng" algn="ctr">
+                      <a:solidFill>
+                        <a:schemeClr val="tx1"/>
+                      </a:solidFill>
+                      <a:prstDash val="solid"/>
+                      <a:round/>
+                      <a:headEnd type="none" w="med" len="med"/>
+                      <a:tailEnd type="none" w="med" len="med"/>
+                    </a:lnT>
+                    <a:lnB w="12700" cap="flat" cmpd="sng" algn="ctr">
+                      <a:solidFill>
+                        <a:schemeClr val="tx1"/>
+                      </a:solidFill>
+                      <a:prstDash val="solid"/>
+                      <a:round/>
+                      <a:headEnd type="none" w="med" len="med"/>
+                      <a:tailEnd type="none" w="med" len="med"/>
+                    </a:lnB>
+                    <a:solidFill>
+                      <a:schemeClr val="accent1">
+                        <a:lumMod val="20000"/>
+                        <a:lumOff val="80000"/>
+                      </a:schemeClr>
+                    </a:solidFill>
+                  </a:tcPr>
+                </a:tc>
+                <a:tc>
+                  <a:txBody>
+                    <a:bodyPr/>
+                    <a:lstStyle/>
+                    <a:p>
+                      <a:pPr algn="ctr"/>
+                      <a:r>
+                        <a:rPr lang="en-US" altLang="zh-CN" sz="1400" b="0" dirty="0">
+                          <a:latin typeface="Microsoft YaHei" panose="020B0503020204020204" pitchFamily="34" charset="-122"/>
+                          <a:ea typeface="Microsoft YaHei" panose="020B0503020204020204" pitchFamily="34" charset="-122"/>
+                        </a:rPr>
+                        <a:t>7</a:t>
+                      </a:r>
+                      <a:endParaRPr lang="zh-CN" altLang="en-US" sz="1400" b="0" dirty="0">
+                        <a:latin typeface="Microsoft YaHei" panose="020B0503020204020204" pitchFamily="34" charset="-122"/>
+                        <a:ea typeface="Microsoft YaHei" panose="020B0503020204020204" pitchFamily="34" charset="-122"/>
+                      </a:endParaRPr>
+                    </a:p>
+                  </a:txBody>
+                  <a:tcPr anchor="ctr">
+                    <a:lnL w="12700" cap="flat" cmpd="sng" algn="ctr">
+                      <a:solidFill>
+                        <a:schemeClr val="tx1"/>
+                      </a:solidFill>
+                      <a:prstDash val="solid"/>
+                      <a:round/>
+                      <a:headEnd type="none" w="med" len="med"/>
+                      <a:tailEnd type="none" w="med" len="med"/>
+                    </a:lnL>
+                    <a:lnR w="12700" cap="flat" cmpd="sng" algn="ctr">
+                      <a:solidFill>
+                        <a:schemeClr val="tx1"/>
+                      </a:solidFill>
+                      <a:prstDash val="solid"/>
+                      <a:round/>
+                      <a:headEnd type="none" w="med" len="med"/>
+                      <a:tailEnd type="none" w="med" len="med"/>
+                    </a:lnR>
+                    <a:lnT w="12700" cap="flat" cmpd="sng" algn="ctr">
+                      <a:solidFill>
+                        <a:schemeClr val="tx1"/>
+                      </a:solidFill>
+                      <a:prstDash val="solid"/>
+                      <a:round/>
+                      <a:headEnd type="none" w="med" len="med"/>
+                      <a:tailEnd type="none" w="med" len="med"/>
+                    </a:lnT>
+                    <a:lnB w="12700" cap="flat" cmpd="sng" algn="ctr">
+                      <a:solidFill>
+                        <a:schemeClr val="tx1"/>
+                      </a:solidFill>
+                      <a:prstDash val="solid"/>
+                      <a:round/>
+                      <a:headEnd type="none" w="med" len="med"/>
+                      <a:tailEnd type="none" w="med" len="med"/>
+                    </a:lnB>
+                    <a:solidFill>
+                      <a:schemeClr val="accent1">
+                        <a:lumMod val="20000"/>
+                        <a:lumOff val="80000"/>
+                      </a:schemeClr>
+                    </a:solidFill>
+                  </a:tcPr>
+                </a:tc>
+                <a:extLst>
+                  <a:ext uri="{0D108BD9-81ED-4DB2-BD59-A6C34878D82A}">
+                    <a16:rowId xmlns:a16="http://schemas.microsoft.com/office/drawing/2014/main" val="2775207592"/>
+                  </a:ext>
+                </a:extLst>
+              </a:tr>
+              <a:tr h="370840">
+                <a:tc>
+                  <a:txBody>
+                    <a:bodyPr/>
+                    <a:lstStyle/>
+                    <a:p>
+                      <a:pPr algn="ctr"/>
+                      <a:r>
+                        <a:rPr lang="zh-CN" altLang="en-US" sz="1400" b="0" dirty="0">
+                          <a:latin typeface="Microsoft YaHei" panose="020B0503020204020204" pitchFamily="34" charset="-122"/>
+                          <a:ea typeface="Microsoft YaHei" panose="020B0503020204020204" pitchFamily="34" charset="-122"/>
+                        </a:rPr>
+                        <a:t>数组</a:t>
+                      </a:r>
+                    </a:p>
+                  </a:txBody>
+                  <a:tcPr anchor="ctr">
+                    <a:lnL w="12700" cap="flat" cmpd="sng" algn="ctr">
+                      <a:solidFill>
+                        <a:schemeClr val="tx1"/>
+                      </a:solidFill>
+                      <a:prstDash val="solid"/>
+                      <a:round/>
+                      <a:headEnd type="none" w="med" len="med"/>
+                      <a:tailEnd type="none" w="med" len="med"/>
+                    </a:lnL>
+                    <a:lnR w="12700" cap="flat" cmpd="sng" algn="ctr">
+                      <a:solidFill>
+                        <a:schemeClr val="tx1"/>
+                      </a:solidFill>
+                      <a:prstDash val="solid"/>
+                      <a:round/>
+                      <a:headEnd type="none" w="med" len="med"/>
+                      <a:tailEnd type="none" w="med" len="med"/>
+                    </a:lnR>
+                    <a:lnT w="12700" cap="flat" cmpd="sng" algn="ctr">
+                      <a:solidFill>
+                        <a:schemeClr val="tx1"/>
+                      </a:solidFill>
+                      <a:prstDash val="solid"/>
+                      <a:round/>
+                      <a:headEnd type="none" w="med" len="med"/>
+                      <a:tailEnd type="none" w="med" len="med"/>
+                    </a:lnT>
+                    <a:lnB w="12700" cap="flat" cmpd="sng" algn="ctr">
+                      <a:solidFill>
+                        <a:schemeClr val="tx1"/>
+                      </a:solidFill>
+                      <a:prstDash val="solid"/>
+                      <a:round/>
+                      <a:headEnd type="none" w="med" len="med"/>
+                      <a:tailEnd type="none" w="med" len="med"/>
+                    </a:lnB>
+                  </a:tcPr>
+                </a:tc>
+                <a:tc>
+                  <a:txBody>
+                    <a:bodyPr/>
+                    <a:lstStyle/>
+                    <a:p>
+                      <a:pPr marL="0" marR="0" lvl="0" indent="0" algn="ctr" defTabSz="914400" rtl="0" eaLnBrk="1" fontAlgn="auto" latinLnBrk="0" hangingPunct="1">
+                        <a:lnSpc>
+                          <a:spcPct val="100000"/>
+                        </a:lnSpc>
+                        <a:spcBef>
+                          <a:spcPts val="0"/>
+                        </a:spcBef>
+                        <a:spcAft>
+                          <a:spcPts val="0"/>
+                        </a:spcAft>
+                        <a:buClrTx/>
+                        <a:buSzTx/>
+                        <a:buFontTx/>
+                        <a:buNone/>
+                        <a:tabLst/>
+                        <a:defRPr/>
+                      </a:pPr>
+                      <a:r>
+                        <a:rPr lang="en-US" altLang="zh-CN" sz="1400" b="0" i="0" u="none" strike="noStrike" kern="1200" dirty="0">
+                          <a:solidFill>
+                            <a:schemeClr val="tx1"/>
+                          </a:solidFill>
+                          <a:effectLst/>
+                          <a:latin typeface="Microsoft YaHei" panose="020B0503020204020204" pitchFamily="34" charset="-122"/>
+                          <a:ea typeface="Microsoft YaHei" panose="020B0503020204020204" pitchFamily="34" charset="-122"/>
+                          <a:cs typeface="+mn-cs"/>
+                        </a:rPr>
+                        <a:t>43</a:t>
+                      </a:r>
+                    </a:p>
+                  </a:txBody>
+                  <a:tcPr anchor="ctr">
+                    <a:lnL w="12700" cap="flat" cmpd="sng" algn="ctr">
+                      <a:solidFill>
+                        <a:schemeClr val="tx1"/>
+                      </a:solidFill>
+                      <a:prstDash val="solid"/>
+                      <a:round/>
+                      <a:headEnd type="none" w="med" len="med"/>
+                      <a:tailEnd type="none" w="med" len="med"/>
+                    </a:lnL>
+                    <a:lnR w="12700" cap="flat" cmpd="sng" algn="ctr">
+                      <a:solidFill>
+                        <a:schemeClr val="tx1"/>
+                      </a:solidFill>
+                      <a:prstDash val="solid"/>
+                      <a:round/>
+                      <a:headEnd type="none" w="med" len="med"/>
+                      <a:tailEnd type="none" w="med" len="med"/>
+                    </a:lnR>
+                    <a:lnT w="12700" cap="flat" cmpd="sng" algn="ctr">
+                      <a:solidFill>
+                        <a:schemeClr val="tx1"/>
+                      </a:solidFill>
+                      <a:prstDash val="solid"/>
+                      <a:round/>
+                      <a:headEnd type="none" w="med" len="med"/>
+                      <a:tailEnd type="none" w="med" len="med"/>
+                    </a:lnT>
+                    <a:lnB w="12700" cap="flat" cmpd="sng" algn="ctr">
+                      <a:solidFill>
+                        <a:schemeClr val="tx1"/>
+                      </a:solidFill>
+                      <a:prstDash val="solid"/>
+                      <a:round/>
+                      <a:headEnd type="none" w="med" len="med"/>
+                      <a:tailEnd type="none" w="med" len="med"/>
+                    </a:lnB>
+                  </a:tcPr>
+                </a:tc>
+                <a:tc>
+                  <a:txBody>
+                    <a:bodyPr/>
+                    <a:lstStyle/>
+                    <a:p>
+                      <a:pPr algn="ctr"/>
+                      <a:r>
+                        <a:rPr lang="en-US" altLang="zh-CN" sz="1400" b="0" i="0" u="none" strike="noStrike" kern="1200" dirty="0">
+                          <a:solidFill>
+                            <a:schemeClr val="tx1"/>
+                          </a:solidFill>
+                          <a:effectLst/>
+                          <a:latin typeface="Microsoft YaHei" panose="020B0503020204020204" pitchFamily="34" charset="-122"/>
+                          <a:ea typeface="Microsoft YaHei" panose="020B0503020204020204" pitchFamily="34" charset="-122"/>
+                          <a:cs typeface="+mn-cs"/>
+                        </a:rPr>
+                        <a:t>38</a:t>
+                      </a:r>
+                      <a:endParaRPr lang="zh-CN" altLang="en-US" sz="1400" b="0" dirty="0">
+                        <a:latin typeface="Microsoft YaHei" panose="020B0503020204020204" pitchFamily="34" charset="-122"/>
+                        <a:ea typeface="Microsoft YaHei" panose="020B0503020204020204" pitchFamily="34" charset="-122"/>
+                      </a:endParaRPr>
+                    </a:p>
+                  </a:txBody>
+                  <a:tcPr anchor="ctr">
+                    <a:lnL w="12700" cap="flat" cmpd="sng" algn="ctr">
+                      <a:solidFill>
+                        <a:schemeClr val="tx1"/>
+                      </a:solidFill>
+                      <a:prstDash val="solid"/>
+                      <a:round/>
+                      <a:headEnd type="none" w="med" len="med"/>
+                      <a:tailEnd type="none" w="med" len="med"/>
+                    </a:lnL>
+                    <a:lnR w="12700" cap="flat" cmpd="sng" algn="ctr">
+                      <a:solidFill>
+                        <a:schemeClr val="tx1"/>
+                      </a:solidFill>
+                      <a:prstDash val="solid"/>
+                      <a:round/>
+                      <a:headEnd type="none" w="med" len="med"/>
+                      <a:tailEnd type="none" w="med" len="med"/>
+                    </a:lnR>
+                    <a:lnT w="12700" cap="flat" cmpd="sng" algn="ctr">
+                      <a:solidFill>
+                        <a:schemeClr val="tx1"/>
+                      </a:solidFill>
+                      <a:prstDash val="solid"/>
+                      <a:round/>
+                      <a:headEnd type="none" w="med" len="med"/>
+                      <a:tailEnd type="none" w="med" len="med"/>
+                    </a:lnT>
+                    <a:lnB w="12700" cap="flat" cmpd="sng" algn="ctr">
+                      <a:solidFill>
+                        <a:schemeClr val="tx1"/>
+                      </a:solidFill>
+                      <a:prstDash val="solid"/>
+                      <a:round/>
+                      <a:headEnd type="none" w="med" len="med"/>
+                      <a:tailEnd type="none" w="med" len="med"/>
+                    </a:lnB>
+                  </a:tcPr>
+                </a:tc>
+                <a:tc>
+                  <a:txBody>
+                    <a:bodyPr/>
+                    <a:lstStyle/>
+                    <a:p>
+                      <a:pPr algn="ctr"/>
+                      <a:r>
+                        <a:rPr lang="en-US" altLang="zh-CN" sz="1400" b="0" i="0" u="none" strike="noStrike" kern="1200" dirty="0">
+                          <a:solidFill>
+                            <a:schemeClr val="tx1"/>
+                          </a:solidFill>
+                          <a:effectLst/>
+                          <a:latin typeface="Microsoft YaHei" panose="020B0503020204020204" pitchFamily="34" charset="-122"/>
+                          <a:ea typeface="Microsoft YaHei" panose="020B0503020204020204" pitchFamily="34" charset="-122"/>
+                          <a:cs typeface="+mn-cs"/>
+                        </a:rPr>
+                        <a:t>79</a:t>
+                      </a:r>
+                      <a:endParaRPr lang="zh-CN" altLang="en-US" sz="1400" b="0" dirty="0">
+                        <a:latin typeface="Microsoft YaHei" panose="020B0503020204020204" pitchFamily="34" charset="-122"/>
+                        <a:ea typeface="Microsoft YaHei" panose="020B0503020204020204" pitchFamily="34" charset="-122"/>
+                      </a:endParaRPr>
+                    </a:p>
+                  </a:txBody>
+                  <a:tcPr anchor="ctr">
+                    <a:lnL w="12700" cap="flat" cmpd="sng" algn="ctr">
+                      <a:solidFill>
+                        <a:schemeClr val="tx1"/>
+                      </a:solidFill>
+                      <a:prstDash val="solid"/>
+                      <a:round/>
+                      <a:headEnd type="none" w="med" len="med"/>
+                      <a:tailEnd type="none" w="med" len="med"/>
+                    </a:lnL>
+                    <a:lnR w="12700" cap="flat" cmpd="sng" algn="ctr">
+                      <a:solidFill>
+                        <a:schemeClr val="tx1"/>
+                      </a:solidFill>
+                      <a:prstDash val="solid"/>
+                      <a:round/>
+                      <a:headEnd type="none" w="med" len="med"/>
+                      <a:tailEnd type="none" w="med" len="med"/>
+                    </a:lnR>
+                    <a:lnT w="12700" cap="flat" cmpd="sng" algn="ctr">
+                      <a:solidFill>
+                        <a:schemeClr val="tx1"/>
+                      </a:solidFill>
+                      <a:prstDash val="solid"/>
+                      <a:round/>
+                      <a:headEnd type="none" w="med" len="med"/>
+                      <a:tailEnd type="none" w="med" len="med"/>
+                    </a:lnT>
+                    <a:lnB w="12700" cap="flat" cmpd="sng" algn="ctr">
+                      <a:solidFill>
+                        <a:schemeClr val="tx1"/>
+                      </a:solidFill>
+                      <a:prstDash val="solid"/>
+                      <a:round/>
+                      <a:headEnd type="none" w="med" len="med"/>
+                      <a:tailEnd type="none" w="med" len="med"/>
+                    </a:lnB>
+                  </a:tcPr>
+                </a:tc>
+                <a:tc>
+                  <a:txBody>
+                    <a:bodyPr/>
+                    <a:lstStyle/>
+                    <a:p>
+                      <a:pPr algn="ctr"/>
+                      <a:r>
+                        <a:rPr lang="en-US" altLang="zh-CN" sz="1400" b="0" i="0" u="none" strike="noStrike" kern="1200" dirty="0">
+                          <a:solidFill>
+                            <a:schemeClr val="tx1"/>
+                          </a:solidFill>
+                          <a:effectLst/>
+                          <a:latin typeface="Microsoft YaHei" panose="020B0503020204020204" pitchFamily="34" charset="-122"/>
+                          <a:ea typeface="Microsoft YaHei" panose="020B0503020204020204" pitchFamily="34" charset="-122"/>
+                          <a:cs typeface="+mn-cs"/>
+                        </a:rPr>
+                        <a:t>59</a:t>
+                      </a:r>
+                      <a:endParaRPr lang="zh-CN" altLang="en-US" sz="1400" b="0" dirty="0">
+                        <a:latin typeface="Microsoft YaHei" panose="020B0503020204020204" pitchFamily="34" charset="-122"/>
+                        <a:ea typeface="Microsoft YaHei" panose="020B0503020204020204" pitchFamily="34" charset="-122"/>
+                      </a:endParaRPr>
+                    </a:p>
+                  </a:txBody>
+                  <a:tcPr anchor="ctr">
+                    <a:lnL w="12700" cap="flat" cmpd="sng" algn="ctr">
+                      <a:solidFill>
+                        <a:schemeClr val="tx1"/>
+                      </a:solidFill>
+                      <a:prstDash val="solid"/>
+                      <a:round/>
+                      <a:headEnd type="none" w="med" len="med"/>
+                      <a:tailEnd type="none" w="med" len="med"/>
+                    </a:lnL>
+                    <a:lnR w="12700" cap="flat" cmpd="sng" algn="ctr">
+                      <a:solidFill>
+                        <a:schemeClr val="tx1"/>
+                      </a:solidFill>
+                      <a:prstDash val="solid"/>
+                      <a:round/>
+                      <a:headEnd type="none" w="med" len="med"/>
+                      <a:tailEnd type="none" w="med" len="med"/>
+                    </a:lnR>
+                    <a:lnT w="12700" cap="flat" cmpd="sng" algn="ctr">
+                      <a:solidFill>
+                        <a:schemeClr val="tx1"/>
+                      </a:solidFill>
+                      <a:prstDash val="solid"/>
+                      <a:round/>
+                      <a:headEnd type="none" w="med" len="med"/>
+                      <a:tailEnd type="none" w="med" len="med"/>
+                    </a:lnT>
+                    <a:lnB w="12700" cap="flat" cmpd="sng" algn="ctr">
+                      <a:solidFill>
+                        <a:schemeClr val="tx1"/>
+                      </a:solidFill>
+                      <a:prstDash val="solid"/>
+                      <a:round/>
+                      <a:headEnd type="none" w="med" len="med"/>
+                      <a:tailEnd type="none" w="med" len="med"/>
+                    </a:lnB>
+                  </a:tcPr>
+                </a:tc>
+                <a:tc>
+                  <a:txBody>
+                    <a:bodyPr/>
+                    <a:lstStyle/>
+                    <a:p>
+                      <a:pPr algn="ctr"/>
+                      <a:r>
+                        <a:rPr lang="en-US" altLang="zh-CN" sz="1400" b="0" i="0" u="none" strike="noStrike" kern="1200" dirty="0">
+                          <a:solidFill>
+                            <a:schemeClr val="tx1"/>
+                          </a:solidFill>
+                          <a:effectLst/>
+                          <a:latin typeface="Microsoft YaHei" panose="020B0503020204020204" pitchFamily="34" charset="-122"/>
+                          <a:ea typeface="Microsoft YaHei" panose="020B0503020204020204" pitchFamily="34" charset="-122"/>
+                          <a:cs typeface="+mn-cs"/>
+                        </a:rPr>
+                        <a:t>5</a:t>
+                      </a:r>
+                      <a:endParaRPr lang="zh-CN" altLang="en-US" sz="1400" b="0" dirty="0">
+                        <a:latin typeface="Microsoft YaHei" panose="020B0503020204020204" pitchFamily="34" charset="-122"/>
+                        <a:ea typeface="Microsoft YaHei" panose="020B0503020204020204" pitchFamily="34" charset="-122"/>
+                      </a:endParaRPr>
+                    </a:p>
+                  </a:txBody>
+                  <a:tcPr anchor="ctr">
+                    <a:lnL w="12700" cap="flat" cmpd="sng" algn="ctr">
+                      <a:solidFill>
+                        <a:schemeClr val="tx1"/>
+                      </a:solidFill>
+                      <a:prstDash val="solid"/>
+                      <a:round/>
+                      <a:headEnd type="none" w="med" len="med"/>
+                      <a:tailEnd type="none" w="med" len="med"/>
+                    </a:lnL>
+                    <a:lnR w="12700" cap="flat" cmpd="sng" algn="ctr">
+                      <a:solidFill>
+                        <a:schemeClr val="tx1"/>
+                      </a:solidFill>
+                      <a:prstDash val="solid"/>
+                      <a:round/>
+                      <a:headEnd type="none" w="med" len="med"/>
+                      <a:tailEnd type="none" w="med" len="med"/>
+                    </a:lnR>
+                    <a:lnT w="12700" cap="flat" cmpd="sng" algn="ctr">
+                      <a:solidFill>
+                        <a:schemeClr val="tx1"/>
+                      </a:solidFill>
+                      <a:prstDash val="solid"/>
+                      <a:round/>
+                      <a:headEnd type="none" w="med" len="med"/>
+                      <a:tailEnd type="none" w="med" len="med"/>
+                    </a:lnT>
+                    <a:lnB w="12700" cap="flat" cmpd="sng" algn="ctr">
+                      <a:solidFill>
+                        <a:schemeClr val="tx1"/>
+                      </a:solidFill>
+                      <a:prstDash val="solid"/>
+                      <a:round/>
+                      <a:headEnd type="none" w="med" len="med"/>
+                      <a:tailEnd type="none" w="med" len="med"/>
+                    </a:lnB>
+                  </a:tcPr>
+                </a:tc>
+                <a:tc>
+                  <a:txBody>
+                    <a:bodyPr/>
+                    <a:lstStyle/>
+                    <a:p>
+                      <a:pPr algn="ctr"/>
+                      <a:r>
+                        <a:rPr lang="en-US" altLang="zh-CN" sz="1400" b="0" i="0" u="none" strike="noStrike" kern="1200" dirty="0">
+                          <a:solidFill>
+                            <a:schemeClr val="tx1"/>
+                          </a:solidFill>
+                          <a:effectLst/>
+                          <a:latin typeface="Microsoft YaHei" panose="020B0503020204020204" pitchFamily="34" charset="-122"/>
+                          <a:ea typeface="Microsoft YaHei" panose="020B0503020204020204" pitchFamily="34" charset="-122"/>
+                          <a:cs typeface="+mn-cs"/>
+                        </a:rPr>
+                        <a:t>73</a:t>
+                      </a:r>
+                      <a:endParaRPr lang="zh-CN" altLang="en-US" sz="1400" b="0" dirty="0">
+                        <a:latin typeface="Microsoft YaHei" panose="020B0503020204020204" pitchFamily="34" charset="-122"/>
+                        <a:ea typeface="Microsoft YaHei" panose="020B0503020204020204" pitchFamily="34" charset="-122"/>
+                      </a:endParaRPr>
+                    </a:p>
+                  </a:txBody>
+                  <a:tcPr anchor="ctr">
+                    <a:lnL w="12700" cap="flat" cmpd="sng" algn="ctr">
+                      <a:solidFill>
+                        <a:schemeClr val="tx1"/>
+                      </a:solidFill>
+                      <a:prstDash val="solid"/>
+                      <a:round/>
+                      <a:headEnd type="none" w="med" len="med"/>
+                      <a:tailEnd type="none" w="med" len="med"/>
+                    </a:lnL>
+                    <a:lnR w="12700" cap="flat" cmpd="sng" algn="ctr">
+                      <a:solidFill>
+                        <a:schemeClr val="tx1"/>
+                      </a:solidFill>
+                      <a:prstDash val="solid"/>
+                      <a:round/>
+                      <a:headEnd type="none" w="med" len="med"/>
+                      <a:tailEnd type="none" w="med" len="med"/>
+                    </a:lnR>
+                    <a:lnT w="12700" cap="flat" cmpd="sng" algn="ctr">
+                      <a:solidFill>
+                        <a:schemeClr val="tx1"/>
+                      </a:solidFill>
+                      <a:prstDash val="solid"/>
+                      <a:round/>
+                      <a:headEnd type="none" w="med" len="med"/>
+                      <a:tailEnd type="none" w="med" len="med"/>
+                    </a:lnT>
+                    <a:lnB w="12700" cap="flat" cmpd="sng" algn="ctr">
+                      <a:solidFill>
+                        <a:schemeClr val="tx1"/>
+                      </a:solidFill>
+                      <a:prstDash val="solid"/>
+                      <a:round/>
+                      <a:headEnd type="none" w="med" len="med"/>
+                      <a:tailEnd type="none" w="med" len="med"/>
+                    </a:lnB>
+                  </a:tcPr>
+                </a:tc>
+                <a:tc>
+                  <a:txBody>
+                    <a:bodyPr/>
+                    <a:lstStyle/>
+                    <a:p>
+                      <a:pPr algn="ctr"/>
+                      <a:r>
+                        <a:rPr lang="en-US" altLang="zh-CN" sz="1400" b="0" i="0" u="none" strike="noStrike" kern="1200" dirty="0">
+                          <a:solidFill>
+                            <a:schemeClr val="tx1"/>
+                          </a:solidFill>
+                          <a:effectLst/>
+                          <a:latin typeface="Microsoft YaHei" panose="020B0503020204020204" pitchFamily="34" charset="-122"/>
+                          <a:ea typeface="Microsoft YaHei" panose="020B0503020204020204" pitchFamily="34" charset="-122"/>
+                          <a:cs typeface="+mn-cs"/>
+                        </a:rPr>
+                        <a:t>58</a:t>
+                      </a:r>
+                      <a:endParaRPr lang="zh-CN" altLang="en-US" sz="1400" b="0" dirty="0">
+                        <a:latin typeface="Microsoft YaHei" panose="020B0503020204020204" pitchFamily="34" charset="-122"/>
+                        <a:ea typeface="Microsoft YaHei" panose="020B0503020204020204" pitchFamily="34" charset="-122"/>
+                      </a:endParaRPr>
+                    </a:p>
+                  </a:txBody>
+                  <a:tcPr anchor="ctr">
+                    <a:lnL w="12700" cap="flat" cmpd="sng" algn="ctr">
+                      <a:solidFill>
+                        <a:schemeClr val="tx1"/>
+                      </a:solidFill>
+                      <a:prstDash val="solid"/>
+                      <a:round/>
+                      <a:headEnd type="none" w="med" len="med"/>
+                      <a:tailEnd type="none" w="med" len="med"/>
+                    </a:lnL>
+                    <a:lnR w="12700" cap="flat" cmpd="sng" algn="ctr">
+                      <a:solidFill>
+                        <a:schemeClr val="tx1"/>
+                      </a:solidFill>
+                      <a:prstDash val="solid"/>
+                      <a:round/>
+                      <a:headEnd type="none" w="med" len="med"/>
+                      <a:tailEnd type="none" w="med" len="med"/>
+                    </a:lnR>
+                    <a:lnT w="12700" cap="flat" cmpd="sng" algn="ctr">
+                      <a:solidFill>
+                        <a:schemeClr val="tx1"/>
+                      </a:solidFill>
+                      <a:prstDash val="solid"/>
+                      <a:round/>
+                      <a:headEnd type="none" w="med" len="med"/>
+                      <a:tailEnd type="none" w="med" len="med"/>
+                    </a:lnT>
+                    <a:lnB w="12700" cap="flat" cmpd="sng" algn="ctr">
+                      <a:solidFill>
+                        <a:schemeClr val="tx1"/>
+                      </a:solidFill>
+                      <a:prstDash val="solid"/>
+                      <a:round/>
+                      <a:headEnd type="none" w="med" len="med"/>
+                      <a:tailEnd type="none" w="med" len="med"/>
+                    </a:lnB>
+                  </a:tcPr>
+                </a:tc>
+                <a:tc>
+                  <a:txBody>
+                    <a:bodyPr/>
+                    <a:lstStyle/>
+                    <a:p>
+                      <a:pPr algn="ctr"/>
+                      <a:r>
+                        <a:rPr lang="en-US" altLang="zh-CN" sz="1400" b="0" i="0" u="none" strike="noStrike" kern="1200" dirty="0">
+                          <a:solidFill>
+                            <a:schemeClr val="tx1"/>
+                          </a:solidFill>
+                          <a:effectLst/>
+                          <a:latin typeface="Microsoft YaHei" panose="020B0503020204020204" pitchFamily="34" charset="-122"/>
+                          <a:ea typeface="Microsoft YaHei" panose="020B0503020204020204" pitchFamily="34" charset="-122"/>
+                          <a:cs typeface="+mn-cs"/>
+                        </a:rPr>
+                        <a:t>45</a:t>
+                      </a:r>
+                      <a:endParaRPr lang="zh-CN" altLang="en-US" sz="1400" b="0" dirty="0">
+                        <a:latin typeface="Microsoft YaHei" panose="020B0503020204020204" pitchFamily="34" charset="-122"/>
+                        <a:ea typeface="Microsoft YaHei" panose="020B0503020204020204" pitchFamily="34" charset="-122"/>
+                      </a:endParaRPr>
+                    </a:p>
+                  </a:txBody>
+                  <a:tcPr anchor="ctr">
+                    <a:lnL w="12700" cap="flat" cmpd="sng" algn="ctr">
+                      <a:solidFill>
+                        <a:schemeClr val="tx1"/>
+                      </a:solidFill>
+                      <a:prstDash val="solid"/>
+                      <a:round/>
+                      <a:headEnd type="none" w="med" len="med"/>
+                      <a:tailEnd type="none" w="med" len="med"/>
+                    </a:lnL>
+                    <a:lnR w="12700" cap="flat" cmpd="sng" algn="ctr">
+                      <a:solidFill>
+                        <a:schemeClr val="tx1"/>
+                      </a:solidFill>
+                      <a:prstDash val="solid"/>
+                      <a:round/>
+                      <a:headEnd type="none" w="med" len="med"/>
+                      <a:tailEnd type="none" w="med" len="med"/>
+                    </a:lnR>
+                    <a:lnT w="12700" cap="flat" cmpd="sng" algn="ctr">
+                      <a:solidFill>
+                        <a:schemeClr val="tx1"/>
+                      </a:solidFill>
+                      <a:prstDash val="solid"/>
+                      <a:round/>
+                      <a:headEnd type="none" w="med" len="med"/>
+                      <a:tailEnd type="none" w="med" len="med"/>
+                    </a:lnT>
+                    <a:lnB w="12700" cap="flat" cmpd="sng" algn="ctr">
+                      <a:solidFill>
+                        <a:schemeClr val="tx1"/>
+                      </a:solidFill>
+                      <a:prstDash val="solid"/>
+                      <a:round/>
+                      <a:headEnd type="none" w="med" len="med"/>
+                      <a:tailEnd type="none" w="med" len="med"/>
+                    </a:lnB>
+                  </a:tcPr>
+                </a:tc>
+                <a:extLst>
+                  <a:ext uri="{0D108BD9-81ED-4DB2-BD59-A6C34878D82A}">
+                    <a16:rowId xmlns:a16="http://schemas.microsoft.com/office/drawing/2014/main" val="1822106616"/>
+                  </a:ext>
+                </a:extLst>
+              </a:tr>
+              <a:tr h="370840">
+                <a:tc>
+                  <a:txBody>
+                    <a:bodyPr/>
+                    <a:lstStyle/>
+                    <a:p>
+                      <a:pPr algn="ctr"/>
+                      <a:r>
+                        <a:rPr lang="zh-CN" altLang="en-US" sz="1400" b="0" dirty="0">
+                          <a:latin typeface="Microsoft YaHei" panose="020B0503020204020204" pitchFamily="34" charset="-122"/>
+                          <a:ea typeface="Microsoft YaHei" panose="020B0503020204020204" pitchFamily="34" charset="-122"/>
+                        </a:rPr>
+                        <a:t>前缀和</a:t>
+                      </a:r>
+                    </a:p>
+                  </a:txBody>
+                  <a:tcPr anchor="ctr">
+                    <a:lnL w="12700" cap="flat" cmpd="sng" algn="ctr">
+                      <a:solidFill>
+                        <a:schemeClr val="tx1"/>
+                      </a:solidFill>
+                      <a:prstDash val="solid"/>
+                      <a:round/>
+                      <a:headEnd type="none" w="med" len="med"/>
+                      <a:tailEnd type="none" w="med" len="med"/>
+                    </a:lnL>
+                    <a:lnR w="12700" cap="flat" cmpd="sng" algn="ctr">
+                      <a:solidFill>
+                        <a:schemeClr val="tx1"/>
+                      </a:solidFill>
+                      <a:prstDash val="solid"/>
+                      <a:round/>
+                      <a:headEnd type="none" w="med" len="med"/>
+                      <a:tailEnd type="none" w="med" len="med"/>
+                    </a:lnR>
+                    <a:lnT w="12700" cap="flat" cmpd="sng" algn="ctr">
+                      <a:solidFill>
+                        <a:schemeClr val="tx1"/>
+                      </a:solidFill>
+                      <a:prstDash val="solid"/>
+                      <a:round/>
+                      <a:headEnd type="none" w="med" len="med"/>
+                      <a:tailEnd type="none" w="med" len="med"/>
+                    </a:lnT>
+                    <a:lnB w="12700" cap="flat" cmpd="sng" algn="ctr">
+                      <a:solidFill>
+                        <a:schemeClr val="tx1"/>
+                      </a:solidFill>
+                      <a:prstDash val="solid"/>
+                      <a:round/>
+                      <a:headEnd type="none" w="med" len="med"/>
+                      <a:tailEnd type="none" w="med" len="med"/>
+                    </a:lnB>
+                    <a:solidFill>
+                      <a:schemeClr val="accent4">
+                        <a:lumMod val="20000"/>
+                        <a:lumOff val="80000"/>
+                      </a:schemeClr>
+                    </a:solidFill>
+                  </a:tcPr>
+                </a:tc>
+                <a:tc>
+                  <a:txBody>
+                    <a:bodyPr/>
+                    <a:lstStyle/>
+                    <a:p>
+                      <a:pPr algn="ctr"/>
+                      <a:r>
+                        <a:rPr lang="en-US" altLang="zh-CN" sz="1400" b="0" dirty="0">
+                          <a:latin typeface="Microsoft YaHei" panose="020B0503020204020204" pitchFamily="34" charset="-122"/>
+                          <a:ea typeface="Microsoft YaHei" panose="020B0503020204020204" pitchFamily="34" charset="-122"/>
+                        </a:rPr>
+                        <a:t>43</a:t>
+                      </a:r>
+                      <a:endParaRPr lang="zh-CN" altLang="en-US" sz="1400" b="0" dirty="0">
+                        <a:latin typeface="Microsoft YaHei" panose="020B0503020204020204" pitchFamily="34" charset="-122"/>
+                        <a:ea typeface="Microsoft YaHei" panose="020B0503020204020204" pitchFamily="34" charset="-122"/>
+                      </a:endParaRPr>
+                    </a:p>
+                  </a:txBody>
+                  <a:tcPr anchor="ctr">
+                    <a:lnL w="12700" cap="flat" cmpd="sng" algn="ctr">
+                      <a:solidFill>
+                        <a:schemeClr val="tx1"/>
+                      </a:solidFill>
+                      <a:prstDash val="solid"/>
+                      <a:round/>
+                      <a:headEnd type="none" w="med" len="med"/>
+                      <a:tailEnd type="none" w="med" len="med"/>
+                    </a:lnL>
+                    <a:lnR w="12700" cap="flat" cmpd="sng" algn="ctr">
+                      <a:solidFill>
+                        <a:schemeClr val="tx1"/>
+                      </a:solidFill>
+                      <a:prstDash val="solid"/>
+                      <a:round/>
+                      <a:headEnd type="none" w="med" len="med"/>
+                      <a:tailEnd type="none" w="med" len="med"/>
+                    </a:lnR>
+                    <a:lnT w="12700" cap="flat" cmpd="sng" algn="ctr">
+                      <a:solidFill>
+                        <a:schemeClr val="tx1"/>
+                      </a:solidFill>
+                      <a:prstDash val="solid"/>
+                      <a:round/>
+                      <a:headEnd type="none" w="med" len="med"/>
+                      <a:tailEnd type="none" w="med" len="med"/>
+                    </a:lnT>
+                    <a:lnB w="12700" cap="flat" cmpd="sng" algn="ctr">
+                      <a:solidFill>
+                        <a:schemeClr val="tx1"/>
+                      </a:solidFill>
+                      <a:prstDash val="solid"/>
+                      <a:round/>
+                      <a:headEnd type="none" w="med" len="med"/>
+                      <a:tailEnd type="none" w="med" len="med"/>
+                    </a:lnB>
+                    <a:solidFill>
+                      <a:schemeClr val="accent4">
+                        <a:lumMod val="20000"/>
+                        <a:lumOff val="80000"/>
+                      </a:schemeClr>
+                    </a:solidFill>
+                  </a:tcPr>
+                </a:tc>
+                <a:tc>
+                  <a:txBody>
+                    <a:bodyPr/>
+                    <a:lstStyle/>
+                    <a:p>
+                      <a:pPr algn="ctr"/>
+                      <a:r>
+                        <a:rPr lang="en-US" altLang="zh-CN" sz="1400" b="0" dirty="0">
+                          <a:latin typeface="Microsoft YaHei" panose="020B0503020204020204" pitchFamily="34" charset="-122"/>
+                          <a:ea typeface="Microsoft YaHei" panose="020B0503020204020204" pitchFamily="34" charset="-122"/>
+                        </a:rPr>
+                        <a:t>81</a:t>
+                      </a:r>
+                      <a:endParaRPr lang="zh-CN" altLang="en-US" sz="1400" b="0" dirty="0">
+                        <a:latin typeface="Microsoft YaHei" panose="020B0503020204020204" pitchFamily="34" charset="-122"/>
+                        <a:ea typeface="Microsoft YaHei" panose="020B0503020204020204" pitchFamily="34" charset="-122"/>
+                      </a:endParaRPr>
+                    </a:p>
+                  </a:txBody>
+                  <a:tcPr anchor="ctr">
+                    <a:lnL w="12700" cap="flat" cmpd="sng" algn="ctr">
+                      <a:solidFill>
+                        <a:schemeClr val="tx1"/>
+                      </a:solidFill>
+                      <a:prstDash val="solid"/>
+                      <a:round/>
+                      <a:headEnd type="none" w="med" len="med"/>
+                      <a:tailEnd type="none" w="med" len="med"/>
+                    </a:lnL>
+                    <a:lnR w="12700" cap="flat" cmpd="sng" algn="ctr">
+                      <a:solidFill>
+                        <a:schemeClr val="tx1"/>
+                      </a:solidFill>
+                      <a:prstDash val="solid"/>
+                      <a:round/>
+                      <a:headEnd type="none" w="med" len="med"/>
+                      <a:tailEnd type="none" w="med" len="med"/>
+                    </a:lnR>
+                    <a:lnT w="12700" cap="flat" cmpd="sng" algn="ctr">
+                      <a:solidFill>
+                        <a:schemeClr val="tx1"/>
+                      </a:solidFill>
+                      <a:prstDash val="solid"/>
+                      <a:round/>
+                      <a:headEnd type="none" w="med" len="med"/>
+                      <a:tailEnd type="none" w="med" len="med"/>
+                    </a:lnT>
+                    <a:lnB w="12700" cap="flat" cmpd="sng" algn="ctr">
+                      <a:solidFill>
+                        <a:schemeClr val="tx1"/>
+                      </a:solidFill>
+                      <a:prstDash val="solid"/>
+                      <a:round/>
+                      <a:headEnd type="none" w="med" len="med"/>
+                      <a:tailEnd type="none" w="med" len="med"/>
+                    </a:lnB>
+                    <a:solidFill>
+                      <a:schemeClr val="accent4">
+                        <a:lumMod val="20000"/>
+                        <a:lumOff val="80000"/>
+                      </a:schemeClr>
+                    </a:solidFill>
+                  </a:tcPr>
+                </a:tc>
+                <a:tc>
+                  <a:txBody>
+                    <a:bodyPr/>
+                    <a:lstStyle/>
+                    <a:p>
+                      <a:pPr algn="ctr"/>
+                      <a:r>
+                        <a:rPr lang="en-US" altLang="zh-CN" sz="1400" b="0" dirty="0">
+                          <a:latin typeface="Microsoft YaHei" panose="020B0503020204020204" pitchFamily="34" charset="-122"/>
+                          <a:ea typeface="Microsoft YaHei" panose="020B0503020204020204" pitchFamily="34" charset="-122"/>
+                        </a:rPr>
+                        <a:t>160</a:t>
+                      </a:r>
+                      <a:endParaRPr lang="zh-CN" altLang="en-US" sz="1400" b="0" dirty="0">
+                        <a:latin typeface="Microsoft YaHei" panose="020B0503020204020204" pitchFamily="34" charset="-122"/>
+                        <a:ea typeface="Microsoft YaHei" panose="020B0503020204020204" pitchFamily="34" charset="-122"/>
+                      </a:endParaRPr>
+                    </a:p>
+                  </a:txBody>
+                  <a:tcPr anchor="ctr">
+                    <a:lnL w="12700" cap="flat" cmpd="sng" algn="ctr">
+                      <a:solidFill>
+                        <a:schemeClr val="tx1"/>
+                      </a:solidFill>
+                      <a:prstDash val="solid"/>
+                      <a:round/>
+                      <a:headEnd type="none" w="med" len="med"/>
+                      <a:tailEnd type="none" w="med" len="med"/>
+                    </a:lnL>
+                    <a:lnR w="12700" cap="flat" cmpd="sng" algn="ctr">
+                      <a:solidFill>
+                        <a:schemeClr val="tx1"/>
+                      </a:solidFill>
+                      <a:prstDash val="solid"/>
+                      <a:round/>
+                      <a:headEnd type="none" w="med" len="med"/>
+                      <a:tailEnd type="none" w="med" len="med"/>
+                    </a:lnR>
+                    <a:lnT w="12700" cap="flat" cmpd="sng" algn="ctr">
+                      <a:solidFill>
+                        <a:schemeClr val="tx1"/>
+                      </a:solidFill>
+                      <a:prstDash val="solid"/>
+                      <a:round/>
+                      <a:headEnd type="none" w="med" len="med"/>
+                      <a:tailEnd type="none" w="med" len="med"/>
+                    </a:lnT>
+                    <a:lnB w="12700" cap="flat" cmpd="sng" algn="ctr">
+                      <a:solidFill>
+                        <a:schemeClr val="tx1"/>
+                      </a:solidFill>
+                      <a:prstDash val="solid"/>
+                      <a:round/>
+                      <a:headEnd type="none" w="med" len="med"/>
+                      <a:tailEnd type="none" w="med" len="med"/>
+                    </a:lnB>
+                    <a:solidFill>
+                      <a:schemeClr val="accent4">
+                        <a:lumMod val="20000"/>
+                        <a:lumOff val="80000"/>
+                      </a:schemeClr>
+                    </a:solidFill>
+                  </a:tcPr>
+                </a:tc>
+                <a:tc>
+                  <a:txBody>
+                    <a:bodyPr/>
+                    <a:lstStyle/>
+                    <a:p>
+                      <a:pPr algn="ctr"/>
+                      <a:r>
+                        <a:rPr lang="en-US" altLang="zh-CN" sz="1400" b="0" dirty="0">
+                          <a:latin typeface="Microsoft YaHei" panose="020B0503020204020204" pitchFamily="34" charset="-122"/>
+                          <a:ea typeface="Microsoft YaHei" panose="020B0503020204020204" pitchFamily="34" charset="-122"/>
+                        </a:rPr>
+                        <a:t>219</a:t>
+                      </a:r>
+                      <a:endParaRPr lang="zh-CN" altLang="en-US" sz="1400" b="0" dirty="0">
+                        <a:latin typeface="Microsoft YaHei" panose="020B0503020204020204" pitchFamily="34" charset="-122"/>
+                        <a:ea typeface="Microsoft YaHei" panose="020B0503020204020204" pitchFamily="34" charset="-122"/>
+                      </a:endParaRPr>
+                    </a:p>
+                  </a:txBody>
+                  <a:tcPr anchor="ctr">
+                    <a:lnL w="12700" cap="flat" cmpd="sng" algn="ctr">
+                      <a:solidFill>
+                        <a:schemeClr val="tx1"/>
+                      </a:solidFill>
+                      <a:prstDash val="solid"/>
+                      <a:round/>
+                      <a:headEnd type="none" w="med" len="med"/>
+                      <a:tailEnd type="none" w="med" len="med"/>
+                    </a:lnL>
+                    <a:lnR w="12700" cap="flat" cmpd="sng" algn="ctr">
+                      <a:solidFill>
+                        <a:schemeClr val="tx1"/>
+                      </a:solidFill>
+                      <a:prstDash val="solid"/>
+                      <a:round/>
+                      <a:headEnd type="none" w="med" len="med"/>
+                      <a:tailEnd type="none" w="med" len="med"/>
+                    </a:lnR>
+                    <a:lnT w="12700" cap="flat" cmpd="sng" algn="ctr">
+                      <a:solidFill>
+                        <a:schemeClr val="tx1"/>
+                      </a:solidFill>
+                      <a:prstDash val="solid"/>
+                      <a:round/>
+                      <a:headEnd type="none" w="med" len="med"/>
+                      <a:tailEnd type="none" w="med" len="med"/>
+                    </a:lnT>
+                    <a:lnB w="12700" cap="flat" cmpd="sng" algn="ctr">
+                      <a:solidFill>
+                        <a:schemeClr val="tx1"/>
+                      </a:solidFill>
+                      <a:prstDash val="solid"/>
+                      <a:round/>
+                      <a:headEnd type="none" w="med" len="med"/>
+                      <a:tailEnd type="none" w="med" len="med"/>
+                    </a:lnB>
+                    <a:solidFill>
+                      <a:schemeClr val="accent4">
+                        <a:lumMod val="20000"/>
+                        <a:lumOff val="80000"/>
+                      </a:schemeClr>
+                    </a:solidFill>
+                  </a:tcPr>
+                </a:tc>
+                <a:tc>
+                  <a:txBody>
+                    <a:bodyPr/>
+                    <a:lstStyle/>
+                    <a:p>
+                      <a:pPr algn="ctr"/>
+                      <a:r>
+                        <a:rPr lang="en-US" altLang="zh-CN" sz="1400" b="0" dirty="0">
+                          <a:latin typeface="Microsoft YaHei" panose="020B0503020204020204" pitchFamily="34" charset="-122"/>
+                          <a:ea typeface="Microsoft YaHei" panose="020B0503020204020204" pitchFamily="34" charset="-122"/>
+                        </a:rPr>
+                        <a:t>224</a:t>
+                      </a:r>
+                      <a:endParaRPr lang="zh-CN" altLang="en-US" sz="1400" b="0" dirty="0">
+                        <a:latin typeface="Microsoft YaHei" panose="020B0503020204020204" pitchFamily="34" charset="-122"/>
+                        <a:ea typeface="Microsoft YaHei" panose="020B0503020204020204" pitchFamily="34" charset="-122"/>
+                      </a:endParaRPr>
+                    </a:p>
+                  </a:txBody>
+                  <a:tcPr anchor="ctr">
+                    <a:lnL w="12700" cap="flat" cmpd="sng" algn="ctr">
+                      <a:solidFill>
+                        <a:schemeClr val="tx1"/>
+                      </a:solidFill>
+                      <a:prstDash val="solid"/>
+                      <a:round/>
+                      <a:headEnd type="none" w="med" len="med"/>
+                      <a:tailEnd type="none" w="med" len="med"/>
+                    </a:lnL>
+                    <a:lnR w="12700" cap="flat" cmpd="sng" algn="ctr">
+                      <a:solidFill>
+                        <a:schemeClr val="tx1"/>
+                      </a:solidFill>
+                      <a:prstDash val="solid"/>
+                      <a:round/>
+                      <a:headEnd type="none" w="med" len="med"/>
+                      <a:tailEnd type="none" w="med" len="med"/>
+                    </a:lnR>
+                    <a:lnT w="12700" cap="flat" cmpd="sng" algn="ctr">
+                      <a:solidFill>
+                        <a:schemeClr val="tx1"/>
+                      </a:solidFill>
+                      <a:prstDash val="solid"/>
+                      <a:round/>
+                      <a:headEnd type="none" w="med" len="med"/>
+                      <a:tailEnd type="none" w="med" len="med"/>
+                    </a:lnT>
+                    <a:lnB w="12700" cap="flat" cmpd="sng" algn="ctr">
+                      <a:solidFill>
+                        <a:schemeClr val="tx1"/>
+                      </a:solidFill>
+                      <a:prstDash val="solid"/>
+                      <a:round/>
+                      <a:headEnd type="none" w="med" len="med"/>
+                      <a:tailEnd type="none" w="med" len="med"/>
+                    </a:lnB>
+                    <a:solidFill>
+                      <a:schemeClr val="accent4">
+                        <a:lumMod val="20000"/>
+                        <a:lumOff val="80000"/>
+                      </a:schemeClr>
+                    </a:solidFill>
+                  </a:tcPr>
+                </a:tc>
+                <a:tc>
+                  <a:txBody>
+                    <a:bodyPr/>
+                    <a:lstStyle/>
+                    <a:p>
+                      <a:pPr algn="ctr"/>
+                      <a:r>
+                        <a:rPr lang="en-US" altLang="zh-CN" sz="1400" b="0" dirty="0">
+                          <a:latin typeface="Microsoft YaHei" panose="020B0503020204020204" pitchFamily="34" charset="-122"/>
+                          <a:ea typeface="Microsoft YaHei" panose="020B0503020204020204" pitchFamily="34" charset="-122"/>
+                        </a:rPr>
+                        <a:t>297</a:t>
+                      </a:r>
+                      <a:endParaRPr lang="zh-CN" altLang="en-US" sz="1400" b="0" dirty="0">
+                        <a:latin typeface="Microsoft YaHei" panose="020B0503020204020204" pitchFamily="34" charset="-122"/>
+                        <a:ea typeface="Microsoft YaHei" panose="020B0503020204020204" pitchFamily="34" charset="-122"/>
+                      </a:endParaRPr>
+                    </a:p>
+                  </a:txBody>
+                  <a:tcPr anchor="ctr">
+                    <a:lnL w="12700" cap="flat" cmpd="sng" algn="ctr">
+                      <a:solidFill>
+                        <a:schemeClr val="tx1"/>
+                      </a:solidFill>
+                      <a:prstDash val="solid"/>
+                      <a:round/>
+                      <a:headEnd type="none" w="med" len="med"/>
+                      <a:tailEnd type="none" w="med" len="med"/>
+                    </a:lnL>
+                    <a:lnR w="12700" cap="flat" cmpd="sng" algn="ctr">
+                      <a:solidFill>
+                        <a:schemeClr val="tx1"/>
+                      </a:solidFill>
+                      <a:prstDash val="solid"/>
+                      <a:round/>
+                      <a:headEnd type="none" w="med" len="med"/>
+                      <a:tailEnd type="none" w="med" len="med"/>
+                    </a:lnR>
+                    <a:lnT w="12700" cap="flat" cmpd="sng" algn="ctr">
+                      <a:solidFill>
+                        <a:schemeClr val="tx1"/>
+                      </a:solidFill>
+                      <a:prstDash val="solid"/>
+                      <a:round/>
+                      <a:headEnd type="none" w="med" len="med"/>
+                      <a:tailEnd type="none" w="med" len="med"/>
+                    </a:lnT>
+                    <a:lnB w="12700" cap="flat" cmpd="sng" algn="ctr">
+                      <a:solidFill>
+                        <a:schemeClr val="tx1"/>
+                      </a:solidFill>
+                      <a:prstDash val="solid"/>
+                      <a:round/>
+                      <a:headEnd type="none" w="med" len="med"/>
+                      <a:tailEnd type="none" w="med" len="med"/>
+                    </a:lnB>
+                    <a:solidFill>
+                      <a:schemeClr val="accent4">
+                        <a:lumMod val="20000"/>
+                        <a:lumOff val="80000"/>
+                      </a:schemeClr>
+                    </a:solidFill>
+                  </a:tcPr>
+                </a:tc>
+                <a:tc>
+                  <a:txBody>
+                    <a:bodyPr/>
+                    <a:lstStyle/>
+                    <a:p>
+                      <a:pPr algn="ctr"/>
+                      <a:r>
+                        <a:rPr lang="en-US" altLang="zh-CN" sz="1400" b="0" dirty="0">
+                          <a:latin typeface="Microsoft YaHei" panose="020B0503020204020204" pitchFamily="34" charset="-122"/>
+                          <a:ea typeface="Microsoft YaHei" panose="020B0503020204020204" pitchFamily="34" charset="-122"/>
+                        </a:rPr>
+                        <a:t>355</a:t>
+                      </a:r>
+                      <a:endParaRPr lang="zh-CN" altLang="en-US" sz="1400" b="0" dirty="0">
+                        <a:latin typeface="Microsoft YaHei" panose="020B0503020204020204" pitchFamily="34" charset="-122"/>
+                        <a:ea typeface="Microsoft YaHei" panose="020B0503020204020204" pitchFamily="34" charset="-122"/>
+                      </a:endParaRPr>
+                    </a:p>
+                  </a:txBody>
+                  <a:tcPr anchor="ctr">
+                    <a:lnL w="12700" cap="flat" cmpd="sng" algn="ctr">
+                      <a:solidFill>
+                        <a:schemeClr val="tx1"/>
+                      </a:solidFill>
+                      <a:prstDash val="solid"/>
+                      <a:round/>
+                      <a:headEnd type="none" w="med" len="med"/>
+                      <a:tailEnd type="none" w="med" len="med"/>
+                    </a:lnL>
+                    <a:lnR w="12700" cap="flat" cmpd="sng" algn="ctr">
+                      <a:solidFill>
+                        <a:schemeClr val="tx1"/>
+                      </a:solidFill>
+                      <a:prstDash val="solid"/>
+                      <a:round/>
+                      <a:headEnd type="none" w="med" len="med"/>
+                      <a:tailEnd type="none" w="med" len="med"/>
+                    </a:lnR>
+                    <a:lnT w="12700" cap="flat" cmpd="sng" algn="ctr">
+                      <a:solidFill>
+                        <a:schemeClr val="tx1"/>
+                      </a:solidFill>
+                      <a:prstDash val="solid"/>
+                      <a:round/>
+                      <a:headEnd type="none" w="med" len="med"/>
+                      <a:tailEnd type="none" w="med" len="med"/>
+                    </a:lnT>
+                    <a:lnB w="12700" cap="flat" cmpd="sng" algn="ctr">
+                      <a:solidFill>
+                        <a:schemeClr val="tx1"/>
+                      </a:solidFill>
+                      <a:prstDash val="solid"/>
+                      <a:round/>
+                      <a:headEnd type="none" w="med" len="med"/>
+                      <a:tailEnd type="none" w="med" len="med"/>
+                    </a:lnB>
+                    <a:solidFill>
+                      <a:schemeClr val="accent4">
+                        <a:lumMod val="20000"/>
+                        <a:lumOff val="80000"/>
+                      </a:schemeClr>
+                    </a:solidFill>
+                  </a:tcPr>
+                </a:tc>
+                <a:tc>
+                  <a:txBody>
+                    <a:bodyPr/>
+                    <a:lstStyle/>
+                    <a:p>
+                      <a:pPr algn="ctr"/>
+                      <a:r>
+                        <a:rPr lang="en-US" altLang="zh-CN" sz="1400" b="0" dirty="0">
+                          <a:latin typeface="Microsoft YaHei" panose="020B0503020204020204" pitchFamily="34" charset="-122"/>
+                          <a:ea typeface="Microsoft YaHei" panose="020B0503020204020204" pitchFamily="34" charset="-122"/>
+                        </a:rPr>
+                        <a:t>400</a:t>
+                      </a:r>
+                      <a:endParaRPr lang="zh-CN" altLang="en-US" sz="1400" b="0" dirty="0">
+                        <a:latin typeface="Microsoft YaHei" panose="020B0503020204020204" pitchFamily="34" charset="-122"/>
+                        <a:ea typeface="Microsoft YaHei" panose="020B0503020204020204" pitchFamily="34" charset="-122"/>
+                      </a:endParaRPr>
+                    </a:p>
+                  </a:txBody>
+                  <a:tcPr anchor="ctr">
+                    <a:lnL w="12700" cap="flat" cmpd="sng" algn="ctr">
+                      <a:solidFill>
+                        <a:schemeClr val="tx1"/>
+                      </a:solidFill>
+                      <a:prstDash val="solid"/>
+                      <a:round/>
+                      <a:headEnd type="none" w="med" len="med"/>
+                      <a:tailEnd type="none" w="med" len="med"/>
+                    </a:lnL>
+                    <a:lnR w="12700" cap="flat" cmpd="sng" algn="ctr">
+                      <a:solidFill>
+                        <a:schemeClr val="tx1"/>
+                      </a:solidFill>
+                      <a:prstDash val="solid"/>
+                      <a:round/>
+                      <a:headEnd type="none" w="med" len="med"/>
+                      <a:tailEnd type="none" w="med" len="med"/>
+                    </a:lnR>
+                    <a:lnT w="12700" cap="flat" cmpd="sng" algn="ctr">
+                      <a:solidFill>
+                        <a:schemeClr val="tx1"/>
+                      </a:solidFill>
+                      <a:prstDash val="solid"/>
+                      <a:round/>
+                      <a:headEnd type="none" w="med" len="med"/>
+                      <a:tailEnd type="none" w="med" len="med"/>
+                    </a:lnT>
+                    <a:lnB w="12700" cap="flat" cmpd="sng" algn="ctr">
+                      <a:solidFill>
+                        <a:schemeClr val="tx1"/>
+                      </a:solidFill>
+                      <a:prstDash val="solid"/>
+                      <a:round/>
+                      <a:headEnd type="none" w="med" len="med"/>
+                      <a:tailEnd type="none" w="med" len="med"/>
+                    </a:lnB>
+                    <a:solidFill>
+                      <a:schemeClr val="accent4">
+                        <a:lumMod val="20000"/>
+                        <a:lumOff val="80000"/>
+                      </a:schemeClr>
+                    </a:solidFill>
+                  </a:tcPr>
+                </a:tc>
+                <a:extLst>
+                  <a:ext uri="{0D108BD9-81ED-4DB2-BD59-A6C34878D82A}">
+                    <a16:rowId xmlns:a16="http://schemas.microsoft.com/office/drawing/2014/main" val="3158101334"/>
+                  </a:ext>
+                </a:extLst>
+              </a:tr>
+            </a:tbl>
+          </a:graphicData>
+        </a:graphic>
+      </p:graphicFrame>
+    </p:spTree>
+    <p:extLst>
+      <p:ext uri="{BB962C8B-B14F-4D97-AF65-F5344CB8AC3E}">
+        <p14:creationId xmlns:p14="http://schemas.microsoft.com/office/powerpoint/2010/main" val="3686799851"/>
+      </p:ext>
+    </p:extLst>
+  </p:cSld>
+  <p:clrMapOvr>
+    <a:masterClrMapping/>
+  </p:clrMapOvr>
+</p:sld>
+</file>
+
+<file path=ppt/slides/slide3.xml><?xml version="1.0" encoding="utf-8"?>
+<p:sld xmlns:a="http://schemas.openxmlformats.org/drawingml/2006/main" xmlns:r="http://schemas.openxmlformats.org/officeDocument/2006/relationships" xmlns:p="http://schemas.openxmlformats.org/presentationml/2006/main">
+  <p:cSld>
+    <p:spTree>
+      <p:nvGrpSpPr>
+        <p:cNvPr id="1" name=""/>
+        <p:cNvGrpSpPr/>
+        <p:nvPr/>
+      </p:nvGrpSpPr>
+      <p:grpSpPr>
+        <a:xfrm>
+          <a:off x="0" y="0"/>
+          <a:ext cx="0" cy="0"/>
+          <a:chOff x="0" y="0"/>
+          <a:chExt cx="0" cy="0"/>
+        </a:xfrm>
+      </p:grpSpPr>
+      <p:sp>
+        <p:nvSpPr>
+          <p:cNvPr id="4" name="矩形 3">
+            <a:extLst>
+              <a:ext uri="{FF2B5EF4-FFF2-40B4-BE49-F238E27FC236}">
+                <a16:creationId xmlns:a16="http://schemas.microsoft.com/office/drawing/2014/main" id="{5AC935EB-93D3-2823-3995-1DB2AFE56359}"/>
+              </a:ext>
+            </a:extLst>
+          </p:cNvPr>
+          <p:cNvSpPr/>
+          <p:nvPr/>
+        </p:nvSpPr>
+        <p:spPr>
+          <a:xfrm>
+            <a:off x="5074026" y="474894"/>
+            <a:ext cx="592428" cy="425003"/>
+          </a:xfrm>
+          <a:prstGeom prst="rect">
+            <a:avLst/>
+          </a:prstGeom>
+          <a:noFill/>
+        </p:spPr>
+        <p:style>
+          <a:lnRef idx="2">
+            <a:schemeClr val="accent1">
+              <a:shade val="50000"/>
+            </a:schemeClr>
+          </a:lnRef>
+          <a:fillRef idx="1">
+            <a:schemeClr val="accent1"/>
+          </a:fillRef>
+          <a:effectRef idx="0">
+            <a:schemeClr val="accent1"/>
+          </a:effectRef>
+          <a:fontRef idx="minor">
+            <a:schemeClr val="lt1"/>
+          </a:fontRef>
+        </p:style>
+        <p:txBody>
+          <a:bodyPr rtlCol="0" anchor="ctr"/>
+          <a:lstStyle/>
+          <a:p>
+            <a:pPr algn="ctr"/>
+            <a:r>
+              <a:rPr lang="en-US" altLang="zh-CN" sz="1800" b="0" i="0" u="none" strike="noStrike" kern="1200" dirty="0">
+                <a:solidFill>
+                  <a:srgbClr val="002060"/>
+                </a:solidFill>
+                <a:effectLst/>
+                <a:latin typeface="Microsoft YaHei" panose="020B0503020204020204" pitchFamily="34" charset="-122"/>
+                <a:ea typeface="Microsoft YaHei" panose="020B0503020204020204" pitchFamily="34" charset="-122"/>
+                <a:cs typeface="+mn-cs"/>
+              </a:rPr>
+              <a:t>73</a:t>
+            </a:r>
+            <a:endParaRPr kumimoji="1" lang="zh-CN" altLang="en-US" dirty="0">
+              <a:solidFill>
+                <a:srgbClr val="002060"/>
+              </a:solidFill>
+            </a:endParaRPr>
+          </a:p>
+        </p:txBody>
+      </p:sp>
+      <p:sp>
+        <p:nvSpPr>
+          <p:cNvPr id="6" name="矩形 5">
+            <a:extLst>
+              <a:ext uri="{FF2B5EF4-FFF2-40B4-BE49-F238E27FC236}">
+                <a16:creationId xmlns:a16="http://schemas.microsoft.com/office/drawing/2014/main" id="{0FA5EAF8-8FE5-D41C-C5C4-A40C7434FA51}"/>
+              </a:ext>
+            </a:extLst>
+          </p:cNvPr>
+          <p:cNvSpPr/>
+          <p:nvPr/>
+        </p:nvSpPr>
+        <p:spPr>
+          <a:xfrm>
+            <a:off x="839841" y="474894"/>
+            <a:ext cx="592428" cy="425003"/>
+          </a:xfrm>
+          <a:prstGeom prst="rect">
+            <a:avLst/>
+          </a:prstGeom>
+          <a:noFill/>
+        </p:spPr>
+        <p:style>
+          <a:lnRef idx="2">
+            <a:schemeClr val="accent1">
+              <a:shade val="50000"/>
+            </a:schemeClr>
+          </a:lnRef>
+          <a:fillRef idx="1">
+            <a:schemeClr val="accent1"/>
+          </a:fillRef>
+          <a:effectRef idx="0">
+            <a:schemeClr val="accent1"/>
+          </a:effectRef>
+          <a:fontRef idx="minor">
+            <a:schemeClr val="lt1"/>
+          </a:fontRef>
+        </p:style>
+        <p:txBody>
+          <a:bodyPr rtlCol="0" anchor="ctr"/>
+          <a:lstStyle/>
+          <a:p>
+            <a:pPr algn="ctr"/>
+            <a:r>
+              <a:rPr kumimoji="1" lang="en-US" altLang="zh-CN" dirty="0">
+                <a:solidFill>
+                  <a:srgbClr val="002060"/>
+                </a:solidFill>
+              </a:rPr>
+              <a:t>43</a:t>
+            </a:r>
+            <a:endParaRPr kumimoji="1" lang="zh-CN" altLang="en-US" dirty="0">
+              <a:solidFill>
+                <a:srgbClr val="002060"/>
+              </a:solidFill>
+            </a:endParaRPr>
+          </a:p>
+        </p:txBody>
+      </p:sp>
+      <p:sp>
+        <p:nvSpPr>
+          <p:cNvPr id="7" name="矩形 6">
+            <a:extLst>
+              <a:ext uri="{FF2B5EF4-FFF2-40B4-BE49-F238E27FC236}">
+                <a16:creationId xmlns:a16="http://schemas.microsoft.com/office/drawing/2014/main" id="{626CAB2A-3EBA-6EA3-C554-113B65C03125}"/>
+              </a:ext>
+            </a:extLst>
+          </p:cNvPr>
+          <p:cNvSpPr/>
+          <p:nvPr/>
+        </p:nvSpPr>
+        <p:spPr>
+          <a:xfrm>
+            <a:off x="5920863" y="474894"/>
+            <a:ext cx="592428" cy="425003"/>
+          </a:xfrm>
+          <a:prstGeom prst="rect">
+            <a:avLst/>
+          </a:prstGeom>
+          <a:noFill/>
+        </p:spPr>
+        <p:style>
+          <a:lnRef idx="2">
+            <a:schemeClr val="accent1">
+              <a:shade val="50000"/>
+            </a:schemeClr>
+          </a:lnRef>
+          <a:fillRef idx="1">
+            <a:schemeClr val="accent1"/>
+          </a:fillRef>
+          <a:effectRef idx="0">
+            <a:schemeClr val="accent1"/>
+          </a:effectRef>
+          <a:fontRef idx="minor">
+            <a:schemeClr val="lt1"/>
+          </a:fontRef>
+        </p:style>
+        <p:txBody>
+          <a:bodyPr rtlCol="0" anchor="ctr"/>
+          <a:lstStyle/>
+          <a:p>
+            <a:pPr algn="ctr"/>
+            <a:r>
+              <a:rPr lang="en-US" altLang="zh-CN" sz="1800" b="0" i="0" u="none" strike="noStrike" kern="1200" dirty="0">
+                <a:solidFill>
+                  <a:srgbClr val="002060"/>
+                </a:solidFill>
+                <a:effectLst/>
+                <a:latin typeface="Microsoft YaHei" panose="020B0503020204020204" pitchFamily="34" charset="-122"/>
+                <a:ea typeface="Microsoft YaHei" panose="020B0503020204020204" pitchFamily="34" charset="-122"/>
+                <a:cs typeface="+mn-cs"/>
+              </a:rPr>
+              <a:t>58</a:t>
+            </a:r>
+            <a:endParaRPr kumimoji="1" lang="zh-CN" altLang="en-US" dirty="0">
+              <a:solidFill>
+                <a:srgbClr val="002060"/>
+              </a:solidFill>
+            </a:endParaRPr>
+          </a:p>
+        </p:txBody>
+      </p:sp>
+      <p:sp>
+        <p:nvSpPr>
+          <p:cNvPr id="8" name="矩形 7">
+            <a:extLst>
+              <a:ext uri="{FF2B5EF4-FFF2-40B4-BE49-F238E27FC236}">
+                <a16:creationId xmlns:a16="http://schemas.microsoft.com/office/drawing/2014/main" id="{E444CA35-DDD2-72C9-393B-BC407FE67B48}"/>
+              </a:ext>
+            </a:extLst>
+          </p:cNvPr>
+          <p:cNvSpPr/>
+          <p:nvPr/>
+        </p:nvSpPr>
+        <p:spPr>
+          <a:xfrm>
+            <a:off x="1686678" y="474894"/>
+            <a:ext cx="592428" cy="425003"/>
+          </a:xfrm>
+          <a:prstGeom prst="rect">
+            <a:avLst/>
+          </a:prstGeom>
+          <a:noFill/>
+        </p:spPr>
+        <p:style>
+          <a:lnRef idx="2">
+            <a:schemeClr val="accent1">
+              <a:shade val="50000"/>
+            </a:schemeClr>
+          </a:lnRef>
+          <a:fillRef idx="1">
+            <a:schemeClr val="accent1"/>
+          </a:fillRef>
+          <a:effectRef idx="0">
+            <a:schemeClr val="accent1"/>
+          </a:effectRef>
+          <a:fontRef idx="minor">
+            <a:schemeClr val="lt1"/>
+          </a:fontRef>
+        </p:style>
+        <p:txBody>
+          <a:bodyPr rtlCol="0" anchor="ctr"/>
+          <a:lstStyle/>
+          <a:p>
+            <a:pPr algn="ctr"/>
+            <a:r>
+              <a:rPr kumimoji="1" lang="en-US" altLang="zh-CN" dirty="0">
+                <a:solidFill>
+                  <a:srgbClr val="002060"/>
+                </a:solidFill>
+              </a:rPr>
+              <a:t>38</a:t>
+            </a:r>
+            <a:endParaRPr kumimoji="1" lang="zh-CN" altLang="en-US" dirty="0">
+              <a:solidFill>
+                <a:srgbClr val="002060"/>
+              </a:solidFill>
+            </a:endParaRPr>
+          </a:p>
+        </p:txBody>
+      </p:sp>
+      <p:sp>
+        <p:nvSpPr>
+          <p:cNvPr id="9" name="矩形 8">
+            <a:extLst>
+              <a:ext uri="{FF2B5EF4-FFF2-40B4-BE49-F238E27FC236}">
+                <a16:creationId xmlns:a16="http://schemas.microsoft.com/office/drawing/2014/main" id="{CEDECBB5-9ABE-79A4-B529-A88B30A8089F}"/>
+              </a:ext>
+            </a:extLst>
+          </p:cNvPr>
+          <p:cNvSpPr/>
+          <p:nvPr/>
+        </p:nvSpPr>
+        <p:spPr>
+          <a:xfrm>
+            <a:off x="6781291" y="474894"/>
+            <a:ext cx="592428" cy="425003"/>
+          </a:xfrm>
+          <a:prstGeom prst="rect">
+            <a:avLst/>
+          </a:prstGeom>
+          <a:noFill/>
+        </p:spPr>
+        <p:style>
+          <a:lnRef idx="2">
+            <a:schemeClr val="accent1">
+              <a:shade val="50000"/>
+            </a:schemeClr>
+          </a:lnRef>
+          <a:fillRef idx="1">
+            <a:schemeClr val="accent1"/>
+          </a:fillRef>
+          <a:effectRef idx="0">
+            <a:schemeClr val="accent1"/>
+          </a:effectRef>
+          <a:fontRef idx="minor">
+            <a:schemeClr val="lt1"/>
+          </a:fontRef>
+        </p:style>
+        <p:txBody>
+          <a:bodyPr rtlCol="0" anchor="ctr"/>
+          <a:lstStyle/>
+          <a:p>
+            <a:pPr algn="ctr"/>
+            <a:r>
+              <a:rPr kumimoji="1" lang="en-US" altLang="zh-CN" dirty="0">
+                <a:solidFill>
+                  <a:srgbClr val="002060"/>
+                </a:solidFill>
+              </a:rPr>
+              <a:t>45</a:t>
+            </a:r>
+            <a:endParaRPr kumimoji="1" lang="zh-CN" altLang="en-US" dirty="0">
+              <a:solidFill>
+                <a:srgbClr val="002060"/>
+              </a:solidFill>
+            </a:endParaRPr>
+          </a:p>
+        </p:txBody>
+      </p:sp>
+      <p:sp>
+        <p:nvSpPr>
+          <p:cNvPr id="10" name="矩形 9">
+            <a:extLst>
+              <a:ext uri="{FF2B5EF4-FFF2-40B4-BE49-F238E27FC236}">
+                <a16:creationId xmlns:a16="http://schemas.microsoft.com/office/drawing/2014/main" id="{5FAE72CA-5F8C-9E15-D78B-410A763B4057}"/>
+              </a:ext>
+            </a:extLst>
+          </p:cNvPr>
+          <p:cNvSpPr/>
+          <p:nvPr/>
+        </p:nvSpPr>
+        <p:spPr>
+          <a:xfrm>
+            <a:off x="2533515" y="474894"/>
+            <a:ext cx="592428" cy="425003"/>
+          </a:xfrm>
+          <a:prstGeom prst="rect">
+            <a:avLst/>
+          </a:prstGeom>
+          <a:noFill/>
+        </p:spPr>
+        <p:style>
+          <a:lnRef idx="2">
+            <a:schemeClr val="accent1">
+              <a:shade val="50000"/>
+            </a:schemeClr>
+          </a:lnRef>
+          <a:fillRef idx="1">
+            <a:schemeClr val="accent1"/>
+          </a:fillRef>
+          <a:effectRef idx="0">
+            <a:schemeClr val="accent1"/>
+          </a:effectRef>
+          <a:fontRef idx="minor">
+            <a:schemeClr val="lt1"/>
+          </a:fontRef>
+        </p:style>
+        <p:txBody>
+          <a:bodyPr rtlCol="0" anchor="ctr"/>
+          <a:lstStyle/>
+          <a:p>
+            <a:pPr algn="ctr"/>
+            <a:r>
+              <a:rPr lang="en-US" altLang="zh-CN" sz="1800" b="0" i="0" u="none" strike="noStrike" kern="1200" dirty="0">
+                <a:solidFill>
+                  <a:srgbClr val="002060"/>
+                </a:solidFill>
+                <a:effectLst/>
+                <a:latin typeface="Microsoft YaHei" panose="020B0503020204020204" pitchFamily="34" charset="-122"/>
+                <a:ea typeface="Microsoft YaHei" panose="020B0503020204020204" pitchFamily="34" charset="-122"/>
+                <a:cs typeface="+mn-cs"/>
+              </a:rPr>
+              <a:t>79</a:t>
+            </a:r>
+            <a:endParaRPr kumimoji="1" lang="zh-CN" altLang="en-US" dirty="0">
+              <a:solidFill>
+                <a:srgbClr val="002060"/>
+              </a:solidFill>
+            </a:endParaRPr>
+          </a:p>
+        </p:txBody>
+      </p:sp>
+      <p:sp>
+        <p:nvSpPr>
+          <p:cNvPr id="12" name="矩形 11">
+            <a:extLst>
+              <a:ext uri="{FF2B5EF4-FFF2-40B4-BE49-F238E27FC236}">
+                <a16:creationId xmlns:a16="http://schemas.microsoft.com/office/drawing/2014/main" id="{AF96E8CD-C92A-2B0B-641B-A9F763FF6B4F}"/>
+              </a:ext>
+            </a:extLst>
+          </p:cNvPr>
+          <p:cNvSpPr/>
+          <p:nvPr/>
+        </p:nvSpPr>
+        <p:spPr>
+          <a:xfrm>
+            <a:off x="3378004" y="474894"/>
+            <a:ext cx="592428" cy="425003"/>
+          </a:xfrm>
+          <a:prstGeom prst="rect">
+            <a:avLst/>
+          </a:prstGeom>
+          <a:noFill/>
+        </p:spPr>
+        <p:style>
+          <a:lnRef idx="2">
+            <a:schemeClr val="accent1">
+              <a:shade val="50000"/>
+            </a:schemeClr>
+          </a:lnRef>
+          <a:fillRef idx="1">
+            <a:schemeClr val="accent1"/>
+          </a:fillRef>
+          <a:effectRef idx="0">
+            <a:schemeClr val="accent1"/>
+          </a:effectRef>
+          <a:fontRef idx="minor">
+            <a:schemeClr val="lt1"/>
+          </a:fontRef>
+        </p:style>
+        <p:txBody>
+          <a:bodyPr rtlCol="0" anchor="ctr"/>
+          <a:lstStyle/>
+          <a:p>
+            <a:pPr algn="ctr"/>
+            <a:r>
+              <a:rPr lang="en-US" altLang="zh-CN" sz="1800" b="0" i="0" u="none" strike="noStrike" kern="1200" dirty="0">
+                <a:solidFill>
+                  <a:srgbClr val="002060"/>
+                </a:solidFill>
+                <a:effectLst/>
+                <a:latin typeface="Microsoft YaHei" panose="020B0503020204020204" pitchFamily="34" charset="-122"/>
+                <a:ea typeface="Microsoft YaHei" panose="020B0503020204020204" pitchFamily="34" charset="-122"/>
+                <a:cs typeface="+mn-cs"/>
+              </a:rPr>
+              <a:t>59</a:t>
+            </a:r>
+            <a:endParaRPr kumimoji="1" lang="zh-CN" altLang="en-US" dirty="0">
+              <a:solidFill>
+                <a:srgbClr val="002060"/>
+              </a:solidFill>
+            </a:endParaRPr>
+          </a:p>
+        </p:txBody>
+      </p:sp>
+      <p:sp>
+        <p:nvSpPr>
+          <p:cNvPr id="16" name="矩形 15">
+            <a:extLst>
+              <a:ext uri="{FF2B5EF4-FFF2-40B4-BE49-F238E27FC236}">
+                <a16:creationId xmlns:a16="http://schemas.microsoft.com/office/drawing/2014/main" id="{13ABC92D-FC7B-FC91-39CB-A09E540C8181}"/>
+              </a:ext>
+            </a:extLst>
+          </p:cNvPr>
+          <p:cNvSpPr/>
+          <p:nvPr/>
+        </p:nvSpPr>
+        <p:spPr>
+          <a:xfrm>
+            <a:off x="4227189" y="474894"/>
+            <a:ext cx="592428" cy="425003"/>
+          </a:xfrm>
+          <a:prstGeom prst="rect">
+            <a:avLst/>
+          </a:prstGeom>
+          <a:noFill/>
+        </p:spPr>
+        <p:style>
+          <a:lnRef idx="2">
+            <a:schemeClr val="accent1">
+              <a:shade val="50000"/>
+            </a:schemeClr>
+          </a:lnRef>
+          <a:fillRef idx="1">
+            <a:schemeClr val="accent1"/>
+          </a:fillRef>
+          <a:effectRef idx="0">
+            <a:schemeClr val="accent1"/>
+          </a:effectRef>
+          <a:fontRef idx="minor">
+            <a:schemeClr val="lt1"/>
+          </a:fontRef>
+        </p:style>
+        <p:txBody>
+          <a:bodyPr rtlCol="0" anchor="ctr"/>
+          <a:lstStyle/>
+          <a:p>
+            <a:pPr algn="ctr"/>
+            <a:r>
+              <a:rPr lang="en-US" altLang="zh-CN" sz="1800" b="0" i="0" u="none" strike="noStrike" kern="1200" dirty="0">
+                <a:solidFill>
+                  <a:srgbClr val="002060"/>
+                </a:solidFill>
+                <a:effectLst/>
+                <a:latin typeface="Microsoft YaHei" panose="020B0503020204020204" pitchFamily="34" charset="-122"/>
+                <a:ea typeface="Microsoft YaHei" panose="020B0503020204020204" pitchFamily="34" charset="-122"/>
+                <a:cs typeface="+mn-cs"/>
+              </a:rPr>
+              <a:t>5</a:t>
+            </a:r>
+            <a:endParaRPr kumimoji="1" lang="zh-CN" altLang="en-US" dirty="0">
+              <a:solidFill>
+                <a:srgbClr val="002060"/>
+              </a:solidFill>
+            </a:endParaRPr>
+          </a:p>
+        </p:txBody>
+      </p:sp>
+      <p:sp>
+        <p:nvSpPr>
+          <p:cNvPr id="17" name="矩形 16">
+            <a:extLst>
+              <a:ext uri="{FF2B5EF4-FFF2-40B4-BE49-F238E27FC236}">
+                <a16:creationId xmlns:a16="http://schemas.microsoft.com/office/drawing/2014/main" id="{CE51CAEA-95EF-ECD2-FDC0-57B2F6330D32}"/>
+              </a:ext>
+            </a:extLst>
+          </p:cNvPr>
+          <p:cNvSpPr/>
+          <p:nvPr/>
+        </p:nvSpPr>
+        <p:spPr>
+          <a:xfrm>
+            <a:off x="1686678" y="1522374"/>
+            <a:ext cx="592428" cy="425003"/>
+          </a:xfrm>
+          <a:prstGeom prst="rect">
+            <a:avLst/>
+          </a:prstGeom>
+          <a:noFill/>
+        </p:spPr>
+        <p:style>
+          <a:lnRef idx="2">
+            <a:schemeClr val="accent1">
+              <a:shade val="50000"/>
+            </a:schemeClr>
+          </a:lnRef>
+          <a:fillRef idx="1">
+            <a:schemeClr val="accent1"/>
+          </a:fillRef>
+          <a:effectRef idx="0">
+            <a:schemeClr val="accent1"/>
+          </a:effectRef>
+          <a:fontRef idx="minor">
+            <a:schemeClr val="lt1"/>
+          </a:fontRef>
+        </p:style>
+        <p:txBody>
+          <a:bodyPr rtlCol="0" anchor="ctr"/>
+          <a:lstStyle/>
+          <a:p>
+            <a:pPr algn="ctr"/>
+            <a:r>
+              <a:rPr kumimoji="1" lang="en-US" altLang="zh-CN" dirty="0">
+                <a:solidFill>
+                  <a:srgbClr val="002060"/>
+                </a:solidFill>
+              </a:rPr>
+              <a:t>81</a:t>
+            </a:r>
+            <a:endParaRPr kumimoji="1" lang="zh-CN" altLang="en-US" dirty="0">
+              <a:solidFill>
+                <a:srgbClr val="002060"/>
+              </a:solidFill>
+            </a:endParaRPr>
+          </a:p>
+        </p:txBody>
+      </p:sp>
+      <p:sp>
+        <p:nvSpPr>
+          <p:cNvPr id="18" name="矩形 17">
+            <a:extLst>
+              <a:ext uri="{FF2B5EF4-FFF2-40B4-BE49-F238E27FC236}">
+                <a16:creationId xmlns:a16="http://schemas.microsoft.com/office/drawing/2014/main" id="{3F54FBE6-EC87-91E8-6160-9C2850A9D9F7}"/>
+              </a:ext>
+            </a:extLst>
+          </p:cNvPr>
+          <p:cNvSpPr/>
+          <p:nvPr/>
+        </p:nvSpPr>
+        <p:spPr>
+          <a:xfrm>
+            <a:off x="6781291" y="1522374"/>
+            <a:ext cx="592428" cy="425003"/>
+          </a:xfrm>
+          <a:prstGeom prst="rect">
+            <a:avLst/>
+          </a:prstGeom>
+          <a:noFill/>
+        </p:spPr>
+        <p:style>
+          <a:lnRef idx="2">
+            <a:schemeClr val="accent1">
+              <a:shade val="50000"/>
+            </a:schemeClr>
+          </a:lnRef>
+          <a:fillRef idx="1">
+            <a:schemeClr val="accent1"/>
+          </a:fillRef>
+          <a:effectRef idx="0">
+            <a:schemeClr val="accent1"/>
+          </a:effectRef>
+          <a:fontRef idx="minor">
+            <a:schemeClr val="lt1"/>
+          </a:fontRef>
+        </p:style>
+        <p:txBody>
+          <a:bodyPr rtlCol="0" anchor="ctr"/>
+          <a:lstStyle/>
+          <a:p>
+            <a:pPr algn="ctr"/>
+            <a:r>
+              <a:rPr kumimoji="1" lang="en-US" altLang="zh-CN" dirty="0">
+                <a:solidFill>
+                  <a:srgbClr val="002060"/>
+                </a:solidFill>
+              </a:rPr>
+              <a:t>103</a:t>
+            </a:r>
+            <a:endParaRPr kumimoji="1" lang="zh-CN" altLang="en-US" dirty="0">
+              <a:solidFill>
+                <a:srgbClr val="002060"/>
+              </a:solidFill>
+            </a:endParaRPr>
+          </a:p>
+        </p:txBody>
+      </p:sp>
+      <p:sp>
+        <p:nvSpPr>
+          <p:cNvPr id="19" name="矩形 18">
+            <a:extLst>
+              <a:ext uri="{FF2B5EF4-FFF2-40B4-BE49-F238E27FC236}">
+                <a16:creationId xmlns:a16="http://schemas.microsoft.com/office/drawing/2014/main" id="{9FFFBD75-2C13-7548-0AB7-F34DB292E206}"/>
+              </a:ext>
+            </a:extLst>
+          </p:cNvPr>
+          <p:cNvSpPr/>
+          <p:nvPr/>
+        </p:nvSpPr>
+        <p:spPr>
+          <a:xfrm>
+            <a:off x="3378004" y="1522374"/>
+            <a:ext cx="592428" cy="425003"/>
+          </a:xfrm>
+          <a:prstGeom prst="rect">
+            <a:avLst/>
+          </a:prstGeom>
+          <a:noFill/>
+        </p:spPr>
+        <p:style>
+          <a:lnRef idx="2">
+            <a:schemeClr val="accent1">
+              <a:shade val="50000"/>
+            </a:schemeClr>
+          </a:lnRef>
+          <a:fillRef idx="1">
+            <a:schemeClr val="accent1"/>
+          </a:fillRef>
+          <a:effectRef idx="0">
+            <a:schemeClr val="accent1"/>
+          </a:effectRef>
+          <a:fontRef idx="minor">
+            <a:schemeClr val="lt1"/>
+          </a:fontRef>
+        </p:style>
+        <p:txBody>
+          <a:bodyPr rtlCol="0" anchor="ctr"/>
+          <a:lstStyle/>
+          <a:p>
+            <a:pPr algn="ctr"/>
+            <a:r>
+              <a:rPr kumimoji="1" lang="en-US" altLang="zh-CN" dirty="0">
+                <a:solidFill>
+                  <a:srgbClr val="002060"/>
+                </a:solidFill>
+              </a:rPr>
+              <a:t>138</a:t>
+            </a:r>
+            <a:endParaRPr kumimoji="1" lang="zh-CN" altLang="en-US" dirty="0">
+              <a:solidFill>
+                <a:srgbClr val="002060"/>
+              </a:solidFill>
+            </a:endParaRPr>
+          </a:p>
+        </p:txBody>
+      </p:sp>
+      <p:sp>
+        <p:nvSpPr>
+          <p:cNvPr id="20" name="矩形 19">
+            <a:extLst>
+              <a:ext uri="{FF2B5EF4-FFF2-40B4-BE49-F238E27FC236}">
+                <a16:creationId xmlns:a16="http://schemas.microsoft.com/office/drawing/2014/main" id="{06249B94-A74B-43B4-44C1-F32A2DCB83BB}"/>
+              </a:ext>
+            </a:extLst>
+          </p:cNvPr>
+          <p:cNvSpPr/>
+          <p:nvPr/>
+        </p:nvSpPr>
+        <p:spPr>
+          <a:xfrm>
+            <a:off x="5074026" y="1522374"/>
+            <a:ext cx="592428" cy="425003"/>
+          </a:xfrm>
+          <a:prstGeom prst="rect">
+            <a:avLst/>
+          </a:prstGeom>
+          <a:noFill/>
+        </p:spPr>
+        <p:style>
+          <a:lnRef idx="2">
+            <a:schemeClr val="accent1">
+              <a:shade val="50000"/>
+            </a:schemeClr>
+          </a:lnRef>
+          <a:fillRef idx="1">
+            <a:schemeClr val="accent1"/>
+          </a:fillRef>
+          <a:effectRef idx="0">
+            <a:schemeClr val="accent1"/>
+          </a:effectRef>
+          <a:fontRef idx="minor">
+            <a:schemeClr val="lt1"/>
+          </a:fontRef>
+        </p:style>
+        <p:txBody>
+          <a:bodyPr rtlCol="0" anchor="ctr"/>
+          <a:lstStyle/>
+          <a:p>
+            <a:pPr algn="ctr"/>
+            <a:r>
+              <a:rPr kumimoji="1" lang="en-US" altLang="zh-CN" dirty="0">
+                <a:solidFill>
+                  <a:srgbClr val="002060"/>
+                </a:solidFill>
+              </a:rPr>
+              <a:t>78</a:t>
+            </a:r>
+            <a:endParaRPr kumimoji="1" lang="zh-CN" altLang="en-US" dirty="0">
+              <a:solidFill>
+                <a:srgbClr val="002060"/>
+              </a:solidFill>
+            </a:endParaRPr>
+          </a:p>
+        </p:txBody>
+      </p:sp>
+      <p:sp>
+        <p:nvSpPr>
+          <p:cNvPr id="21" name="矩形 20">
+            <a:extLst>
+              <a:ext uri="{FF2B5EF4-FFF2-40B4-BE49-F238E27FC236}">
+                <a16:creationId xmlns:a16="http://schemas.microsoft.com/office/drawing/2014/main" id="{7882E92D-94B0-8411-7D5A-4A97D43A3775}"/>
+              </a:ext>
+            </a:extLst>
+          </p:cNvPr>
+          <p:cNvSpPr/>
+          <p:nvPr/>
+        </p:nvSpPr>
+        <p:spPr>
+          <a:xfrm>
+            <a:off x="6781291" y="2569854"/>
+            <a:ext cx="592428" cy="425003"/>
+          </a:xfrm>
+          <a:prstGeom prst="rect">
+            <a:avLst/>
+          </a:prstGeom>
+          <a:noFill/>
+        </p:spPr>
+        <p:style>
+          <a:lnRef idx="2">
+            <a:schemeClr val="accent1">
+              <a:shade val="50000"/>
+            </a:schemeClr>
+          </a:lnRef>
+          <a:fillRef idx="1">
+            <a:schemeClr val="accent1"/>
+          </a:fillRef>
+          <a:effectRef idx="0">
+            <a:schemeClr val="accent1"/>
+          </a:effectRef>
+          <a:fontRef idx="minor">
+            <a:schemeClr val="lt1"/>
+          </a:fontRef>
+        </p:style>
+        <p:txBody>
+          <a:bodyPr rtlCol="0" anchor="ctr"/>
+          <a:lstStyle/>
+          <a:p>
+            <a:pPr algn="ctr"/>
+            <a:r>
+              <a:rPr kumimoji="1" lang="en-US" altLang="zh-CN" dirty="0">
+                <a:solidFill>
+                  <a:srgbClr val="002060"/>
+                </a:solidFill>
+              </a:rPr>
+              <a:t>181</a:t>
+            </a:r>
+            <a:endParaRPr kumimoji="1" lang="zh-CN" altLang="en-US" dirty="0">
+              <a:solidFill>
+                <a:srgbClr val="002060"/>
+              </a:solidFill>
+            </a:endParaRPr>
+          </a:p>
+        </p:txBody>
+      </p:sp>
+      <p:sp>
+        <p:nvSpPr>
+          <p:cNvPr id="22" name="矩形 21">
+            <a:extLst>
+              <a:ext uri="{FF2B5EF4-FFF2-40B4-BE49-F238E27FC236}">
+                <a16:creationId xmlns:a16="http://schemas.microsoft.com/office/drawing/2014/main" id="{F7E8CBFE-215E-5D9B-B9A3-6228B36DF8FF}"/>
+              </a:ext>
+            </a:extLst>
+          </p:cNvPr>
+          <p:cNvSpPr/>
+          <p:nvPr/>
+        </p:nvSpPr>
+        <p:spPr>
+          <a:xfrm>
+            <a:off x="3378004" y="2569854"/>
+            <a:ext cx="592428" cy="425003"/>
+          </a:xfrm>
+          <a:prstGeom prst="rect">
+            <a:avLst/>
+          </a:prstGeom>
+          <a:noFill/>
+        </p:spPr>
+        <p:style>
+          <a:lnRef idx="2">
+            <a:schemeClr val="accent1">
+              <a:shade val="50000"/>
+            </a:schemeClr>
+          </a:lnRef>
+          <a:fillRef idx="1">
+            <a:schemeClr val="accent1"/>
+          </a:fillRef>
+          <a:effectRef idx="0">
+            <a:schemeClr val="accent1"/>
+          </a:effectRef>
+          <a:fontRef idx="minor">
+            <a:schemeClr val="lt1"/>
+          </a:fontRef>
+        </p:style>
+        <p:txBody>
+          <a:bodyPr rtlCol="0" anchor="ctr"/>
+          <a:lstStyle/>
+          <a:p>
+            <a:pPr algn="ctr"/>
+            <a:r>
+              <a:rPr kumimoji="1" lang="en-US" altLang="zh-CN" dirty="0">
+                <a:solidFill>
+                  <a:srgbClr val="002060"/>
+                </a:solidFill>
+              </a:rPr>
+              <a:t>219</a:t>
+            </a:r>
+            <a:endParaRPr kumimoji="1" lang="zh-CN" altLang="en-US" dirty="0">
+              <a:solidFill>
+                <a:srgbClr val="002060"/>
+              </a:solidFill>
+            </a:endParaRPr>
+          </a:p>
+        </p:txBody>
+      </p:sp>
+      <p:sp>
+        <p:nvSpPr>
+          <p:cNvPr id="23" name="矩形 22">
+            <a:extLst>
+              <a:ext uri="{FF2B5EF4-FFF2-40B4-BE49-F238E27FC236}">
+                <a16:creationId xmlns:a16="http://schemas.microsoft.com/office/drawing/2014/main" id="{9B7C63C9-81B6-AE7B-E780-C2873E638236}"/>
+              </a:ext>
+            </a:extLst>
+          </p:cNvPr>
+          <p:cNvSpPr/>
+          <p:nvPr/>
+        </p:nvSpPr>
+        <p:spPr>
+          <a:xfrm>
+            <a:off x="6781291" y="3617334"/>
+            <a:ext cx="592428" cy="425003"/>
+          </a:xfrm>
+          <a:prstGeom prst="rect">
+            <a:avLst/>
+          </a:prstGeom>
+          <a:noFill/>
+        </p:spPr>
+        <p:style>
+          <a:lnRef idx="2">
+            <a:schemeClr val="accent1">
+              <a:shade val="50000"/>
+            </a:schemeClr>
+          </a:lnRef>
+          <a:fillRef idx="1">
+            <a:schemeClr val="accent1"/>
+          </a:fillRef>
+          <a:effectRef idx="0">
+            <a:schemeClr val="accent1"/>
+          </a:effectRef>
+          <a:fontRef idx="minor">
+            <a:schemeClr val="lt1"/>
+          </a:fontRef>
+        </p:style>
+        <p:txBody>
+          <a:bodyPr rtlCol="0" anchor="ctr"/>
+          <a:lstStyle/>
+          <a:p>
+            <a:pPr algn="ctr"/>
+            <a:r>
+              <a:rPr kumimoji="1" lang="en-US" altLang="zh-CN" dirty="0">
+                <a:solidFill>
+                  <a:srgbClr val="002060"/>
+                </a:solidFill>
+              </a:rPr>
+              <a:t>400</a:t>
+            </a:r>
+            <a:endParaRPr kumimoji="1" lang="zh-CN" altLang="en-US" dirty="0">
+              <a:solidFill>
+                <a:srgbClr val="002060"/>
+              </a:solidFill>
+            </a:endParaRPr>
+          </a:p>
+        </p:txBody>
+      </p:sp>
+      <p:cxnSp>
+        <p:nvCxnSpPr>
+          <p:cNvPr id="25" name="直线箭头连接符 24">
+            <a:extLst>
+              <a:ext uri="{FF2B5EF4-FFF2-40B4-BE49-F238E27FC236}">
+                <a16:creationId xmlns:a16="http://schemas.microsoft.com/office/drawing/2014/main" id="{B5498D64-912D-44F7-A4CE-A29F5794D918}"/>
+              </a:ext>
+            </a:extLst>
+          </p:cNvPr>
+          <p:cNvCxnSpPr>
+            <a:cxnSpLocks/>
+            <a:stCxn id="6" idx="2"/>
+          </p:cNvCxnSpPr>
+          <p:nvPr/>
+        </p:nvCxnSpPr>
+        <p:spPr>
+          <a:xfrm>
+            <a:off x="1136055" y="899897"/>
+            <a:ext cx="736242" cy="622477"/>
+          </a:xfrm>
+          <a:prstGeom prst="straightConnector1">
+            <a:avLst/>
+          </a:prstGeom>
+          <a:ln w="12700">
+            <a:solidFill>
+              <a:schemeClr val="accent2"/>
+            </a:solidFill>
+            <a:headEnd w="lg" len="sm"/>
+            <a:tailEnd type="triangle"/>
+          </a:ln>
+        </p:spPr>
+        <p:style>
+          <a:lnRef idx="1">
+            <a:schemeClr val="accent1"/>
+          </a:lnRef>
+          <a:fillRef idx="0">
+            <a:schemeClr val="accent1"/>
+          </a:fillRef>
+          <a:effectRef idx="0">
+            <a:schemeClr val="accent1"/>
+          </a:effectRef>
+          <a:fontRef idx="minor">
+            <a:schemeClr val="tx1"/>
+          </a:fontRef>
+        </p:style>
+      </p:cxnSp>
+      <p:cxnSp>
+        <p:nvCxnSpPr>
+          <p:cNvPr id="26" name="直线箭头连接符 25">
+            <a:extLst>
+              <a:ext uri="{FF2B5EF4-FFF2-40B4-BE49-F238E27FC236}">
+                <a16:creationId xmlns:a16="http://schemas.microsoft.com/office/drawing/2014/main" id="{A5FAF868-3F02-DAEF-6A51-F2EA1210C9B3}"/>
+              </a:ext>
+            </a:extLst>
+          </p:cNvPr>
+          <p:cNvCxnSpPr>
+            <a:cxnSpLocks/>
+            <a:stCxn id="8" idx="2"/>
+            <a:endCxn id="17" idx="0"/>
+          </p:cNvCxnSpPr>
+          <p:nvPr/>
+        </p:nvCxnSpPr>
+        <p:spPr>
+          <a:xfrm>
+            <a:off x="1982892" y="899897"/>
+            <a:ext cx="0" cy="622477"/>
+          </a:xfrm>
+          <a:prstGeom prst="straightConnector1">
+            <a:avLst/>
+          </a:prstGeom>
+          <a:ln w="12700">
+            <a:solidFill>
+              <a:schemeClr val="accent2"/>
+            </a:solidFill>
+            <a:headEnd w="lg" len="sm"/>
+            <a:tailEnd type="triangle"/>
+          </a:ln>
+        </p:spPr>
+        <p:style>
+          <a:lnRef idx="1">
+            <a:schemeClr val="accent1"/>
+          </a:lnRef>
+          <a:fillRef idx="0">
+            <a:schemeClr val="accent1"/>
+          </a:fillRef>
+          <a:effectRef idx="0">
+            <a:schemeClr val="accent1"/>
+          </a:effectRef>
+          <a:fontRef idx="minor">
+            <a:schemeClr val="tx1"/>
+          </a:fontRef>
+        </p:style>
+      </p:cxnSp>
+      <p:cxnSp>
+        <p:nvCxnSpPr>
+          <p:cNvPr id="31" name="直线箭头连接符 30">
+            <a:extLst>
+              <a:ext uri="{FF2B5EF4-FFF2-40B4-BE49-F238E27FC236}">
+                <a16:creationId xmlns:a16="http://schemas.microsoft.com/office/drawing/2014/main" id="{F54027ED-0330-B6BB-B9F7-9A02B03C8DB7}"/>
+              </a:ext>
+            </a:extLst>
+          </p:cNvPr>
+          <p:cNvCxnSpPr>
+            <a:cxnSpLocks/>
+          </p:cNvCxnSpPr>
+          <p:nvPr/>
+        </p:nvCxnSpPr>
+        <p:spPr>
+          <a:xfrm>
+            <a:off x="2827381" y="899897"/>
+            <a:ext cx="736242" cy="622477"/>
+          </a:xfrm>
+          <a:prstGeom prst="straightConnector1">
+            <a:avLst/>
+          </a:prstGeom>
+          <a:ln w="12700">
+            <a:solidFill>
+              <a:schemeClr val="accent2"/>
+            </a:solidFill>
+            <a:headEnd w="lg" len="sm"/>
+            <a:tailEnd type="triangle"/>
+          </a:ln>
+        </p:spPr>
+        <p:style>
+          <a:lnRef idx="1">
+            <a:schemeClr val="accent1"/>
+          </a:lnRef>
+          <a:fillRef idx="0">
+            <a:schemeClr val="accent1"/>
+          </a:fillRef>
+          <a:effectRef idx="0">
+            <a:schemeClr val="accent1"/>
+          </a:effectRef>
+          <a:fontRef idx="minor">
+            <a:schemeClr val="tx1"/>
+          </a:fontRef>
+        </p:style>
+      </p:cxnSp>
+      <p:cxnSp>
+        <p:nvCxnSpPr>
+          <p:cNvPr id="32" name="直线箭头连接符 31">
+            <a:extLst>
+              <a:ext uri="{FF2B5EF4-FFF2-40B4-BE49-F238E27FC236}">
+                <a16:creationId xmlns:a16="http://schemas.microsoft.com/office/drawing/2014/main" id="{F4D15053-B50B-5FD5-B76B-ACC76910F94C}"/>
+              </a:ext>
+            </a:extLst>
+          </p:cNvPr>
+          <p:cNvCxnSpPr>
+            <a:cxnSpLocks/>
+          </p:cNvCxnSpPr>
+          <p:nvPr/>
+        </p:nvCxnSpPr>
+        <p:spPr>
+          <a:xfrm>
+            <a:off x="3674218" y="899897"/>
+            <a:ext cx="0" cy="622477"/>
+          </a:xfrm>
+          <a:prstGeom prst="straightConnector1">
+            <a:avLst/>
+          </a:prstGeom>
+          <a:ln w="12700">
+            <a:solidFill>
+              <a:schemeClr val="accent2"/>
+            </a:solidFill>
+            <a:headEnd w="lg" len="sm"/>
+            <a:tailEnd type="triangle"/>
+          </a:ln>
+        </p:spPr>
+        <p:style>
+          <a:lnRef idx="1">
+            <a:schemeClr val="accent1"/>
+          </a:lnRef>
+          <a:fillRef idx="0">
+            <a:schemeClr val="accent1"/>
+          </a:fillRef>
+          <a:effectRef idx="0">
+            <a:schemeClr val="accent1"/>
+          </a:effectRef>
+          <a:fontRef idx="minor">
+            <a:schemeClr val="tx1"/>
+          </a:fontRef>
+        </p:style>
+      </p:cxnSp>
+      <p:cxnSp>
+        <p:nvCxnSpPr>
+          <p:cNvPr id="33" name="直线箭头连接符 32">
+            <a:extLst>
+              <a:ext uri="{FF2B5EF4-FFF2-40B4-BE49-F238E27FC236}">
+                <a16:creationId xmlns:a16="http://schemas.microsoft.com/office/drawing/2014/main" id="{4F3043ED-4696-FBF6-F55D-4DA542175B55}"/>
+              </a:ext>
+            </a:extLst>
+          </p:cNvPr>
+          <p:cNvCxnSpPr>
+            <a:cxnSpLocks/>
+          </p:cNvCxnSpPr>
+          <p:nvPr/>
+        </p:nvCxnSpPr>
+        <p:spPr>
+          <a:xfrm>
+            <a:off x="4529381" y="891356"/>
+            <a:ext cx="736242" cy="622477"/>
+          </a:xfrm>
+          <a:prstGeom prst="straightConnector1">
+            <a:avLst/>
+          </a:prstGeom>
+          <a:ln w="12700">
+            <a:solidFill>
+              <a:schemeClr val="accent2"/>
+            </a:solidFill>
+            <a:headEnd w="lg" len="sm"/>
+            <a:tailEnd type="triangle"/>
+          </a:ln>
+        </p:spPr>
+        <p:style>
+          <a:lnRef idx="1">
+            <a:schemeClr val="accent1"/>
+          </a:lnRef>
+          <a:fillRef idx="0">
+            <a:schemeClr val="accent1"/>
+          </a:fillRef>
+          <a:effectRef idx="0">
+            <a:schemeClr val="accent1"/>
+          </a:effectRef>
+          <a:fontRef idx="minor">
+            <a:schemeClr val="tx1"/>
+          </a:fontRef>
+        </p:style>
+      </p:cxnSp>
+      <p:cxnSp>
+        <p:nvCxnSpPr>
+          <p:cNvPr id="34" name="直线箭头连接符 33">
+            <a:extLst>
+              <a:ext uri="{FF2B5EF4-FFF2-40B4-BE49-F238E27FC236}">
+                <a16:creationId xmlns:a16="http://schemas.microsoft.com/office/drawing/2014/main" id="{11563641-A9EE-E78F-F506-CA5314539C04}"/>
+              </a:ext>
+            </a:extLst>
+          </p:cNvPr>
+          <p:cNvCxnSpPr>
+            <a:cxnSpLocks/>
+          </p:cNvCxnSpPr>
+          <p:nvPr/>
+        </p:nvCxnSpPr>
+        <p:spPr>
+          <a:xfrm>
+            <a:off x="5376218" y="891356"/>
+            <a:ext cx="0" cy="622477"/>
+          </a:xfrm>
+          <a:prstGeom prst="straightConnector1">
+            <a:avLst/>
+          </a:prstGeom>
+          <a:ln w="12700">
+            <a:solidFill>
+              <a:schemeClr val="accent2"/>
+            </a:solidFill>
+            <a:headEnd w="lg" len="sm"/>
+            <a:tailEnd type="triangle"/>
+          </a:ln>
+        </p:spPr>
+        <p:style>
+          <a:lnRef idx="1">
+            <a:schemeClr val="accent1"/>
+          </a:lnRef>
+          <a:fillRef idx="0">
+            <a:schemeClr val="accent1"/>
+          </a:fillRef>
+          <a:effectRef idx="0">
+            <a:schemeClr val="accent1"/>
+          </a:effectRef>
+          <a:fontRef idx="minor">
+            <a:schemeClr val="tx1"/>
+          </a:fontRef>
+        </p:style>
+      </p:cxnSp>
+      <p:cxnSp>
+        <p:nvCxnSpPr>
+          <p:cNvPr id="35" name="直线箭头连接符 34">
+            <a:extLst>
+              <a:ext uri="{FF2B5EF4-FFF2-40B4-BE49-F238E27FC236}">
+                <a16:creationId xmlns:a16="http://schemas.microsoft.com/office/drawing/2014/main" id="{A62F500D-277A-66BA-0AA1-75E86D5BB161}"/>
+              </a:ext>
+            </a:extLst>
+          </p:cNvPr>
+          <p:cNvCxnSpPr>
+            <a:cxnSpLocks/>
+            <a:stCxn id="7" idx="2"/>
+          </p:cNvCxnSpPr>
+          <p:nvPr/>
+        </p:nvCxnSpPr>
+        <p:spPr>
+          <a:xfrm>
+            <a:off x="6217077" y="899897"/>
+            <a:ext cx="706189" cy="613936"/>
+          </a:xfrm>
+          <a:prstGeom prst="straightConnector1">
+            <a:avLst/>
+          </a:prstGeom>
+          <a:ln w="12700">
+            <a:solidFill>
+              <a:schemeClr val="accent2"/>
+            </a:solidFill>
+            <a:headEnd w="lg" len="sm"/>
+            <a:tailEnd type="triangle"/>
+          </a:ln>
+        </p:spPr>
+        <p:style>
+          <a:lnRef idx="1">
+            <a:schemeClr val="accent1"/>
+          </a:lnRef>
+          <a:fillRef idx="0">
+            <a:schemeClr val="accent1"/>
+          </a:fillRef>
+          <a:effectRef idx="0">
+            <a:schemeClr val="accent1"/>
+          </a:effectRef>
+          <a:fontRef idx="minor">
+            <a:schemeClr val="tx1"/>
+          </a:fontRef>
+        </p:style>
+      </p:cxnSp>
+      <p:cxnSp>
+        <p:nvCxnSpPr>
+          <p:cNvPr id="36" name="直线箭头连接符 35">
+            <a:extLst>
+              <a:ext uri="{FF2B5EF4-FFF2-40B4-BE49-F238E27FC236}">
+                <a16:creationId xmlns:a16="http://schemas.microsoft.com/office/drawing/2014/main" id="{9D2A26B6-FAC9-9785-678A-7AEE937CD1A9}"/>
+              </a:ext>
+            </a:extLst>
+          </p:cNvPr>
+          <p:cNvCxnSpPr>
+            <a:cxnSpLocks/>
+          </p:cNvCxnSpPr>
+          <p:nvPr/>
+        </p:nvCxnSpPr>
+        <p:spPr>
+          <a:xfrm>
+            <a:off x="7077505" y="891356"/>
+            <a:ext cx="0" cy="622477"/>
+          </a:xfrm>
+          <a:prstGeom prst="straightConnector1">
+            <a:avLst/>
+          </a:prstGeom>
+          <a:ln w="12700">
+            <a:solidFill>
+              <a:schemeClr val="accent2"/>
+            </a:solidFill>
+            <a:headEnd w="lg" len="sm"/>
+            <a:tailEnd type="triangle"/>
+          </a:ln>
+        </p:spPr>
+        <p:style>
+          <a:lnRef idx="1">
+            <a:schemeClr val="accent1"/>
+          </a:lnRef>
+          <a:fillRef idx="0">
+            <a:schemeClr val="accent1"/>
+          </a:fillRef>
+          <a:effectRef idx="0">
+            <a:schemeClr val="accent1"/>
+          </a:effectRef>
+          <a:fontRef idx="minor">
+            <a:schemeClr val="tx1"/>
+          </a:fontRef>
+        </p:style>
+      </p:cxnSp>
+      <p:cxnSp>
+        <p:nvCxnSpPr>
+          <p:cNvPr id="37" name="直线箭头连接符 36">
+            <a:extLst>
+              <a:ext uri="{FF2B5EF4-FFF2-40B4-BE49-F238E27FC236}">
+                <a16:creationId xmlns:a16="http://schemas.microsoft.com/office/drawing/2014/main" id="{743A7BA4-7424-7E8E-A188-26041F36A5F0}"/>
+              </a:ext>
+            </a:extLst>
+          </p:cNvPr>
+          <p:cNvCxnSpPr>
+            <a:cxnSpLocks/>
+            <a:stCxn id="17" idx="2"/>
+          </p:cNvCxnSpPr>
+          <p:nvPr/>
+        </p:nvCxnSpPr>
+        <p:spPr>
+          <a:xfrm>
+            <a:off x="1982892" y="1947377"/>
+            <a:ext cx="1580731" cy="622477"/>
+          </a:xfrm>
+          <a:prstGeom prst="straightConnector1">
+            <a:avLst/>
+          </a:prstGeom>
+          <a:ln w="12700">
+            <a:solidFill>
+              <a:schemeClr val="accent2"/>
+            </a:solidFill>
+            <a:headEnd w="lg" len="sm"/>
+            <a:tailEnd type="triangle"/>
+          </a:ln>
+        </p:spPr>
+        <p:style>
+          <a:lnRef idx="1">
+            <a:schemeClr val="accent1"/>
+          </a:lnRef>
+          <a:fillRef idx="0">
+            <a:schemeClr val="accent1"/>
+          </a:fillRef>
+          <a:effectRef idx="0">
+            <a:schemeClr val="accent1"/>
+          </a:effectRef>
+          <a:fontRef idx="minor">
+            <a:schemeClr val="tx1"/>
+          </a:fontRef>
+        </p:style>
+      </p:cxnSp>
+      <p:cxnSp>
+        <p:nvCxnSpPr>
+          <p:cNvPr id="38" name="直线箭头连接符 37">
+            <a:extLst>
+              <a:ext uri="{FF2B5EF4-FFF2-40B4-BE49-F238E27FC236}">
+                <a16:creationId xmlns:a16="http://schemas.microsoft.com/office/drawing/2014/main" id="{237A2E79-7A34-13DC-1559-4BCC87B39440}"/>
+              </a:ext>
+            </a:extLst>
+          </p:cNvPr>
+          <p:cNvCxnSpPr>
+            <a:cxnSpLocks/>
+          </p:cNvCxnSpPr>
+          <p:nvPr/>
+        </p:nvCxnSpPr>
+        <p:spPr>
+          <a:xfrm>
+            <a:off x="3674218" y="1947377"/>
+            <a:ext cx="0" cy="622477"/>
+          </a:xfrm>
+          <a:prstGeom prst="straightConnector1">
+            <a:avLst/>
+          </a:prstGeom>
+          <a:ln w="12700">
+            <a:solidFill>
+              <a:schemeClr val="accent2"/>
+            </a:solidFill>
+            <a:headEnd w="lg" len="sm"/>
+            <a:tailEnd type="triangle"/>
+          </a:ln>
+        </p:spPr>
+        <p:style>
+          <a:lnRef idx="1">
+            <a:schemeClr val="accent1"/>
+          </a:lnRef>
+          <a:fillRef idx="0">
+            <a:schemeClr val="accent1"/>
+          </a:fillRef>
+          <a:effectRef idx="0">
+            <a:schemeClr val="accent1"/>
+          </a:effectRef>
+          <a:fontRef idx="minor">
+            <a:schemeClr val="tx1"/>
+          </a:fontRef>
+        </p:style>
+      </p:cxnSp>
+      <p:cxnSp>
+        <p:nvCxnSpPr>
+          <p:cNvPr id="40" name="直线箭头连接符 39">
+            <a:extLst>
+              <a:ext uri="{FF2B5EF4-FFF2-40B4-BE49-F238E27FC236}">
+                <a16:creationId xmlns:a16="http://schemas.microsoft.com/office/drawing/2014/main" id="{D06A7B05-EE62-2C4E-2FBE-A828AD02F6F4}"/>
+              </a:ext>
+            </a:extLst>
+          </p:cNvPr>
+          <p:cNvCxnSpPr>
+            <a:cxnSpLocks/>
+          </p:cNvCxnSpPr>
+          <p:nvPr/>
+        </p:nvCxnSpPr>
+        <p:spPr>
+          <a:xfrm>
+            <a:off x="5342535" y="1968885"/>
+            <a:ext cx="1580731" cy="579461"/>
+          </a:xfrm>
+          <a:prstGeom prst="straightConnector1">
+            <a:avLst/>
+          </a:prstGeom>
+          <a:ln w="12700">
+            <a:solidFill>
+              <a:schemeClr val="accent2"/>
+            </a:solidFill>
+            <a:headEnd w="lg" len="sm"/>
+            <a:tailEnd type="triangle"/>
+          </a:ln>
+        </p:spPr>
+        <p:style>
+          <a:lnRef idx="1">
+            <a:schemeClr val="accent1"/>
+          </a:lnRef>
+          <a:fillRef idx="0">
+            <a:schemeClr val="accent1"/>
+          </a:fillRef>
+          <a:effectRef idx="0">
+            <a:schemeClr val="accent1"/>
+          </a:effectRef>
+          <a:fontRef idx="minor">
+            <a:schemeClr val="tx1"/>
+          </a:fontRef>
+        </p:style>
+      </p:cxnSp>
+      <p:cxnSp>
+        <p:nvCxnSpPr>
+          <p:cNvPr id="41" name="直线箭头连接符 40">
+            <a:extLst>
+              <a:ext uri="{FF2B5EF4-FFF2-40B4-BE49-F238E27FC236}">
+                <a16:creationId xmlns:a16="http://schemas.microsoft.com/office/drawing/2014/main" id="{2522620F-D5C4-04B7-781D-BBF9184CCDD0}"/>
+              </a:ext>
+            </a:extLst>
+          </p:cNvPr>
+          <p:cNvCxnSpPr>
+            <a:cxnSpLocks/>
+          </p:cNvCxnSpPr>
+          <p:nvPr/>
+        </p:nvCxnSpPr>
+        <p:spPr>
+          <a:xfrm>
+            <a:off x="7077505" y="1968885"/>
+            <a:ext cx="0" cy="622477"/>
+          </a:xfrm>
+          <a:prstGeom prst="straightConnector1">
+            <a:avLst/>
+          </a:prstGeom>
+          <a:ln w="12700">
+            <a:solidFill>
+              <a:schemeClr val="accent2"/>
+            </a:solidFill>
+            <a:headEnd w="lg" len="sm"/>
+            <a:tailEnd type="triangle"/>
+          </a:ln>
+        </p:spPr>
+        <p:style>
+          <a:lnRef idx="1">
+            <a:schemeClr val="accent1"/>
+          </a:lnRef>
+          <a:fillRef idx="0">
+            <a:schemeClr val="accent1"/>
+          </a:fillRef>
+          <a:effectRef idx="0">
+            <a:schemeClr val="accent1"/>
+          </a:effectRef>
+          <a:fontRef idx="minor">
+            <a:schemeClr val="tx1"/>
+          </a:fontRef>
+        </p:style>
+      </p:cxnSp>
+      <p:cxnSp>
+        <p:nvCxnSpPr>
+          <p:cNvPr id="42" name="直线箭头连接符 41">
+            <a:extLst>
+              <a:ext uri="{FF2B5EF4-FFF2-40B4-BE49-F238E27FC236}">
+                <a16:creationId xmlns:a16="http://schemas.microsoft.com/office/drawing/2014/main" id="{5812DB11-62AF-2E3C-0505-2CCDB3009AD3}"/>
+              </a:ext>
+            </a:extLst>
+          </p:cNvPr>
+          <p:cNvCxnSpPr>
+            <a:cxnSpLocks/>
+            <a:stCxn id="22" idx="2"/>
+          </p:cNvCxnSpPr>
+          <p:nvPr/>
+        </p:nvCxnSpPr>
+        <p:spPr>
+          <a:xfrm>
+            <a:off x="3674218" y="2994857"/>
+            <a:ext cx="3271629" cy="622477"/>
+          </a:xfrm>
+          <a:prstGeom prst="straightConnector1">
+            <a:avLst/>
+          </a:prstGeom>
+          <a:ln w="12700">
+            <a:solidFill>
+              <a:schemeClr val="accent2"/>
+            </a:solidFill>
+            <a:headEnd w="lg" len="sm"/>
+            <a:tailEnd type="triangle"/>
+          </a:ln>
+        </p:spPr>
+        <p:style>
+          <a:lnRef idx="1">
+            <a:schemeClr val="accent1"/>
+          </a:lnRef>
+          <a:fillRef idx="0">
+            <a:schemeClr val="accent1"/>
+          </a:fillRef>
+          <a:effectRef idx="0">
+            <a:schemeClr val="accent1"/>
+          </a:effectRef>
+          <a:fontRef idx="minor">
+            <a:schemeClr val="tx1"/>
+          </a:fontRef>
+        </p:style>
+      </p:cxnSp>
+      <p:cxnSp>
+        <p:nvCxnSpPr>
+          <p:cNvPr id="43" name="直线箭头连接符 42">
+            <a:extLst>
+              <a:ext uri="{FF2B5EF4-FFF2-40B4-BE49-F238E27FC236}">
+                <a16:creationId xmlns:a16="http://schemas.microsoft.com/office/drawing/2014/main" id="{AC2B3EFD-B5AB-70DE-27A4-F37984F0686F}"/>
+              </a:ext>
+            </a:extLst>
+          </p:cNvPr>
+          <p:cNvCxnSpPr>
+            <a:cxnSpLocks/>
+          </p:cNvCxnSpPr>
+          <p:nvPr/>
+        </p:nvCxnSpPr>
+        <p:spPr>
+          <a:xfrm>
+            <a:off x="7077505" y="2994857"/>
+            <a:ext cx="0" cy="622477"/>
+          </a:xfrm>
+          <a:prstGeom prst="straightConnector1">
+            <a:avLst/>
+          </a:prstGeom>
+          <a:ln w="12700">
+            <a:solidFill>
+              <a:schemeClr val="accent2"/>
+            </a:solidFill>
+            <a:headEnd w="lg" len="sm"/>
+            <a:tailEnd type="triangle"/>
+          </a:ln>
+        </p:spPr>
+        <p:style>
+          <a:lnRef idx="1">
+            <a:schemeClr val="accent1"/>
+          </a:lnRef>
+          <a:fillRef idx="0">
+            <a:schemeClr val="accent1"/>
+          </a:fillRef>
+          <a:effectRef idx="0">
+            <a:schemeClr val="accent1"/>
+          </a:effectRef>
+          <a:fontRef idx="minor">
+            <a:schemeClr val="tx1"/>
+          </a:fontRef>
+        </p:style>
+      </p:cxnSp>
+      <p:sp>
+        <p:nvSpPr>
+          <p:cNvPr id="51" name="矩形 50">
+            <a:extLst>
+              <a:ext uri="{FF2B5EF4-FFF2-40B4-BE49-F238E27FC236}">
+                <a16:creationId xmlns:a16="http://schemas.microsoft.com/office/drawing/2014/main" id="{F6A8B29B-1CA7-447B-C66D-F995F4817BF9}"/>
+              </a:ext>
+            </a:extLst>
+          </p:cNvPr>
+          <p:cNvSpPr/>
+          <p:nvPr/>
+        </p:nvSpPr>
+        <p:spPr>
+          <a:xfrm>
+            <a:off x="1686678" y="4670211"/>
+            <a:ext cx="592428" cy="425003"/>
+          </a:xfrm>
+          <a:prstGeom prst="rect">
+            <a:avLst/>
+          </a:prstGeom>
+          <a:noFill/>
+        </p:spPr>
+        <p:style>
+          <a:lnRef idx="2">
+            <a:schemeClr val="accent1">
+              <a:shade val="50000"/>
+            </a:schemeClr>
+          </a:lnRef>
+          <a:fillRef idx="1">
+            <a:schemeClr val="accent1"/>
+          </a:fillRef>
+          <a:effectRef idx="0">
+            <a:schemeClr val="accent1"/>
+          </a:effectRef>
+          <a:fontRef idx="minor">
+            <a:schemeClr val="lt1"/>
+          </a:fontRef>
+        </p:style>
+        <p:txBody>
+          <a:bodyPr rtlCol="0" anchor="ctr"/>
+          <a:lstStyle/>
+          <a:p>
+            <a:pPr algn="ctr"/>
+            <a:r>
+              <a:rPr kumimoji="1" lang="en-US" altLang="zh-CN" dirty="0">
+                <a:solidFill>
+                  <a:srgbClr val="002060"/>
+                </a:solidFill>
+              </a:rPr>
+              <a:t>81</a:t>
+            </a:r>
+            <a:endParaRPr kumimoji="1" lang="zh-CN" altLang="en-US" dirty="0">
+              <a:solidFill>
+                <a:srgbClr val="002060"/>
+              </a:solidFill>
+            </a:endParaRPr>
+          </a:p>
+        </p:txBody>
+      </p:sp>
+      <p:sp>
+        <p:nvSpPr>
+          <p:cNvPr id="52" name="矩形 51">
+            <a:extLst>
+              <a:ext uri="{FF2B5EF4-FFF2-40B4-BE49-F238E27FC236}">
+                <a16:creationId xmlns:a16="http://schemas.microsoft.com/office/drawing/2014/main" id="{18DA4C8B-73EA-061F-3D7C-8D6C16E6C598}"/>
+              </a:ext>
+            </a:extLst>
+          </p:cNvPr>
+          <p:cNvSpPr/>
+          <p:nvPr/>
+        </p:nvSpPr>
+        <p:spPr>
+          <a:xfrm>
+            <a:off x="5074026" y="4670211"/>
+            <a:ext cx="592428" cy="425003"/>
+          </a:xfrm>
+          <a:prstGeom prst="rect">
+            <a:avLst/>
+          </a:prstGeom>
+          <a:noFill/>
+        </p:spPr>
+        <p:style>
+          <a:lnRef idx="2">
+            <a:schemeClr val="accent1">
+              <a:shade val="50000"/>
+            </a:schemeClr>
+          </a:lnRef>
+          <a:fillRef idx="1">
+            <a:schemeClr val="accent1"/>
+          </a:fillRef>
+          <a:effectRef idx="0">
+            <a:schemeClr val="accent1"/>
+          </a:effectRef>
+          <a:fontRef idx="minor">
+            <a:schemeClr val="lt1"/>
+          </a:fontRef>
+        </p:style>
+        <p:txBody>
+          <a:bodyPr rtlCol="0" anchor="ctr"/>
+          <a:lstStyle/>
+          <a:p>
+            <a:pPr algn="ctr"/>
+            <a:r>
+              <a:rPr kumimoji="1" lang="en-US" altLang="zh-CN" dirty="0">
+                <a:solidFill>
+                  <a:srgbClr val="002060"/>
+                </a:solidFill>
+              </a:rPr>
+              <a:t>78</a:t>
+            </a:r>
+            <a:endParaRPr kumimoji="1" lang="zh-CN" altLang="en-US" dirty="0">
+              <a:solidFill>
+                <a:srgbClr val="002060"/>
+              </a:solidFill>
+            </a:endParaRPr>
+          </a:p>
+        </p:txBody>
+      </p:sp>
+      <p:sp>
+        <p:nvSpPr>
+          <p:cNvPr id="53" name="矩形 52">
+            <a:extLst>
+              <a:ext uri="{FF2B5EF4-FFF2-40B4-BE49-F238E27FC236}">
+                <a16:creationId xmlns:a16="http://schemas.microsoft.com/office/drawing/2014/main" id="{968A3EA9-BF1C-6084-334A-D3E5ED6CFEB8}"/>
+              </a:ext>
+            </a:extLst>
+          </p:cNvPr>
+          <p:cNvSpPr/>
+          <p:nvPr/>
+        </p:nvSpPr>
+        <p:spPr>
+          <a:xfrm>
+            <a:off x="3378004" y="4670211"/>
+            <a:ext cx="592428" cy="425003"/>
+          </a:xfrm>
+          <a:prstGeom prst="rect">
+            <a:avLst/>
+          </a:prstGeom>
+          <a:noFill/>
+        </p:spPr>
+        <p:style>
+          <a:lnRef idx="2">
+            <a:schemeClr val="accent1">
+              <a:shade val="50000"/>
+            </a:schemeClr>
+          </a:lnRef>
+          <a:fillRef idx="1">
+            <a:schemeClr val="accent1"/>
+          </a:fillRef>
+          <a:effectRef idx="0">
+            <a:schemeClr val="accent1"/>
+          </a:effectRef>
+          <a:fontRef idx="minor">
+            <a:schemeClr val="lt1"/>
+          </a:fontRef>
+        </p:style>
+        <p:txBody>
+          <a:bodyPr rtlCol="0" anchor="ctr"/>
+          <a:lstStyle/>
+          <a:p>
+            <a:pPr algn="ctr"/>
+            <a:r>
+              <a:rPr kumimoji="1" lang="en-US" altLang="zh-CN" dirty="0">
+                <a:solidFill>
+                  <a:srgbClr val="002060"/>
+                </a:solidFill>
+              </a:rPr>
+              <a:t>219</a:t>
+            </a:r>
+            <a:endParaRPr kumimoji="1" lang="zh-CN" altLang="en-US" dirty="0">
+              <a:solidFill>
+                <a:srgbClr val="002060"/>
+              </a:solidFill>
+            </a:endParaRPr>
+          </a:p>
+        </p:txBody>
+      </p:sp>
+      <p:sp>
+        <p:nvSpPr>
+          <p:cNvPr id="54" name="矩形 53">
+            <a:extLst>
+              <a:ext uri="{FF2B5EF4-FFF2-40B4-BE49-F238E27FC236}">
+                <a16:creationId xmlns:a16="http://schemas.microsoft.com/office/drawing/2014/main" id="{682314F5-A2E5-99AF-E08D-E46DD2942D16}"/>
+              </a:ext>
+            </a:extLst>
+          </p:cNvPr>
+          <p:cNvSpPr/>
+          <p:nvPr/>
+        </p:nvSpPr>
+        <p:spPr>
+          <a:xfrm>
+            <a:off x="6781291" y="4670211"/>
+            <a:ext cx="592428" cy="425003"/>
+          </a:xfrm>
+          <a:prstGeom prst="rect">
+            <a:avLst/>
+          </a:prstGeom>
+          <a:noFill/>
+        </p:spPr>
+        <p:style>
+          <a:lnRef idx="2">
+            <a:schemeClr val="accent1">
+              <a:shade val="50000"/>
+            </a:schemeClr>
+          </a:lnRef>
+          <a:fillRef idx="1">
+            <a:schemeClr val="accent1"/>
+          </a:fillRef>
+          <a:effectRef idx="0">
+            <a:schemeClr val="accent1"/>
+          </a:effectRef>
+          <a:fontRef idx="minor">
+            <a:schemeClr val="lt1"/>
+          </a:fontRef>
+        </p:style>
+        <p:txBody>
+          <a:bodyPr rtlCol="0" anchor="ctr"/>
+          <a:lstStyle/>
+          <a:p>
+            <a:pPr algn="ctr"/>
+            <a:r>
+              <a:rPr kumimoji="1" lang="en-US" altLang="zh-CN" dirty="0">
+                <a:solidFill>
+                  <a:srgbClr val="002060"/>
+                </a:solidFill>
+              </a:rPr>
+              <a:t>400</a:t>
+            </a:r>
+            <a:endParaRPr kumimoji="1" lang="zh-CN" altLang="en-US" dirty="0">
+              <a:solidFill>
+                <a:srgbClr val="002060"/>
+              </a:solidFill>
+            </a:endParaRPr>
+          </a:p>
+        </p:txBody>
+      </p:sp>
+      <p:cxnSp>
+        <p:nvCxnSpPr>
+          <p:cNvPr id="59" name="直线箭头连接符 58">
+            <a:extLst>
+              <a:ext uri="{FF2B5EF4-FFF2-40B4-BE49-F238E27FC236}">
+                <a16:creationId xmlns:a16="http://schemas.microsoft.com/office/drawing/2014/main" id="{49CC0E51-3EBA-2861-B7FF-3033645999C9}"/>
+              </a:ext>
+            </a:extLst>
+          </p:cNvPr>
+          <p:cNvCxnSpPr>
+            <a:cxnSpLocks/>
+          </p:cNvCxnSpPr>
+          <p:nvPr/>
+        </p:nvCxnSpPr>
+        <p:spPr>
+          <a:xfrm>
+            <a:off x="7077505" y="4042337"/>
+            <a:ext cx="0" cy="622477"/>
+          </a:xfrm>
+          <a:prstGeom prst="straightConnector1">
+            <a:avLst/>
+          </a:prstGeom>
+          <a:ln w="12700">
+            <a:solidFill>
+              <a:schemeClr val="accent6">
+                <a:lumMod val="75000"/>
+              </a:schemeClr>
+            </a:solidFill>
+            <a:prstDash val="dash"/>
+            <a:headEnd w="lg" len="sm"/>
+            <a:tailEnd type="triangle"/>
+          </a:ln>
+        </p:spPr>
+        <p:style>
+          <a:lnRef idx="1">
+            <a:schemeClr val="accent1"/>
+          </a:lnRef>
+          <a:fillRef idx="0">
+            <a:schemeClr val="accent1"/>
+          </a:fillRef>
+          <a:effectRef idx="0">
+            <a:schemeClr val="accent1"/>
+          </a:effectRef>
+          <a:fontRef idx="minor">
+            <a:schemeClr val="tx1"/>
+          </a:fontRef>
+        </p:style>
+      </p:cxnSp>
+      <p:cxnSp>
+        <p:nvCxnSpPr>
+          <p:cNvPr id="61" name="直线箭头连接符 60">
+            <a:extLst>
+              <a:ext uri="{FF2B5EF4-FFF2-40B4-BE49-F238E27FC236}">
+                <a16:creationId xmlns:a16="http://schemas.microsoft.com/office/drawing/2014/main" id="{E234FBC1-1173-03A3-CF88-63F89A97D4BD}"/>
+              </a:ext>
+            </a:extLst>
+          </p:cNvPr>
+          <p:cNvCxnSpPr>
+            <a:cxnSpLocks/>
+          </p:cNvCxnSpPr>
+          <p:nvPr/>
+        </p:nvCxnSpPr>
+        <p:spPr>
+          <a:xfrm>
+            <a:off x="3674218" y="2994857"/>
+            <a:ext cx="0" cy="1661459"/>
+          </a:xfrm>
+          <a:prstGeom prst="straightConnector1">
+            <a:avLst/>
+          </a:prstGeom>
+          <a:ln w="12700">
+            <a:solidFill>
+              <a:schemeClr val="accent6">
+                <a:lumMod val="75000"/>
+              </a:schemeClr>
+            </a:solidFill>
+            <a:prstDash val="dash"/>
+            <a:headEnd w="lg" len="sm"/>
+            <a:tailEnd type="triangle"/>
+          </a:ln>
+        </p:spPr>
+        <p:style>
+          <a:lnRef idx="1">
+            <a:schemeClr val="accent1"/>
+          </a:lnRef>
+          <a:fillRef idx="0">
+            <a:schemeClr val="accent1"/>
+          </a:fillRef>
+          <a:effectRef idx="0">
+            <a:schemeClr val="accent1"/>
+          </a:effectRef>
+          <a:fontRef idx="minor">
+            <a:schemeClr val="tx1"/>
+          </a:fontRef>
+        </p:style>
+      </p:cxnSp>
+      <p:cxnSp>
+        <p:nvCxnSpPr>
+          <p:cNvPr id="69" name="直线箭头连接符 68">
+            <a:extLst>
+              <a:ext uri="{FF2B5EF4-FFF2-40B4-BE49-F238E27FC236}">
+                <a16:creationId xmlns:a16="http://schemas.microsoft.com/office/drawing/2014/main" id="{403E411F-D62E-C169-620E-FFF2AB01D3C0}"/>
+              </a:ext>
+            </a:extLst>
+          </p:cNvPr>
+          <p:cNvCxnSpPr>
+            <a:cxnSpLocks/>
+            <a:endCxn id="51" idx="0"/>
+          </p:cNvCxnSpPr>
+          <p:nvPr/>
+        </p:nvCxnSpPr>
+        <p:spPr>
+          <a:xfrm>
+            <a:off x="1982892" y="1989789"/>
+            <a:ext cx="0" cy="2680422"/>
+          </a:xfrm>
+          <a:prstGeom prst="straightConnector1">
+            <a:avLst/>
+          </a:prstGeom>
+          <a:ln w="12700">
+            <a:solidFill>
+              <a:schemeClr val="accent6">
+                <a:lumMod val="75000"/>
+              </a:schemeClr>
+            </a:solidFill>
+            <a:prstDash val="dash"/>
+            <a:headEnd w="lg" len="sm"/>
+            <a:tailEnd type="triangle"/>
+          </a:ln>
+        </p:spPr>
+        <p:style>
+          <a:lnRef idx="1">
+            <a:schemeClr val="accent1"/>
+          </a:lnRef>
+          <a:fillRef idx="0">
+            <a:schemeClr val="accent1"/>
+          </a:fillRef>
+          <a:effectRef idx="0">
+            <a:schemeClr val="accent1"/>
+          </a:effectRef>
+          <a:fontRef idx="minor">
+            <a:schemeClr val="tx1"/>
+          </a:fontRef>
+        </p:style>
+      </p:cxnSp>
+      <p:cxnSp>
+        <p:nvCxnSpPr>
+          <p:cNvPr id="71" name="直线箭头连接符 70">
+            <a:extLst>
+              <a:ext uri="{FF2B5EF4-FFF2-40B4-BE49-F238E27FC236}">
+                <a16:creationId xmlns:a16="http://schemas.microsoft.com/office/drawing/2014/main" id="{AB84D1AC-B1AC-4D98-F1D8-90D1A341C1FE}"/>
+              </a:ext>
+            </a:extLst>
+          </p:cNvPr>
+          <p:cNvCxnSpPr>
+            <a:cxnSpLocks/>
+            <a:endCxn id="52" idx="0"/>
+          </p:cNvCxnSpPr>
+          <p:nvPr/>
+        </p:nvCxnSpPr>
+        <p:spPr>
+          <a:xfrm flipH="1">
+            <a:off x="5370240" y="1930295"/>
+            <a:ext cx="5978" cy="2739916"/>
+          </a:xfrm>
+          <a:prstGeom prst="straightConnector1">
+            <a:avLst/>
+          </a:prstGeom>
+          <a:ln w="12700">
+            <a:solidFill>
+              <a:schemeClr val="accent6">
+                <a:lumMod val="75000"/>
+              </a:schemeClr>
+            </a:solidFill>
+            <a:prstDash val="dash"/>
+            <a:headEnd w="lg" len="sm"/>
+            <a:tailEnd type="triangle"/>
+          </a:ln>
+        </p:spPr>
+        <p:style>
+          <a:lnRef idx="1">
+            <a:schemeClr val="accent1"/>
+          </a:lnRef>
+          <a:fillRef idx="0">
+            <a:schemeClr val="accent1"/>
+          </a:fillRef>
+          <a:effectRef idx="0">
+            <a:schemeClr val="accent1"/>
+          </a:effectRef>
+          <a:fontRef idx="minor">
+            <a:schemeClr val="tx1"/>
+          </a:fontRef>
+        </p:style>
+      </p:cxnSp>
+      <p:cxnSp>
+        <p:nvCxnSpPr>
+          <p:cNvPr id="77" name="直线箭头连接符 76">
+            <a:extLst>
+              <a:ext uri="{FF2B5EF4-FFF2-40B4-BE49-F238E27FC236}">
+                <a16:creationId xmlns:a16="http://schemas.microsoft.com/office/drawing/2014/main" id="{4E58A44D-C9DA-B305-5D03-FEE5358EAA4B}"/>
+              </a:ext>
+            </a:extLst>
+          </p:cNvPr>
+          <p:cNvCxnSpPr>
+            <a:cxnSpLocks/>
+          </p:cNvCxnSpPr>
+          <p:nvPr/>
+        </p:nvCxnSpPr>
+        <p:spPr>
+          <a:xfrm>
+            <a:off x="3682392" y="5128616"/>
+            <a:ext cx="1582150" cy="597511"/>
+          </a:xfrm>
+          <a:prstGeom prst="straightConnector1">
+            <a:avLst/>
+          </a:prstGeom>
+          <a:ln w="12700">
+            <a:solidFill>
+              <a:schemeClr val="accent6">
+                <a:lumMod val="75000"/>
+              </a:schemeClr>
+            </a:solidFill>
+            <a:headEnd w="lg" len="sm"/>
+            <a:tailEnd type="triangle"/>
+          </a:ln>
+        </p:spPr>
+        <p:style>
+          <a:lnRef idx="1">
+            <a:schemeClr val="accent1"/>
+          </a:lnRef>
+          <a:fillRef idx="0">
+            <a:schemeClr val="accent1"/>
+          </a:fillRef>
+          <a:effectRef idx="0">
+            <a:schemeClr val="accent1"/>
+          </a:effectRef>
+          <a:fontRef idx="minor">
+            <a:schemeClr val="tx1"/>
+          </a:fontRef>
+        </p:style>
+      </p:cxnSp>
+      <p:sp>
+        <p:nvSpPr>
+          <p:cNvPr id="80" name="矩形 79">
+            <a:extLst>
+              <a:ext uri="{FF2B5EF4-FFF2-40B4-BE49-F238E27FC236}">
+                <a16:creationId xmlns:a16="http://schemas.microsoft.com/office/drawing/2014/main" id="{E0C0E623-91A5-F177-8EF3-02373568F527}"/>
+              </a:ext>
+            </a:extLst>
+          </p:cNvPr>
+          <p:cNvSpPr/>
+          <p:nvPr/>
+        </p:nvSpPr>
+        <p:spPr>
+          <a:xfrm>
+            <a:off x="839841" y="4670211"/>
+            <a:ext cx="592428" cy="425003"/>
+          </a:xfrm>
+          <a:prstGeom prst="rect">
+            <a:avLst/>
+          </a:prstGeom>
+          <a:noFill/>
+        </p:spPr>
+        <p:style>
+          <a:lnRef idx="2">
+            <a:schemeClr val="accent1">
+              <a:shade val="50000"/>
+            </a:schemeClr>
+          </a:lnRef>
+          <a:fillRef idx="1">
+            <a:schemeClr val="accent1"/>
+          </a:fillRef>
+          <a:effectRef idx="0">
+            <a:schemeClr val="accent1"/>
+          </a:effectRef>
+          <a:fontRef idx="minor">
+            <a:schemeClr val="lt1"/>
+          </a:fontRef>
+        </p:style>
+        <p:txBody>
+          <a:bodyPr rtlCol="0" anchor="ctr"/>
+          <a:lstStyle/>
+          <a:p>
+            <a:pPr algn="ctr"/>
+            <a:r>
+              <a:rPr kumimoji="1" lang="en-US" altLang="zh-CN" dirty="0">
+                <a:solidFill>
+                  <a:srgbClr val="002060"/>
+                </a:solidFill>
+              </a:rPr>
+              <a:t>43</a:t>
+            </a:r>
+            <a:endParaRPr kumimoji="1" lang="zh-CN" altLang="en-US" dirty="0">
+              <a:solidFill>
+                <a:srgbClr val="002060"/>
+              </a:solidFill>
+            </a:endParaRPr>
+          </a:p>
+        </p:txBody>
+      </p:sp>
+      <p:sp>
+        <p:nvSpPr>
+          <p:cNvPr id="81" name="矩形 80">
+            <a:extLst>
+              <a:ext uri="{FF2B5EF4-FFF2-40B4-BE49-F238E27FC236}">
+                <a16:creationId xmlns:a16="http://schemas.microsoft.com/office/drawing/2014/main" id="{E9683711-1406-24BD-D1AC-6B41FDADAC64}"/>
+              </a:ext>
+            </a:extLst>
+          </p:cNvPr>
+          <p:cNvSpPr/>
+          <p:nvPr/>
+        </p:nvSpPr>
+        <p:spPr>
+          <a:xfrm>
+            <a:off x="5920863" y="4670211"/>
+            <a:ext cx="592428" cy="425003"/>
+          </a:xfrm>
+          <a:prstGeom prst="rect">
+            <a:avLst/>
+          </a:prstGeom>
+          <a:noFill/>
+        </p:spPr>
+        <p:style>
+          <a:lnRef idx="2">
+            <a:schemeClr val="accent1">
+              <a:shade val="50000"/>
+            </a:schemeClr>
+          </a:lnRef>
+          <a:fillRef idx="1">
+            <a:schemeClr val="accent1"/>
+          </a:fillRef>
+          <a:effectRef idx="0">
+            <a:schemeClr val="accent1"/>
+          </a:effectRef>
+          <a:fontRef idx="minor">
+            <a:schemeClr val="lt1"/>
+          </a:fontRef>
+        </p:style>
+        <p:txBody>
+          <a:bodyPr rtlCol="0" anchor="ctr"/>
+          <a:lstStyle/>
+          <a:p>
+            <a:pPr algn="ctr"/>
+            <a:r>
+              <a:rPr lang="en-US" altLang="zh-CN" sz="1800" b="0" i="0" u="none" strike="noStrike" kern="1200" dirty="0">
+                <a:solidFill>
+                  <a:srgbClr val="002060"/>
+                </a:solidFill>
+                <a:effectLst/>
+                <a:latin typeface="Microsoft YaHei" panose="020B0503020204020204" pitchFamily="34" charset="-122"/>
+                <a:ea typeface="Microsoft YaHei" panose="020B0503020204020204" pitchFamily="34" charset="-122"/>
+                <a:cs typeface="+mn-cs"/>
+              </a:rPr>
+              <a:t>58</a:t>
+            </a:r>
+            <a:endParaRPr kumimoji="1" lang="zh-CN" altLang="en-US" dirty="0">
+              <a:solidFill>
+                <a:srgbClr val="002060"/>
+              </a:solidFill>
+            </a:endParaRPr>
+          </a:p>
+        </p:txBody>
+      </p:sp>
+      <p:sp>
+        <p:nvSpPr>
+          <p:cNvPr id="82" name="矩形 81">
+            <a:extLst>
+              <a:ext uri="{FF2B5EF4-FFF2-40B4-BE49-F238E27FC236}">
+                <a16:creationId xmlns:a16="http://schemas.microsoft.com/office/drawing/2014/main" id="{106C303F-6432-E4FD-CA91-0E314396BB43}"/>
+              </a:ext>
+            </a:extLst>
+          </p:cNvPr>
+          <p:cNvSpPr/>
+          <p:nvPr/>
+        </p:nvSpPr>
+        <p:spPr>
+          <a:xfrm>
+            <a:off x="2533515" y="4670211"/>
+            <a:ext cx="592428" cy="425003"/>
+          </a:xfrm>
+          <a:prstGeom prst="rect">
+            <a:avLst/>
+          </a:prstGeom>
+          <a:noFill/>
+        </p:spPr>
+        <p:style>
+          <a:lnRef idx="2">
+            <a:schemeClr val="accent1">
+              <a:shade val="50000"/>
+            </a:schemeClr>
+          </a:lnRef>
+          <a:fillRef idx="1">
+            <a:schemeClr val="accent1"/>
+          </a:fillRef>
+          <a:effectRef idx="0">
+            <a:schemeClr val="accent1"/>
+          </a:effectRef>
+          <a:fontRef idx="minor">
+            <a:schemeClr val="lt1"/>
+          </a:fontRef>
+        </p:style>
+        <p:txBody>
+          <a:bodyPr rtlCol="0" anchor="ctr"/>
+          <a:lstStyle/>
+          <a:p>
+            <a:pPr algn="ctr"/>
+            <a:r>
+              <a:rPr lang="en-US" altLang="zh-CN" sz="1800" b="0" i="0" u="none" strike="noStrike" kern="1200" dirty="0">
+                <a:solidFill>
+                  <a:srgbClr val="002060"/>
+                </a:solidFill>
+                <a:effectLst/>
+                <a:latin typeface="Microsoft YaHei" panose="020B0503020204020204" pitchFamily="34" charset="-122"/>
+                <a:ea typeface="Microsoft YaHei" panose="020B0503020204020204" pitchFamily="34" charset="-122"/>
+                <a:cs typeface="+mn-cs"/>
+              </a:rPr>
+              <a:t>79</a:t>
+            </a:r>
+            <a:endParaRPr kumimoji="1" lang="zh-CN" altLang="en-US" dirty="0">
+              <a:solidFill>
+                <a:srgbClr val="002060"/>
+              </a:solidFill>
+            </a:endParaRPr>
+          </a:p>
+        </p:txBody>
+      </p:sp>
+      <p:sp>
+        <p:nvSpPr>
+          <p:cNvPr id="83" name="矩形 82">
+            <a:extLst>
+              <a:ext uri="{FF2B5EF4-FFF2-40B4-BE49-F238E27FC236}">
+                <a16:creationId xmlns:a16="http://schemas.microsoft.com/office/drawing/2014/main" id="{CE4B510A-34D5-1466-7519-CE02A3FCD709}"/>
+              </a:ext>
+            </a:extLst>
+          </p:cNvPr>
+          <p:cNvSpPr/>
+          <p:nvPr/>
+        </p:nvSpPr>
+        <p:spPr>
+          <a:xfrm>
+            <a:off x="4227189" y="4670211"/>
+            <a:ext cx="592428" cy="425003"/>
+          </a:xfrm>
+          <a:prstGeom prst="rect">
+            <a:avLst/>
+          </a:prstGeom>
+          <a:noFill/>
+        </p:spPr>
+        <p:style>
+          <a:lnRef idx="2">
+            <a:schemeClr val="accent1">
+              <a:shade val="50000"/>
+            </a:schemeClr>
+          </a:lnRef>
+          <a:fillRef idx="1">
+            <a:schemeClr val="accent1"/>
+          </a:fillRef>
+          <a:effectRef idx="0">
+            <a:schemeClr val="accent1"/>
+          </a:effectRef>
+          <a:fontRef idx="minor">
+            <a:schemeClr val="lt1"/>
+          </a:fontRef>
+        </p:style>
+        <p:txBody>
+          <a:bodyPr rtlCol="0" anchor="ctr"/>
+          <a:lstStyle/>
+          <a:p>
+            <a:pPr algn="ctr"/>
+            <a:r>
+              <a:rPr lang="en-US" altLang="zh-CN" sz="1800" b="0" i="0" u="none" strike="noStrike" kern="1200" dirty="0">
+                <a:solidFill>
+                  <a:srgbClr val="002060"/>
+                </a:solidFill>
+                <a:effectLst/>
+                <a:latin typeface="Microsoft YaHei" panose="020B0503020204020204" pitchFamily="34" charset="-122"/>
+                <a:ea typeface="Microsoft YaHei" panose="020B0503020204020204" pitchFamily="34" charset="-122"/>
+                <a:cs typeface="+mn-cs"/>
+              </a:rPr>
+              <a:t>5</a:t>
+            </a:r>
+            <a:endParaRPr kumimoji="1" lang="zh-CN" altLang="en-US" dirty="0">
+              <a:solidFill>
+                <a:srgbClr val="002060"/>
+              </a:solidFill>
+            </a:endParaRPr>
+          </a:p>
+        </p:txBody>
+      </p:sp>
+      <p:cxnSp>
+        <p:nvCxnSpPr>
+          <p:cNvPr id="84" name="直线箭头连接符 83">
+            <a:extLst>
+              <a:ext uri="{FF2B5EF4-FFF2-40B4-BE49-F238E27FC236}">
+                <a16:creationId xmlns:a16="http://schemas.microsoft.com/office/drawing/2014/main" id="{95508E6D-F775-308C-63B8-2A4F493CAF20}"/>
+              </a:ext>
+            </a:extLst>
+          </p:cNvPr>
+          <p:cNvCxnSpPr>
+            <a:cxnSpLocks/>
+            <a:stCxn id="7" idx="2"/>
+            <a:endCxn id="81" idx="0"/>
+          </p:cNvCxnSpPr>
+          <p:nvPr/>
+        </p:nvCxnSpPr>
+        <p:spPr>
+          <a:xfrm>
+            <a:off x="6217077" y="899897"/>
+            <a:ext cx="0" cy="3770314"/>
+          </a:xfrm>
+          <a:prstGeom prst="straightConnector1">
+            <a:avLst/>
+          </a:prstGeom>
+          <a:ln w="12700">
+            <a:solidFill>
+              <a:schemeClr val="accent6">
+                <a:lumMod val="75000"/>
+              </a:schemeClr>
+            </a:solidFill>
+            <a:prstDash val="dash"/>
+            <a:headEnd w="lg" len="sm"/>
+            <a:tailEnd type="triangle"/>
+          </a:ln>
+        </p:spPr>
+        <p:style>
+          <a:lnRef idx="1">
+            <a:schemeClr val="accent1"/>
+          </a:lnRef>
+          <a:fillRef idx="0">
+            <a:schemeClr val="accent1"/>
+          </a:fillRef>
+          <a:effectRef idx="0">
+            <a:schemeClr val="accent1"/>
+          </a:effectRef>
+          <a:fontRef idx="minor">
+            <a:schemeClr val="tx1"/>
+          </a:fontRef>
+        </p:style>
+      </p:cxnSp>
+      <p:cxnSp>
+        <p:nvCxnSpPr>
+          <p:cNvPr id="87" name="直线箭头连接符 86">
+            <a:extLst>
+              <a:ext uri="{FF2B5EF4-FFF2-40B4-BE49-F238E27FC236}">
+                <a16:creationId xmlns:a16="http://schemas.microsoft.com/office/drawing/2014/main" id="{11CBF239-CBB5-17C3-357A-C0705E2D7313}"/>
+              </a:ext>
+            </a:extLst>
+          </p:cNvPr>
+          <p:cNvCxnSpPr>
+            <a:cxnSpLocks/>
+            <a:stCxn id="16" idx="2"/>
+            <a:endCxn id="83" idx="0"/>
+          </p:cNvCxnSpPr>
+          <p:nvPr/>
+        </p:nvCxnSpPr>
+        <p:spPr>
+          <a:xfrm>
+            <a:off x="4523403" y="899897"/>
+            <a:ext cx="0" cy="3770314"/>
+          </a:xfrm>
+          <a:prstGeom prst="straightConnector1">
+            <a:avLst/>
+          </a:prstGeom>
+          <a:ln w="12700">
+            <a:solidFill>
+              <a:schemeClr val="accent6">
+                <a:lumMod val="75000"/>
+              </a:schemeClr>
+            </a:solidFill>
+            <a:prstDash val="dash"/>
+            <a:headEnd w="lg" len="sm"/>
+            <a:tailEnd type="triangle"/>
+          </a:ln>
+        </p:spPr>
+        <p:style>
+          <a:lnRef idx="1">
+            <a:schemeClr val="accent1"/>
+          </a:lnRef>
+          <a:fillRef idx="0">
+            <a:schemeClr val="accent1"/>
+          </a:fillRef>
+          <a:effectRef idx="0">
+            <a:schemeClr val="accent1"/>
+          </a:effectRef>
+          <a:fontRef idx="minor">
+            <a:schemeClr val="tx1"/>
+          </a:fontRef>
+        </p:style>
+      </p:cxnSp>
+      <p:cxnSp>
+        <p:nvCxnSpPr>
+          <p:cNvPr id="88" name="直线箭头连接符 87">
+            <a:extLst>
+              <a:ext uri="{FF2B5EF4-FFF2-40B4-BE49-F238E27FC236}">
+                <a16:creationId xmlns:a16="http://schemas.microsoft.com/office/drawing/2014/main" id="{1514AE67-2815-B46D-B0FC-91B902D31901}"/>
+              </a:ext>
+            </a:extLst>
+          </p:cNvPr>
+          <p:cNvCxnSpPr>
+            <a:cxnSpLocks/>
+            <a:endCxn id="82" idx="0"/>
+          </p:cNvCxnSpPr>
+          <p:nvPr/>
+        </p:nvCxnSpPr>
+        <p:spPr>
+          <a:xfrm>
+            <a:off x="2821672" y="921081"/>
+            <a:ext cx="8057" cy="3749130"/>
+          </a:xfrm>
+          <a:prstGeom prst="straightConnector1">
+            <a:avLst/>
+          </a:prstGeom>
+          <a:ln w="12700">
+            <a:solidFill>
+              <a:schemeClr val="accent6">
+                <a:lumMod val="75000"/>
+              </a:schemeClr>
+            </a:solidFill>
+            <a:prstDash val="dash"/>
+            <a:headEnd w="lg" len="sm"/>
+            <a:tailEnd type="triangle"/>
+          </a:ln>
+        </p:spPr>
+        <p:style>
+          <a:lnRef idx="1">
+            <a:schemeClr val="accent1"/>
+          </a:lnRef>
+          <a:fillRef idx="0">
+            <a:schemeClr val="accent1"/>
+          </a:fillRef>
+          <a:effectRef idx="0">
+            <a:schemeClr val="accent1"/>
+          </a:effectRef>
+          <a:fontRef idx="minor">
+            <a:schemeClr val="tx1"/>
+          </a:fontRef>
+        </p:style>
+      </p:cxnSp>
+      <p:cxnSp>
+        <p:nvCxnSpPr>
+          <p:cNvPr id="89" name="直线箭头连接符 88">
+            <a:extLst>
+              <a:ext uri="{FF2B5EF4-FFF2-40B4-BE49-F238E27FC236}">
+                <a16:creationId xmlns:a16="http://schemas.microsoft.com/office/drawing/2014/main" id="{B72BB051-EDEC-114D-442A-40FBDD9A4BF7}"/>
+              </a:ext>
+            </a:extLst>
+          </p:cNvPr>
+          <p:cNvCxnSpPr>
+            <a:cxnSpLocks/>
+            <a:endCxn id="80" idx="0"/>
+          </p:cNvCxnSpPr>
+          <p:nvPr/>
+        </p:nvCxnSpPr>
+        <p:spPr>
+          <a:xfrm>
+            <a:off x="1114246" y="947625"/>
+            <a:ext cx="21809" cy="3722586"/>
+          </a:xfrm>
+          <a:prstGeom prst="straightConnector1">
+            <a:avLst/>
+          </a:prstGeom>
+          <a:ln w="12700">
+            <a:solidFill>
+              <a:schemeClr val="accent6">
+                <a:lumMod val="75000"/>
+              </a:schemeClr>
+            </a:solidFill>
+            <a:prstDash val="dash"/>
+            <a:headEnd w="lg" len="sm"/>
+            <a:tailEnd type="triangle"/>
+          </a:ln>
+        </p:spPr>
+        <p:style>
+          <a:lnRef idx="1">
+            <a:schemeClr val="accent1"/>
+          </a:lnRef>
+          <a:fillRef idx="0">
+            <a:schemeClr val="accent1"/>
+          </a:fillRef>
+          <a:effectRef idx="0">
+            <a:schemeClr val="accent1"/>
+          </a:effectRef>
+          <a:fontRef idx="minor">
+            <a:schemeClr val="tx1"/>
+          </a:fontRef>
+        </p:style>
+      </p:cxnSp>
+      <p:sp>
+        <p:nvSpPr>
+          <p:cNvPr id="92" name="矩形 91">
+            <a:extLst>
+              <a:ext uri="{FF2B5EF4-FFF2-40B4-BE49-F238E27FC236}">
+                <a16:creationId xmlns:a16="http://schemas.microsoft.com/office/drawing/2014/main" id="{D6150DDC-953F-0579-C3C4-C91D252D205E}"/>
+              </a:ext>
+            </a:extLst>
+          </p:cNvPr>
+          <p:cNvSpPr/>
+          <p:nvPr/>
+        </p:nvSpPr>
+        <p:spPr>
+          <a:xfrm>
+            <a:off x="1688620" y="5970261"/>
+            <a:ext cx="592428" cy="425003"/>
+          </a:xfrm>
+          <a:prstGeom prst="rect">
+            <a:avLst/>
+          </a:prstGeom>
+          <a:noFill/>
+        </p:spPr>
+        <p:style>
+          <a:lnRef idx="2">
+            <a:schemeClr val="accent1">
+              <a:shade val="50000"/>
+            </a:schemeClr>
+          </a:lnRef>
+          <a:fillRef idx="1">
+            <a:schemeClr val="accent1"/>
+          </a:fillRef>
+          <a:effectRef idx="0">
+            <a:schemeClr val="accent1"/>
+          </a:effectRef>
+          <a:fontRef idx="minor">
+            <a:schemeClr val="lt1"/>
+          </a:fontRef>
+        </p:style>
+        <p:txBody>
+          <a:bodyPr rtlCol="0" anchor="ctr"/>
+          <a:lstStyle/>
+          <a:p>
+            <a:pPr algn="ctr"/>
+            <a:r>
+              <a:rPr kumimoji="1" lang="en-US" altLang="zh-CN" dirty="0">
+                <a:solidFill>
+                  <a:srgbClr val="002060"/>
+                </a:solidFill>
+              </a:rPr>
+              <a:t>81</a:t>
+            </a:r>
+            <a:endParaRPr kumimoji="1" lang="zh-CN" altLang="en-US" dirty="0">
+              <a:solidFill>
+                <a:srgbClr val="002060"/>
+              </a:solidFill>
+            </a:endParaRPr>
+          </a:p>
+        </p:txBody>
+      </p:sp>
+      <p:sp>
+        <p:nvSpPr>
+          <p:cNvPr id="93" name="矩形 92">
+            <a:extLst>
+              <a:ext uri="{FF2B5EF4-FFF2-40B4-BE49-F238E27FC236}">
+                <a16:creationId xmlns:a16="http://schemas.microsoft.com/office/drawing/2014/main" id="{B3D22DCD-E038-2CA8-9D55-E62805CE8DE6}"/>
+              </a:ext>
+            </a:extLst>
+          </p:cNvPr>
+          <p:cNvSpPr/>
+          <p:nvPr/>
+        </p:nvSpPr>
+        <p:spPr>
+          <a:xfrm>
+            <a:off x="5083736" y="5970261"/>
+            <a:ext cx="592428" cy="425003"/>
+          </a:xfrm>
+          <a:prstGeom prst="rect">
+            <a:avLst/>
+          </a:prstGeom>
+          <a:noFill/>
+        </p:spPr>
+        <p:style>
+          <a:lnRef idx="2">
+            <a:schemeClr val="accent1">
+              <a:shade val="50000"/>
+            </a:schemeClr>
+          </a:lnRef>
+          <a:fillRef idx="1">
+            <a:schemeClr val="accent1"/>
+          </a:fillRef>
+          <a:effectRef idx="0">
+            <a:schemeClr val="accent1"/>
+          </a:effectRef>
+          <a:fontRef idx="minor">
+            <a:schemeClr val="lt1"/>
+          </a:fontRef>
+        </p:style>
+        <p:txBody>
+          <a:bodyPr rtlCol="0" anchor="ctr"/>
+          <a:lstStyle/>
+          <a:p>
+            <a:pPr algn="ctr"/>
+            <a:r>
+              <a:rPr kumimoji="1" lang="en-US" altLang="zh-CN" dirty="0">
+                <a:solidFill>
+                  <a:srgbClr val="002060"/>
+                </a:solidFill>
+              </a:rPr>
+              <a:t>297</a:t>
+            </a:r>
+            <a:endParaRPr kumimoji="1" lang="zh-CN" altLang="en-US" dirty="0">
+              <a:solidFill>
+                <a:srgbClr val="002060"/>
+              </a:solidFill>
+            </a:endParaRPr>
+          </a:p>
+        </p:txBody>
+      </p:sp>
+      <p:sp>
+        <p:nvSpPr>
+          <p:cNvPr id="94" name="矩形 93">
+            <a:extLst>
+              <a:ext uri="{FF2B5EF4-FFF2-40B4-BE49-F238E27FC236}">
+                <a16:creationId xmlns:a16="http://schemas.microsoft.com/office/drawing/2014/main" id="{AB48BB7D-5710-6BF0-F74F-E64D08AFEF1F}"/>
+              </a:ext>
+            </a:extLst>
+          </p:cNvPr>
+          <p:cNvSpPr/>
+          <p:nvPr/>
+        </p:nvSpPr>
+        <p:spPr>
+          <a:xfrm>
+            <a:off x="3386178" y="5970261"/>
+            <a:ext cx="592428" cy="425003"/>
+          </a:xfrm>
+          <a:prstGeom prst="rect">
+            <a:avLst/>
+          </a:prstGeom>
+          <a:noFill/>
+        </p:spPr>
+        <p:style>
+          <a:lnRef idx="2">
+            <a:schemeClr val="accent1">
+              <a:shade val="50000"/>
+            </a:schemeClr>
+          </a:lnRef>
+          <a:fillRef idx="1">
+            <a:schemeClr val="accent1"/>
+          </a:fillRef>
+          <a:effectRef idx="0">
+            <a:schemeClr val="accent1"/>
+          </a:effectRef>
+          <a:fontRef idx="minor">
+            <a:schemeClr val="lt1"/>
+          </a:fontRef>
+        </p:style>
+        <p:txBody>
+          <a:bodyPr rtlCol="0" anchor="ctr"/>
+          <a:lstStyle/>
+          <a:p>
+            <a:pPr algn="ctr"/>
+            <a:r>
+              <a:rPr kumimoji="1" lang="en-US" altLang="zh-CN" dirty="0">
+                <a:solidFill>
+                  <a:srgbClr val="002060"/>
+                </a:solidFill>
+              </a:rPr>
+              <a:t>219</a:t>
+            </a:r>
+            <a:endParaRPr kumimoji="1" lang="zh-CN" altLang="en-US" dirty="0">
+              <a:solidFill>
+                <a:srgbClr val="002060"/>
+              </a:solidFill>
+            </a:endParaRPr>
+          </a:p>
+        </p:txBody>
+      </p:sp>
+      <p:sp>
+        <p:nvSpPr>
+          <p:cNvPr id="95" name="矩形 94">
+            <a:extLst>
+              <a:ext uri="{FF2B5EF4-FFF2-40B4-BE49-F238E27FC236}">
+                <a16:creationId xmlns:a16="http://schemas.microsoft.com/office/drawing/2014/main" id="{0F718E62-8520-E65E-BB3B-4827DB9CE7F9}"/>
+              </a:ext>
+            </a:extLst>
+          </p:cNvPr>
+          <p:cNvSpPr/>
+          <p:nvPr/>
+        </p:nvSpPr>
+        <p:spPr>
+          <a:xfrm>
+            <a:off x="6781291" y="5970261"/>
+            <a:ext cx="592428" cy="425003"/>
+          </a:xfrm>
+          <a:prstGeom prst="rect">
+            <a:avLst/>
+          </a:prstGeom>
+          <a:noFill/>
+        </p:spPr>
+        <p:style>
+          <a:lnRef idx="2">
+            <a:schemeClr val="accent1">
+              <a:shade val="50000"/>
+            </a:schemeClr>
+          </a:lnRef>
+          <a:fillRef idx="1">
+            <a:schemeClr val="accent1"/>
+          </a:fillRef>
+          <a:effectRef idx="0">
+            <a:schemeClr val="accent1"/>
+          </a:effectRef>
+          <a:fontRef idx="minor">
+            <a:schemeClr val="lt1"/>
+          </a:fontRef>
+        </p:style>
+        <p:txBody>
+          <a:bodyPr rtlCol="0" anchor="ctr"/>
+          <a:lstStyle/>
+          <a:p>
+            <a:pPr algn="ctr"/>
+            <a:r>
+              <a:rPr kumimoji="1" lang="en-US" altLang="zh-CN" dirty="0">
+                <a:solidFill>
+                  <a:srgbClr val="002060"/>
+                </a:solidFill>
+              </a:rPr>
+              <a:t>400</a:t>
+            </a:r>
+            <a:endParaRPr kumimoji="1" lang="zh-CN" altLang="en-US" dirty="0">
+              <a:solidFill>
+                <a:srgbClr val="002060"/>
+              </a:solidFill>
+            </a:endParaRPr>
+          </a:p>
+        </p:txBody>
+      </p:sp>
+      <p:sp>
+        <p:nvSpPr>
+          <p:cNvPr id="96" name="矩形 95">
+            <a:extLst>
+              <a:ext uri="{FF2B5EF4-FFF2-40B4-BE49-F238E27FC236}">
+                <a16:creationId xmlns:a16="http://schemas.microsoft.com/office/drawing/2014/main" id="{D14380B2-168F-B350-46FE-D432AF3F48BE}"/>
+              </a:ext>
+            </a:extLst>
+          </p:cNvPr>
+          <p:cNvSpPr/>
+          <p:nvPr/>
+        </p:nvSpPr>
+        <p:spPr>
+          <a:xfrm>
+            <a:off x="839841" y="5970261"/>
+            <a:ext cx="592428" cy="425003"/>
+          </a:xfrm>
+          <a:prstGeom prst="rect">
+            <a:avLst/>
+          </a:prstGeom>
+          <a:noFill/>
+        </p:spPr>
+        <p:style>
+          <a:lnRef idx="2">
+            <a:schemeClr val="accent1">
+              <a:shade val="50000"/>
+            </a:schemeClr>
+          </a:lnRef>
+          <a:fillRef idx="1">
+            <a:schemeClr val="accent1"/>
+          </a:fillRef>
+          <a:effectRef idx="0">
+            <a:schemeClr val="accent1"/>
+          </a:effectRef>
+          <a:fontRef idx="minor">
+            <a:schemeClr val="lt1"/>
+          </a:fontRef>
+        </p:style>
+        <p:txBody>
+          <a:bodyPr rtlCol="0" anchor="ctr"/>
+          <a:lstStyle/>
+          <a:p>
+            <a:pPr algn="ctr"/>
+            <a:r>
+              <a:rPr kumimoji="1" lang="en-US" altLang="zh-CN" dirty="0">
+                <a:solidFill>
+                  <a:srgbClr val="002060"/>
+                </a:solidFill>
+              </a:rPr>
+              <a:t>43</a:t>
+            </a:r>
+            <a:endParaRPr kumimoji="1" lang="zh-CN" altLang="en-US" dirty="0">
+              <a:solidFill>
+                <a:srgbClr val="002060"/>
+              </a:solidFill>
+            </a:endParaRPr>
+          </a:p>
+        </p:txBody>
+      </p:sp>
+      <p:sp>
+        <p:nvSpPr>
+          <p:cNvPr id="97" name="矩形 96">
+            <a:extLst>
+              <a:ext uri="{FF2B5EF4-FFF2-40B4-BE49-F238E27FC236}">
+                <a16:creationId xmlns:a16="http://schemas.microsoft.com/office/drawing/2014/main" id="{814DC01C-1198-5FEF-EB37-FF62D2C57D63}"/>
+              </a:ext>
+            </a:extLst>
+          </p:cNvPr>
+          <p:cNvSpPr/>
+          <p:nvPr/>
+        </p:nvSpPr>
+        <p:spPr>
+          <a:xfrm>
+            <a:off x="5932515" y="5970261"/>
+            <a:ext cx="592428" cy="425003"/>
+          </a:xfrm>
+          <a:prstGeom prst="rect">
+            <a:avLst/>
+          </a:prstGeom>
+          <a:noFill/>
+        </p:spPr>
+        <p:style>
+          <a:lnRef idx="2">
+            <a:schemeClr val="accent1">
+              <a:shade val="50000"/>
+            </a:schemeClr>
+          </a:lnRef>
+          <a:fillRef idx="1">
+            <a:schemeClr val="accent1"/>
+          </a:fillRef>
+          <a:effectRef idx="0">
+            <a:schemeClr val="accent1"/>
+          </a:effectRef>
+          <a:fontRef idx="minor">
+            <a:schemeClr val="lt1"/>
+          </a:fontRef>
+        </p:style>
+        <p:txBody>
+          <a:bodyPr rtlCol="0" anchor="ctr"/>
+          <a:lstStyle/>
+          <a:p>
+            <a:pPr algn="ctr"/>
+            <a:r>
+              <a:rPr lang="en-US" altLang="zh-CN" sz="1800" b="0" i="0" u="none" strike="noStrike" kern="1200" dirty="0">
+                <a:solidFill>
+                  <a:srgbClr val="002060"/>
+                </a:solidFill>
+                <a:effectLst/>
+                <a:latin typeface="Microsoft YaHei" panose="020B0503020204020204" pitchFamily="34" charset="-122"/>
+                <a:ea typeface="Microsoft YaHei" panose="020B0503020204020204" pitchFamily="34" charset="-122"/>
+                <a:cs typeface="+mn-cs"/>
+              </a:rPr>
+              <a:t>355</a:t>
+            </a:r>
+            <a:endParaRPr kumimoji="1" lang="zh-CN" altLang="en-US" dirty="0">
+              <a:solidFill>
+                <a:srgbClr val="002060"/>
+              </a:solidFill>
+            </a:endParaRPr>
+          </a:p>
+        </p:txBody>
+      </p:sp>
+      <p:sp>
+        <p:nvSpPr>
+          <p:cNvPr id="98" name="矩形 97">
+            <a:extLst>
+              <a:ext uri="{FF2B5EF4-FFF2-40B4-BE49-F238E27FC236}">
+                <a16:creationId xmlns:a16="http://schemas.microsoft.com/office/drawing/2014/main" id="{A0C214B8-AEEF-9A8E-CF90-8538F91900E2}"/>
+              </a:ext>
+            </a:extLst>
+          </p:cNvPr>
+          <p:cNvSpPr/>
+          <p:nvPr/>
+        </p:nvSpPr>
+        <p:spPr>
+          <a:xfrm>
+            <a:off x="2537399" y="5970261"/>
+            <a:ext cx="592428" cy="425003"/>
+          </a:xfrm>
+          <a:prstGeom prst="rect">
+            <a:avLst/>
+          </a:prstGeom>
+          <a:noFill/>
+        </p:spPr>
+        <p:style>
+          <a:lnRef idx="2">
+            <a:schemeClr val="accent1">
+              <a:shade val="50000"/>
+            </a:schemeClr>
+          </a:lnRef>
+          <a:fillRef idx="1">
+            <a:schemeClr val="accent1"/>
+          </a:fillRef>
+          <a:effectRef idx="0">
+            <a:schemeClr val="accent1"/>
+          </a:effectRef>
+          <a:fontRef idx="minor">
+            <a:schemeClr val="lt1"/>
+          </a:fontRef>
+        </p:style>
+        <p:txBody>
+          <a:bodyPr rtlCol="0" anchor="ctr"/>
+          <a:lstStyle/>
+          <a:p>
+            <a:pPr algn="ctr"/>
+            <a:r>
+              <a:rPr lang="en-US" altLang="zh-CN" sz="1800" b="0" i="0" u="none" strike="noStrike" kern="1200" dirty="0">
+                <a:solidFill>
+                  <a:srgbClr val="002060"/>
+                </a:solidFill>
+                <a:effectLst/>
+                <a:latin typeface="Microsoft YaHei" panose="020B0503020204020204" pitchFamily="34" charset="-122"/>
+                <a:ea typeface="Microsoft YaHei" panose="020B0503020204020204" pitchFamily="34" charset="-122"/>
+                <a:cs typeface="+mn-cs"/>
+              </a:rPr>
+              <a:t>160</a:t>
+            </a:r>
+            <a:endParaRPr kumimoji="1" lang="zh-CN" altLang="en-US" dirty="0">
+              <a:solidFill>
+                <a:srgbClr val="002060"/>
+              </a:solidFill>
+            </a:endParaRPr>
+          </a:p>
+        </p:txBody>
+      </p:sp>
+      <p:sp>
+        <p:nvSpPr>
+          <p:cNvPr id="99" name="矩形 98">
+            <a:extLst>
+              <a:ext uri="{FF2B5EF4-FFF2-40B4-BE49-F238E27FC236}">
+                <a16:creationId xmlns:a16="http://schemas.microsoft.com/office/drawing/2014/main" id="{8FEC685E-D0B2-FE9F-02CE-2762145A763D}"/>
+              </a:ext>
+            </a:extLst>
+          </p:cNvPr>
+          <p:cNvSpPr/>
+          <p:nvPr/>
+        </p:nvSpPr>
+        <p:spPr>
+          <a:xfrm>
+            <a:off x="4234957" y="5970261"/>
+            <a:ext cx="592428" cy="425003"/>
+          </a:xfrm>
+          <a:prstGeom prst="rect">
+            <a:avLst/>
+          </a:prstGeom>
+          <a:noFill/>
+        </p:spPr>
+        <p:style>
+          <a:lnRef idx="2">
+            <a:schemeClr val="accent1">
+              <a:shade val="50000"/>
+            </a:schemeClr>
+          </a:lnRef>
+          <a:fillRef idx="1">
+            <a:schemeClr val="accent1"/>
+          </a:fillRef>
+          <a:effectRef idx="0">
+            <a:schemeClr val="accent1"/>
+          </a:effectRef>
+          <a:fontRef idx="minor">
+            <a:schemeClr val="lt1"/>
+          </a:fontRef>
+        </p:style>
+        <p:txBody>
+          <a:bodyPr rtlCol="0" anchor="ctr"/>
+          <a:lstStyle/>
+          <a:p>
+            <a:pPr algn="ctr"/>
+            <a:r>
+              <a:rPr lang="en-US" altLang="zh-CN" sz="1800" b="0" i="0" u="none" strike="noStrike" kern="1200" dirty="0">
+                <a:solidFill>
+                  <a:srgbClr val="002060"/>
+                </a:solidFill>
+                <a:effectLst/>
+                <a:latin typeface="Microsoft YaHei" panose="020B0503020204020204" pitchFamily="34" charset="-122"/>
+                <a:ea typeface="Microsoft YaHei" panose="020B0503020204020204" pitchFamily="34" charset="-122"/>
+                <a:cs typeface="+mn-cs"/>
+              </a:rPr>
+              <a:t>224</a:t>
+            </a:r>
+            <a:endParaRPr kumimoji="1" lang="zh-CN" altLang="en-US" dirty="0">
+              <a:solidFill>
+                <a:srgbClr val="002060"/>
+              </a:solidFill>
+            </a:endParaRPr>
+          </a:p>
+        </p:txBody>
+      </p:sp>
+      <p:cxnSp>
+        <p:nvCxnSpPr>
+          <p:cNvPr id="100" name="直线箭头连接符 99">
+            <a:extLst>
+              <a:ext uri="{FF2B5EF4-FFF2-40B4-BE49-F238E27FC236}">
+                <a16:creationId xmlns:a16="http://schemas.microsoft.com/office/drawing/2014/main" id="{EB489361-A158-64DC-2B7E-7DA6D5E3A65C}"/>
+              </a:ext>
+            </a:extLst>
+          </p:cNvPr>
+          <p:cNvCxnSpPr>
+            <a:cxnSpLocks/>
+          </p:cNvCxnSpPr>
+          <p:nvPr/>
+        </p:nvCxnSpPr>
+        <p:spPr>
+          <a:xfrm>
+            <a:off x="1136055" y="5128617"/>
+            <a:ext cx="21809" cy="599682"/>
+          </a:xfrm>
+          <a:prstGeom prst="straightConnector1">
+            <a:avLst/>
+          </a:prstGeom>
+          <a:ln w="12700">
+            <a:solidFill>
+              <a:schemeClr val="accent6">
+                <a:lumMod val="75000"/>
+              </a:schemeClr>
+            </a:solidFill>
+            <a:headEnd w="lg" len="sm"/>
+            <a:tailEnd type="triangle"/>
+          </a:ln>
+        </p:spPr>
+        <p:style>
+          <a:lnRef idx="1">
+            <a:schemeClr val="accent1"/>
+          </a:lnRef>
+          <a:fillRef idx="0">
+            <a:schemeClr val="accent1"/>
+          </a:fillRef>
+          <a:effectRef idx="0">
+            <a:schemeClr val="accent1"/>
+          </a:effectRef>
+          <a:fontRef idx="minor">
+            <a:schemeClr val="tx1"/>
+          </a:fontRef>
+        </p:style>
+      </p:cxnSp>
+      <p:cxnSp>
+        <p:nvCxnSpPr>
+          <p:cNvPr id="101" name="直线箭头连接符 100">
+            <a:extLst>
+              <a:ext uri="{FF2B5EF4-FFF2-40B4-BE49-F238E27FC236}">
+                <a16:creationId xmlns:a16="http://schemas.microsoft.com/office/drawing/2014/main" id="{C95BD6C6-4872-8A18-C734-30ADCC64F3A3}"/>
+              </a:ext>
+            </a:extLst>
+          </p:cNvPr>
+          <p:cNvCxnSpPr>
+            <a:cxnSpLocks/>
+          </p:cNvCxnSpPr>
+          <p:nvPr/>
+        </p:nvCxnSpPr>
+        <p:spPr>
+          <a:xfrm>
+            <a:off x="1984834" y="5128616"/>
+            <a:ext cx="21809" cy="599683"/>
+          </a:xfrm>
+          <a:prstGeom prst="straightConnector1">
+            <a:avLst/>
+          </a:prstGeom>
+          <a:ln w="12700">
+            <a:solidFill>
+              <a:schemeClr val="accent6">
+                <a:lumMod val="75000"/>
+              </a:schemeClr>
+            </a:solidFill>
+            <a:headEnd w="lg" len="sm"/>
+            <a:tailEnd type="triangle"/>
+          </a:ln>
+        </p:spPr>
+        <p:style>
+          <a:lnRef idx="1">
+            <a:schemeClr val="accent1"/>
+          </a:lnRef>
+          <a:fillRef idx="0">
+            <a:schemeClr val="accent1"/>
+          </a:fillRef>
+          <a:effectRef idx="0">
+            <a:schemeClr val="accent1"/>
+          </a:effectRef>
+          <a:fontRef idx="minor">
+            <a:schemeClr val="tx1"/>
+          </a:fontRef>
+        </p:style>
+      </p:cxnSp>
+      <p:cxnSp>
+        <p:nvCxnSpPr>
+          <p:cNvPr id="102" name="直线箭头连接符 101">
+            <a:extLst>
+              <a:ext uri="{FF2B5EF4-FFF2-40B4-BE49-F238E27FC236}">
+                <a16:creationId xmlns:a16="http://schemas.microsoft.com/office/drawing/2014/main" id="{E654CF78-9A93-621D-B3B7-71D4B9F727D6}"/>
+              </a:ext>
+            </a:extLst>
+          </p:cNvPr>
+          <p:cNvCxnSpPr>
+            <a:cxnSpLocks/>
+          </p:cNvCxnSpPr>
+          <p:nvPr/>
+        </p:nvCxnSpPr>
+        <p:spPr>
+          <a:xfrm>
+            <a:off x="3682392" y="5128616"/>
+            <a:ext cx="21809" cy="599683"/>
+          </a:xfrm>
+          <a:prstGeom prst="straightConnector1">
+            <a:avLst/>
+          </a:prstGeom>
+          <a:ln w="12700">
+            <a:solidFill>
+              <a:schemeClr val="accent6">
+                <a:lumMod val="75000"/>
+              </a:schemeClr>
+            </a:solidFill>
+            <a:headEnd w="lg" len="sm"/>
+            <a:tailEnd type="triangle"/>
+          </a:ln>
+        </p:spPr>
+        <p:style>
+          <a:lnRef idx="1">
+            <a:schemeClr val="accent1"/>
+          </a:lnRef>
+          <a:fillRef idx="0">
+            <a:schemeClr val="accent1"/>
+          </a:fillRef>
+          <a:effectRef idx="0">
+            <a:schemeClr val="accent1"/>
+          </a:effectRef>
+          <a:fontRef idx="minor">
+            <a:schemeClr val="tx1"/>
+          </a:fontRef>
+        </p:style>
+      </p:cxnSp>
+      <p:cxnSp>
+        <p:nvCxnSpPr>
+          <p:cNvPr id="103" name="直线箭头连接符 102">
+            <a:extLst>
+              <a:ext uri="{FF2B5EF4-FFF2-40B4-BE49-F238E27FC236}">
+                <a16:creationId xmlns:a16="http://schemas.microsoft.com/office/drawing/2014/main" id="{028562DA-023D-4D11-B3E3-FD3E792901BF}"/>
+              </a:ext>
+            </a:extLst>
+          </p:cNvPr>
+          <p:cNvCxnSpPr>
+            <a:cxnSpLocks/>
+          </p:cNvCxnSpPr>
+          <p:nvPr/>
+        </p:nvCxnSpPr>
+        <p:spPr>
+          <a:xfrm>
+            <a:off x="5379950" y="5128616"/>
+            <a:ext cx="21809" cy="599683"/>
+          </a:xfrm>
+          <a:prstGeom prst="straightConnector1">
+            <a:avLst/>
+          </a:prstGeom>
+          <a:ln w="12700">
+            <a:solidFill>
+              <a:schemeClr val="accent6">
+                <a:lumMod val="75000"/>
+              </a:schemeClr>
+            </a:solidFill>
+            <a:headEnd w="lg" len="sm"/>
+            <a:tailEnd type="triangle"/>
+          </a:ln>
+        </p:spPr>
+        <p:style>
+          <a:lnRef idx="1">
+            <a:schemeClr val="accent1"/>
+          </a:lnRef>
+          <a:fillRef idx="0">
+            <a:schemeClr val="accent1"/>
+          </a:fillRef>
+          <a:effectRef idx="0">
+            <a:schemeClr val="accent1"/>
+          </a:effectRef>
+          <a:fontRef idx="minor">
+            <a:schemeClr val="tx1"/>
+          </a:fontRef>
+        </p:style>
+      </p:cxnSp>
+      <p:cxnSp>
+        <p:nvCxnSpPr>
+          <p:cNvPr id="104" name="直线箭头连接符 103">
+            <a:extLst>
+              <a:ext uri="{FF2B5EF4-FFF2-40B4-BE49-F238E27FC236}">
+                <a16:creationId xmlns:a16="http://schemas.microsoft.com/office/drawing/2014/main" id="{C14A08BB-6EA5-F17A-D3F8-0F2C27949B6D}"/>
+              </a:ext>
+            </a:extLst>
+          </p:cNvPr>
+          <p:cNvCxnSpPr>
+            <a:cxnSpLocks/>
+          </p:cNvCxnSpPr>
+          <p:nvPr/>
+        </p:nvCxnSpPr>
+        <p:spPr>
+          <a:xfrm>
+            <a:off x="7077505" y="5128616"/>
+            <a:ext cx="21809" cy="599683"/>
+          </a:xfrm>
+          <a:prstGeom prst="straightConnector1">
+            <a:avLst/>
+          </a:prstGeom>
+          <a:ln w="12700">
+            <a:solidFill>
+              <a:schemeClr val="accent6">
+                <a:lumMod val="75000"/>
+              </a:schemeClr>
+            </a:solidFill>
+            <a:headEnd w="lg" len="sm"/>
+            <a:tailEnd type="triangle"/>
+          </a:ln>
+        </p:spPr>
+        <p:style>
+          <a:lnRef idx="1">
+            <a:schemeClr val="accent1"/>
+          </a:lnRef>
+          <a:fillRef idx="0">
+            <a:schemeClr val="accent1"/>
+          </a:fillRef>
+          <a:effectRef idx="0">
+            <a:schemeClr val="accent1"/>
+          </a:effectRef>
+          <a:fontRef idx="minor">
+            <a:schemeClr val="tx1"/>
+          </a:fontRef>
+        </p:style>
+      </p:cxnSp>
+      <p:cxnSp>
+        <p:nvCxnSpPr>
+          <p:cNvPr id="106" name="直线箭头连接符 105">
+            <a:extLst>
+              <a:ext uri="{FF2B5EF4-FFF2-40B4-BE49-F238E27FC236}">
+                <a16:creationId xmlns:a16="http://schemas.microsoft.com/office/drawing/2014/main" id="{A23C1B6E-4CCB-9DD9-FD9F-8AB4581576A9}"/>
+              </a:ext>
+            </a:extLst>
+          </p:cNvPr>
+          <p:cNvCxnSpPr>
+            <a:cxnSpLocks/>
+          </p:cNvCxnSpPr>
+          <p:nvPr/>
+        </p:nvCxnSpPr>
+        <p:spPr>
+          <a:xfrm>
+            <a:off x="1984834" y="5128616"/>
+            <a:ext cx="733371" cy="597511"/>
+          </a:xfrm>
+          <a:prstGeom prst="straightConnector1">
+            <a:avLst/>
+          </a:prstGeom>
+          <a:ln w="12700">
+            <a:solidFill>
+              <a:schemeClr val="accent6">
+                <a:lumMod val="75000"/>
+              </a:schemeClr>
+            </a:solidFill>
+            <a:headEnd w="lg" len="sm"/>
+            <a:tailEnd type="triangle"/>
+          </a:ln>
+        </p:spPr>
+        <p:style>
+          <a:lnRef idx="1">
+            <a:schemeClr val="accent1"/>
+          </a:lnRef>
+          <a:fillRef idx="0">
+            <a:schemeClr val="accent1"/>
+          </a:fillRef>
+          <a:effectRef idx="0">
+            <a:schemeClr val="accent1"/>
+          </a:effectRef>
+          <a:fontRef idx="minor">
+            <a:schemeClr val="tx1"/>
+          </a:fontRef>
+        </p:style>
+      </p:cxnSp>
+      <p:cxnSp>
+        <p:nvCxnSpPr>
+          <p:cNvPr id="108" name="直线箭头连接符 107">
+            <a:extLst>
+              <a:ext uri="{FF2B5EF4-FFF2-40B4-BE49-F238E27FC236}">
+                <a16:creationId xmlns:a16="http://schemas.microsoft.com/office/drawing/2014/main" id="{9C976895-8BD2-CFC5-033D-1200DFBC1A50}"/>
+              </a:ext>
+            </a:extLst>
+          </p:cNvPr>
+          <p:cNvCxnSpPr>
+            <a:cxnSpLocks/>
+          </p:cNvCxnSpPr>
+          <p:nvPr/>
+        </p:nvCxnSpPr>
+        <p:spPr>
+          <a:xfrm>
+            <a:off x="2833613" y="5128616"/>
+            <a:ext cx="21809" cy="599683"/>
+          </a:xfrm>
+          <a:prstGeom prst="straightConnector1">
+            <a:avLst/>
+          </a:prstGeom>
+          <a:ln w="12700">
+            <a:solidFill>
+              <a:schemeClr val="accent6">
+                <a:lumMod val="75000"/>
+              </a:schemeClr>
+            </a:solidFill>
+            <a:headEnd w="lg" len="sm"/>
+            <a:tailEnd type="triangle"/>
+          </a:ln>
+        </p:spPr>
+        <p:style>
+          <a:lnRef idx="1">
+            <a:schemeClr val="accent1"/>
+          </a:lnRef>
+          <a:fillRef idx="0">
+            <a:schemeClr val="accent1"/>
+          </a:fillRef>
+          <a:effectRef idx="0">
+            <a:schemeClr val="accent1"/>
+          </a:effectRef>
+          <a:fontRef idx="minor">
+            <a:schemeClr val="tx1"/>
+          </a:fontRef>
+        </p:style>
+      </p:cxnSp>
+      <p:cxnSp>
+        <p:nvCxnSpPr>
+          <p:cNvPr id="109" name="直线箭头连接符 108">
+            <a:extLst>
+              <a:ext uri="{FF2B5EF4-FFF2-40B4-BE49-F238E27FC236}">
+                <a16:creationId xmlns:a16="http://schemas.microsoft.com/office/drawing/2014/main" id="{C96E87BF-101B-730F-D135-B94238CDBCE3}"/>
+              </a:ext>
+            </a:extLst>
+          </p:cNvPr>
+          <p:cNvCxnSpPr>
+            <a:cxnSpLocks/>
+          </p:cNvCxnSpPr>
+          <p:nvPr/>
+        </p:nvCxnSpPr>
+        <p:spPr>
+          <a:xfrm>
+            <a:off x="3682392" y="5128616"/>
+            <a:ext cx="762547" cy="597511"/>
+          </a:xfrm>
+          <a:prstGeom prst="straightConnector1">
+            <a:avLst/>
+          </a:prstGeom>
+          <a:ln w="12700">
+            <a:solidFill>
+              <a:schemeClr val="accent6">
+                <a:lumMod val="75000"/>
+              </a:schemeClr>
+            </a:solidFill>
+            <a:headEnd w="lg" len="sm"/>
+            <a:tailEnd type="triangle"/>
+          </a:ln>
+        </p:spPr>
+        <p:style>
+          <a:lnRef idx="1">
+            <a:schemeClr val="accent1"/>
+          </a:lnRef>
+          <a:fillRef idx="0">
+            <a:schemeClr val="accent1"/>
+          </a:fillRef>
+          <a:effectRef idx="0">
+            <a:schemeClr val="accent1"/>
+          </a:effectRef>
+          <a:fontRef idx="minor">
+            <a:schemeClr val="tx1"/>
+          </a:fontRef>
+        </p:style>
+      </p:cxnSp>
+      <p:cxnSp>
+        <p:nvCxnSpPr>
+          <p:cNvPr id="110" name="直线箭头连接符 109">
+            <a:extLst>
+              <a:ext uri="{FF2B5EF4-FFF2-40B4-BE49-F238E27FC236}">
+                <a16:creationId xmlns:a16="http://schemas.microsoft.com/office/drawing/2014/main" id="{464BC01A-BFEC-E626-7BC8-EB1C1FAFD1FE}"/>
+              </a:ext>
+            </a:extLst>
+          </p:cNvPr>
+          <p:cNvCxnSpPr>
+            <a:cxnSpLocks/>
+          </p:cNvCxnSpPr>
+          <p:nvPr/>
+        </p:nvCxnSpPr>
+        <p:spPr>
+          <a:xfrm>
+            <a:off x="6228729" y="5128616"/>
+            <a:ext cx="21809" cy="599683"/>
+          </a:xfrm>
+          <a:prstGeom prst="straightConnector1">
+            <a:avLst/>
+          </a:prstGeom>
+          <a:ln w="12700">
+            <a:solidFill>
+              <a:schemeClr val="accent6">
+                <a:lumMod val="75000"/>
+              </a:schemeClr>
+            </a:solidFill>
+            <a:headEnd w="lg" len="sm"/>
+            <a:tailEnd type="triangle"/>
+          </a:ln>
+        </p:spPr>
+        <p:style>
+          <a:lnRef idx="1">
+            <a:schemeClr val="accent1"/>
+          </a:lnRef>
+          <a:fillRef idx="0">
+            <a:schemeClr val="accent1"/>
+          </a:fillRef>
+          <a:effectRef idx="0">
+            <a:schemeClr val="accent1"/>
+          </a:effectRef>
+          <a:fontRef idx="minor">
+            <a:schemeClr val="tx1"/>
+          </a:fontRef>
+        </p:style>
+      </p:cxnSp>
+      <p:cxnSp>
+        <p:nvCxnSpPr>
+          <p:cNvPr id="111" name="直线箭头连接符 110">
+            <a:extLst>
+              <a:ext uri="{FF2B5EF4-FFF2-40B4-BE49-F238E27FC236}">
+                <a16:creationId xmlns:a16="http://schemas.microsoft.com/office/drawing/2014/main" id="{13E0384A-EBB0-7763-F39E-6F3FE44C5664}"/>
+              </a:ext>
+            </a:extLst>
+          </p:cNvPr>
+          <p:cNvCxnSpPr>
+            <a:cxnSpLocks/>
+          </p:cNvCxnSpPr>
+          <p:nvPr/>
+        </p:nvCxnSpPr>
+        <p:spPr>
+          <a:xfrm>
+            <a:off x="4531171" y="5128616"/>
+            <a:ext cx="21809" cy="599683"/>
+          </a:xfrm>
+          <a:prstGeom prst="straightConnector1">
+            <a:avLst/>
+          </a:prstGeom>
+          <a:ln w="12700">
+            <a:solidFill>
+              <a:schemeClr val="accent6">
+                <a:lumMod val="75000"/>
+              </a:schemeClr>
+            </a:solidFill>
+            <a:headEnd w="lg" len="sm"/>
+            <a:tailEnd type="triangle"/>
+          </a:ln>
+        </p:spPr>
+        <p:style>
+          <a:lnRef idx="1">
+            <a:schemeClr val="accent1"/>
+          </a:lnRef>
+          <a:fillRef idx="0">
+            <a:schemeClr val="accent1"/>
+          </a:fillRef>
+          <a:effectRef idx="0">
+            <a:schemeClr val="accent1"/>
+          </a:effectRef>
+          <a:fontRef idx="minor">
+            <a:schemeClr val="tx1"/>
+          </a:fontRef>
+        </p:style>
+      </p:cxnSp>
+      <p:cxnSp>
+        <p:nvCxnSpPr>
+          <p:cNvPr id="113" name="直线箭头连接符 112">
+            <a:extLst>
+              <a:ext uri="{FF2B5EF4-FFF2-40B4-BE49-F238E27FC236}">
+                <a16:creationId xmlns:a16="http://schemas.microsoft.com/office/drawing/2014/main" id="{294DB30E-CB4E-873D-B4FC-9778E5251970}"/>
+              </a:ext>
+            </a:extLst>
+          </p:cNvPr>
+          <p:cNvCxnSpPr>
+            <a:cxnSpLocks/>
+          </p:cNvCxnSpPr>
+          <p:nvPr/>
+        </p:nvCxnSpPr>
+        <p:spPr>
+          <a:xfrm>
+            <a:off x="3682392" y="5128616"/>
+            <a:ext cx="2398345" cy="597511"/>
+          </a:xfrm>
+          <a:prstGeom prst="straightConnector1">
+            <a:avLst/>
+          </a:prstGeom>
+          <a:ln w="12700">
+            <a:solidFill>
+              <a:schemeClr val="accent6">
+                <a:lumMod val="75000"/>
+              </a:schemeClr>
+            </a:solidFill>
+            <a:headEnd w="lg" len="sm"/>
+            <a:tailEnd type="triangle"/>
+          </a:ln>
+        </p:spPr>
+        <p:style>
+          <a:lnRef idx="1">
+            <a:schemeClr val="accent1"/>
+          </a:lnRef>
+          <a:fillRef idx="0">
+            <a:schemeClr val="accent1"/>
+          </a:fillRef>
+          <a:effectRef idx="0">
+            <a:schemeClr val="accent1"/>
+          </a:effectRef>
+          <a:fontRef idx="minor">
+            <a:schemeClr val="tx1"/>
+          </a:fontRef>
+        </p:style>
+      </p:cxnSp>
+      <p:cxnSp>
+        <p:nvCxnSpPr>
+          <p:cNvPr id="116" name="直线箭头连接符 115">
+            <a:extLst>
+              <a:ext uri="{FF2B5EF4-FFF2-40B4-BE49-F238E27FC236}">
+                <a16:creationId xmlns:a16="http://schemas.microsoft.com/office/drawing/2014/main" id="{35E7A6C6-5772-29A8-6C4E-A14456BF5D13}"/>
+              </a:ext>
+            </a:extLst>
+          </p:cNvPr>
+          <p:cNvCxnSpPr>
+            <a:cxnSpLocks/>
+            <a:endCxn id="146" idx="0"/>
+          </p:cNvCxnSpPr>
+          <p:nvPr/>
+        </p:nvCxnSpPr>
+        <p:spPr>
+          <a:xfrm>
+            <a:off x="5379950" y="5128616"/>
+            <a:ext cx="808249" cy="610583"/>
+          </a:xfrm>
+          <a:prstGeom prst="straightConnector1">
+            <a:avLst/>
+          </a:prstGeom>
+          <a:ln w="12700">
+            <a:solidFill>
+              <a:schemeClr val="accent6">
+                <a:lumMod val="75000"/>
+              </a:schemeClr>
+            </a:solidFill>
+            <a:headEnd w="lg" len="sm"/>
+            <a:tailEnd type="triangle"/>
+          </a:ln>
+        </p:spPr>
+        <p:style>
+          <a:lnRef idx="1">
+            <a:schemeClr val="accent1"/>
+          </a:lnRef>
+          <a:fillRef idx="0">
+            <a:schemeClr val="accent1"/>
+          </a:fillRef>
+          <a:effectRef idx="0">
+            <a:schemeClr val="accent1"/>
+          </a:effectRef>
+          <a:fontRef idx="minor">
+            <a:schemeClr val="tx1"/>
+          </a:fontRef>
+        </p:style>
+      </p:cxnSp>
+      <p:sp>
+        <p:nvSpPr>
+          <p:cNvPr id="129" name="文本框 128">
+            <a:extLst>
+              <a:ext uri="{FF2B5EF4-FFF2-40B4-BE49-F238E27FC236}">
+                <a16:creationId xmlns:a16="http://schemas.microsoft.com/office/drawing/2014/main" id="{5C0F9D0E-1E5D-0AA1-3CF3-49A1CB153B3F}"/>
+              </a:ext>
+            </a:extLst>
+          </p:cNvPr>
+          <p:cNvSpPr txBox="1"/>
+          <p:nvPr/>
+        </p:nvSpPr>
+        <p:spPr>
+          <a:xfrm>
+            <a:off x="998838" y="244719"/>
+            <a:ext cx="274434" cy="276999"/>
+          </a:xfrm>
+          <a:prstGeom prst="rect">
+            <a:avLst/>
+          </a:prstGeom>
+          <a:noFill/>
+        </p:spPr>
+        <p:txBody>
+          <a:bodyPr wrap="none" rtlCol="0">
+            <a:spAutoFit/>
+          </a:bodyPr>
+          <a:lstStyle/>
+          <a:p>
+            <a:r>
+              <a:rPr kumimoji="1" lang="en-US" altLang="zh-CN" sz="1200" dirty="0">
+                <a:solidFill>
+                  <a:schemeClr val="accent2">
+                    <a:lumMod val="50000"/>
+                  </a:schemeClr>
+                </a:solidFill>
+              </a:rPr>
+              <a:t>1</a:t>
+            </a:r>
+            <a:endParaRPr kumimoji="1" lang="zh-CN" altLang="en-US" sz="1200" dirty="0">
+              <a:solidFill>
+                <a:schemeClr val="accent2">
+                  <a:lumMod val="50000"/>
+                </a:schemeClr>
+              </a:solidFill>
+            </a:endParaRPr>
+          </a:p>
+        </p:txBody>
+      </p:sp>
+      <p:sp>
+        <p:nvSpPr>
+          <p:cNvPr id="130" name="文本框 129">
+            <a:extLst>
+              <a:ext uri="{FF2B5EF4-FFF2-40B4-BE49-F238E27FC236}">
+                <a16:creationId xmlns:a16="http://schemas.microsoft.com/office/drawing/2014/main" id="{D43056C6-BDC1-EEB2-9A71-0916D7B1B9D7}"/>
+              </a:ext>
+            </a:extLst>
+          </p:cNvPr>
+          <p:cNvSpPr txBox="1"/>
+          <p:nvPr/>
+        </p:nvSpPr>
+        <p:spPr>
+          <a:xfrm>
+            <a:off x="1847617" y="244719"/>
+            <a:ext cx="274434" cy="276999"/>
+          </a:xfrm>
+          <a:prstGeom prst="rect">
+            <a:avLst/>
+          </a:prstGeom>
+          <a:noFill/>
+        </p:spPr>
+        <p:txBody>
+          <a:bodyPr wrap="none" rtlCol="0">
+            <a:spAutoFit/>
+          </a:bodyPr>
+          <a:lstStyle/>
+          <a:p>
+            <a:r>
+              <a:rPr kumimoji="1" lang="en-US" altLang="zh-CN" sz="1200" dirty="0">
+                <a:solidFill>
+                  <a:schemeClr val="accent2">
+                    <a:lumMod val="50000"/>
+                  </a:schemeClr>
+                </a:solidFill>
+              </a:rPr>
+              <a:t>2</a:t>
+            </a:r>
+            <a:endParaRPr kumimoji="1" lang="zh-CN" altLang="en-US" sz="1200" dirty="0">
+              <a:solidFill>
+                <a:schemeClr val="accent2">
+                  <a:lumMod val="50000"/>
+                </a:schemeClr>
+              </a:solidFill>
+            </a:endParaRPr>
+          </a:p>
+        </p:txBody>
+      </p:sp>
+      <p:sp>
+        <p:nvSpPr>
+          <p:cNvPr id="131" name="文本框 130">
+            <a:extLst>
+              <a:ext uri="{FF2B5EF4-FFF2-40B4-BE49-F238E27FC236}">
+                <a16:creationId xmlns:a16="http://schemas.microsoft.com/office/drawing/2014/main" id="{AB54B3D0-F218-86BA-325A-3F350CE1FFFD}"/>
+              </a:ext>
+            </a:extLst>
+          </p:cNvPr>
+          <p:cNvSpPr txBox="1"/>
+          <p:nvPr/>
+        </p:nvSpPr>
+        <p:spPr>
+          <a:xfrm>
+            <a:off x="2696396" y="244719"/>
+            <a:ext cx="274434" cy="276999"/>
+          </a:xfrm>
+          <a:prstGeom prst="rect">
+            <a:avLst/>
+          </a:prstGeom>
+          <a:noFill/>
+        </p:spPr>
+        <p:txBody>
+          <a:bodyPr wrap="none" rtlCol="0">
+            <a:spAutoFit/>
+          </a:bodyPr>
+          <a:lstStyle/>
+          <a:p>
+            <a:r>
+              <a:rPr kumimoji="1" lang="en-US" altLang="zh-CN" sz="1200" dirty="0">
+                <a:solidFill>
+                  <a:schemeClr val="accent2">
+                    <a:lumMod val="50000"/>
+                  </a:schemeClr>
+                </a:solidFill>
+              </a:rPr>
+              <a:t>3</a:t>
+            </a:r>
+            <a:endParaRPr kumimoji="1" lang="zh-CN" altLang="en-US" sz="1200" dirty="0">
+              <a:solidFill>
+                <a:schemeClr val="accent2">
+                  <a:lumMod val="50000"/>
+                </a:schemeClr>
+              </a:solidFill>
+            </a:endParaRPr>
+          </a:p>
+        </p:txBody>
+      </p:sp>
+      <p:sp>
+        <p:nvSpPr>
+          <p:cNvPr id="132" name="文本框 131">
+            <a:extLst>
+              <a:ext uri="{FF2B5EF4-FFF2-40B4-BE49-F238E27FC236}">
+                <a16:creationId xmlns:a16="http://schemas.microsoft.com/office/drawing/2014/main" id="{822F0E52-CC06-5F83-154D-285F21A65399}"/>
+              </a:ext>
+            </a:extLst>
+          </p:cNvPr>
+          <p:cNvSpPr txBox="1"/>
+          <p:nvPr/>
+        </p:nvSpPr>
+        <p:spPr>
+          <a:xfrm>
+            <a:off x="3545175" y="244719"/>
+            <a:ext cx="274434" cy="276999"/>
+          </a:xfrm>
+          <a:prstGeom prst="rect">
+            <a:avLst/>
+          </a:prstGeom>
+          <a:noFill/>
+        </p:spPr>
+        <p:txBody>
+          <a:bodyPr wrap="none" rtlCol="0">
+            <a:spAutoFit/>
+          </a:bodyPr>
+          <a:lstStyle/>
+          <a:p>
+            <a:r>
+              <a:rPr kumimoji="1" lang="en-US" altLang="zh-CN" sz="1200" dirty="0">
+                <a:solidFill>
+                  <a:schemeClr val="accent2">
+                    <a:lumMod val="50000"/>
+                  </a:schemeClr>
+                </a:solidFill>
+              </a:rPr>
+              <a:t>4</a:t>
+            </a:r>
+            <a:endParaRPr kumimoji="1" lang="zh-CN" altLang="en-US" sz="1200" dirty="0">
+              <a:solidFill>
+                <a:schemeClr val="accent2">
+                  <a:lumMod val="50000"/>
+                </a:schemeClr>
+              </a:solidFill>
+            </a:endParaRPr>
+          </a:p>
+        </p:txBody>
+      </p:sp>
+      <p:sp>
+        <p:nvSpPr>
+          <p:cNvPr id="133" name="文本框 132">
+            <a:extLst>
+              <a:ext uri="{FF2B5EF4-FFF2-40B4-BE49-F238E27FC236}">
+                <a16:creationId xmlns:a16="http://schemas.microsoft.com/office/drawing/2014/main" id="{1B2411FF-9D5B-2687-4E92-14B1BB2A1B95}"/>
+              </a:ext>
+            </a:extLst>
+          </p:cNvPr>
+          <p:cNvSpPr txBox="1"/>
+          <p:nvPr/>
+        </p:nvSpPr>
+        <p:spPr>
+          <a:xfrm>
+            <a:off x="4393954" y="244719"/>
+            <a:ext cx="274434" cy="276999"/>
+          </a:xfrm>
+          <a:prstGeom prst="rect">
+            <a:avLst/>
+          </a:prstGeom>
+          <a:noFill/>
+        </p:spPr>
+        <p:txBody>
+          <a:bodyPr wrap="none" rtlCol="0">
+            <a:spAutoFit/>
+          </a:bodyPr>
+          <a:lstStyle/>
+          <a:p>
+            <a:r>
+              <a:rPr kumimoji="1" lang="en-US" altLang="zh-CN" sz="1200" dirty="0">
+                <a:solidFill>
+                  <a:schemeClr val="accent2">
+                    <a:lumMod val="50000"/>
+                  </a:schemeClr>
+                </a:solidFill>
+              </a:rPr>
+              <a:t>5</a:t>
+            </a:r>
+            <a:endParaRPr kumimoji="1" lang="zh-CN" altLang="en-US" sz="1200" dirty="0">
+              <a:solidFill>
+                <a:schemeClr val="accent2">
+                  <a:lumMod val="50000"/>
+                </a:schemeClr>
+              </a:solidFill>
+            </a:endParaRPr>
+          </a:p>
+        </p:txBody>
+      </p:sp>
+      <p:sp>
+        <p:nvSpPr>
+          <p:cNvPr id="134" name="文本框 133">
+            <a:extLst>
+              <a:ext uri="{FF2B5EF4-FFF2-40B4-BE49-F238E27FC236}">
+                <a16:creationId xmlns:a16="http://schemas.microsoft.com/office/drawing/2014/main" id="{49471E13-8397-D957-8EEF-B678D0CBBFB0}"/>
+              </a:ext>
+            </a:extLst>
+          </p:cNvPr>
+          <p:cNvSpPr txBox="1"/>
+          <p:nvPr/>
+        </p:nvSpPr>
+        <p:spPr>
+          <a:xfrm>
+            <a:off x="5242733" y="244719"/>
+            <a:ext cx="274434" cy="276999"/>
+          </a:xfrm>
+          <a:prstGeom prst="rect">
+            <a:avLst/>
+          </a:prstGeom>
+          <a:noFill/>
+        </p:spPr>
+        <p:txBody>
+          <a:bodyPr wrap="none" rtlCol="0">
+            <a:spAutoFit/>
+          </a:bodyPr>
+          <a:lstStyle/>
+          <a:p>
+            <a:r>
+              <a:rPr kumimoji="1" lang="en-US" altLang="zh-CN" sz="1200" dirty="0">
+                <a:solidFill>
+                  <a:schemeClr val="accent2">
+                    <a:lumMod val="50000"/>
+                  </a:schemeClr>
+                </a:solidFill>
+              </a:rPr>
+              <a:t>6</a:t>
+            </a:r>
+            <a:endParaRPr kumimoji="1" lang="zh-CN" altLang="en-US" sz="1200" dirty="0">
+              <a:solidFill>
+                <a:schemeClr val="accent2">
+                  <a:lumMod val="50000"/>
+                </a:schemeClr>
+              </a:solidFill>
+            </a:endParaRPr>
+          </a:p>
+        </p:txBody>
+      </p:sp>
+      <p:sp>
+        <p:nvSpPr>
+          <p:cNvPr id="135" name="文本框 134">
+            <a:extLst>
+              <a:ext uri="{FF2B5EF4-FFF2-40B4-BE49-F238E27FC236}">
+                <a16:creationId xmlns:a16="http://schemas.microsoft.com/office/drawing/2014/main" id="{5FF04B38-12C6-7D1D-7144-3E56B2AA9F7C}"/>
+              </a:ext>
+            </a:extLst>
+          </p:cNvPr>
+          <p:cNvSpPr txBox="1"/>
+          <p:nvPr/>
+        </p:nvSpPr>
+        <p:spPr>
+          <a:xfrm>
+            <a:off x="6940288" y="244719"/>
+            <a:ext cx="274434" cy="276999"/>
+          </a:xfrm>
+          <a:prstGeom prst="rect">
+            <a:avLst/>
+          </a:prstGeom>
+          <a:noFill/>
+        </p:spPr>
+        <p:txBody>
+          <a:bodyPr wrap="none" rtlCol="0">
+            <a:spAutoFit/>
+          </a:bodyPr>
+          <a:lstStyle/>
+          <a:p>
+            <a:r>
+              <a:rPr kumimoji="1" lang="en-US" altLang="zh-CN" sz="1200" dirty="0">
+                <a:solidFill>
+                  <a:schemeClr val="accent2">
+                    <a:lumMod val="50000"/>
+                  </a:schemeClr>
+                </a:solidFill>
+              </a:rPr>
+              <a:t>8</a:t>
+            </a:r>
+            <a:endParaRPr kumimoji="1" lang="zh-CN" altLang="en-US" sz="1200" dirty="0">
+              <a:solidFill>
+                <a:schemeClr val="accent2">
+                  <a:lumMod val="50000"/>
+                </a:schemeClr>
+              </a:solidFill>
+            </a:endParaRPr>
+          </a:p>
+        </p:txBody>
+      </p:sp>
+      <p:sp>
+        <p:nvSpPr>
+          <p:cNvPr id="136" name="文本框 135">
+            <a:extLst>
+              <a:ext uri="{FF2B5EF4-FFF2-40B4-BE49-F238E27FC236}">
+                <a16:creationId xmlns:a16="http://schemas.microsoft.com/office/drawing/2014/main" id="{603B6932-6AA6-BBC6-A487-D044E56EE427}"/>
+              </a:ext>
+            </a:extLst>
+          </p:cNvPr>
+          <p:cNvSpPr txBox="1"/>
+          <p:nvPr/>
+        </p:nvSpPr>
+        <p:spPr>
+          <a:xfrm>
+            <a:off x="6091512" y="244719"/>
+            <a:ext cx="274434" cy="276999"/>
+          </a:xfrm>
+          <a:prstGeom prst="rect">
+            <a:avLst/>
+          </a:prstGeom>
+          <a:noFill/>
+        </p:spPr>
+        <p:txBody>
+          <a:bodyPr wrap="none" rtlCol="0">
+            <a:spAutoFit/>
+          </a:bodyPr>
+          <a:lstStyle/>
+          <a:p>
+            <a:r>
+              <a:rPr kumimoji="1" lang="en-US" altLang="zh-CN" sz="1200" dirty="0">
+                <a:solidFill>
+                  <a:schemeClr val="accent2">
+                    <a:lumMod val="50000"/>
+                  </a:schemeClr>
+                </a:solidFill>
+              </a:rPr>
+              <a:t>7</a:t>
+            </a:r>
+            <a:endParaRPr kumimoji="1" lang="zh-CN" altLang="en-US" sz="1200" dirty="0">
+              <a:solidFill>
+                <a:schemeClr val="accent2">
+                  <a:lumMod val="50000"/>
+                </a:schemeClr>
+              </a:solidFill>
+            </a:endParaRPr>
+          </a:p>
+        </p:txBody>
+      </p:sp>
+      <p:sp>
+        <p:nvSpPr>
+          <p:cNvPr id="139" name="文本框 138">
+            <a:extLst>
+              <a:ext uri="{FF2B5EF4-FFF2-40B4-BE49-F238E27FC236}">
+                <a16:creationId xmlns:a16="http://schemas.microsoft.com/office/drawing/2014/main" id="{071996C9-2C2A-C1B3-5ACF-6F8032A029B3}"/>
+              </a:ext>
+            </a:extLst>
+          </p:cNvPr>
+          <p:cNvSpPr txBox="1"/>
+          <p:nvPr/>
+        </p:nvSpPr>
+        <p:spPr>
+          <a:xfrm>
+            <a:off x="755320" y="5739200"/>
+            <a:ext cx="680410" cy="276999"/>
+          </a:xfrm>
+          <a:prstGeom prst="rect">
+            <a:avLst/>
+          </a:prstGeom>
+          <a:noFill/>
+        </p:spPr>
+        <p:txBody>
+          <a:bodyPr wrap="square" rtlCol="0">
+            <a:spAutoFit/>
+          </a:bodyPr>
+          <a:lstStyle/>
+          <a:p>
+            <a:pPr algn="ctr"/>
+            <a:r>
+              <a:rPr kumimoji="1" lang="en-US" altLang="zh-CN" sz="1200" dirty="0">
+                <a:solidFill>
+                  <a:schemeClr val="accent2">
+                    <a:lumMod val="50000"/>
+                  </a:schemeClr>
+                </a:solidFill>
+              </a:rPr>
+              <a:t>0001</a:t>
+            </a:r>
+            <a:endParaRPr kumimoji="1" lang="zh-CN" altLang="en-US" sz="1200" dirty="0">
+              <a:solidFill>
+                <a:schemeClr val="accent2">
+                  <a:lumMod val="50000"/>
+                </a:schemeClr>
+              </a:solidFill>
+            </a:endParaRPr>
+          </a:p>
+        </p:txBody>
+      </p:sp>
+      <p:sp>
+        <p:nvSpPr>
+          <p:cNvPr id="140" name="文本框 139">
+            <a:extLst>
+              <a:ext uri="{FF2B5EF4-FFF2-40B4-BE49-F238E27FC236}">
+                <a16:creationId xmlns:a16="http://schemas.microsoft.com/office/drawing/2014/main" id="{CBC064FE-7BA7-B197-F365-6597883172EA}"/>
+              </a:ext>
+            </a:extLst>
+          </p:cNvPr>
+          <p:cNvSpPr txBox="1"/>
+          <p:nvPr/>
+        </p:nvSpPr>
+        <p:spPr>
+          <a:xfrm>
+            <a:off x="1604099" y="5739199"/>
+            <a:ext cx="680410" cy="276999"/>
+          </a:xfrm>
+          <a:prstGeom prst="rect">
+            <a:avLst/>
+          </a:prstGeom>
+          <a:noFill/>
+        </p:spPr>
+        <p:txBody>
+          <a:bodyPr wrap="square" rtlCol="0">
+            <a:spAutoFit/>
+          </a:bodyPr>
+          <a:lstStyle/>
+          <a:p>
+            <a:pPr algn="ctr"/>
+            <a:r>
+              <a:rPr kumimoji="1" lang="en-US" altLang="zh-CN" sz="1200" dirty="0">
+                <a:solidFill>
+                  <a:schemeClr val="accent2">
+                    <a:lumMod val="50000"/>
+                  </a:schemeClr>
+                </a:solidFill>
+              </a:rPr>
+              <a:t>0010</a:t>
+            </a:r>
+            <a:endParaRPr kumimoji="1" lang="zh-CN" altLang="en-US" sz="1200" dirty="0">
+              <a:solidFill>
+                <a:schemeClr val="accent2">
+                  <a:lumMod val="50000"/>
+                </a:schemeClr>
+              </a:solidFill>
+            </a:endParaRPr>
+          </a:p>
+        </p:txBody>
+      </p:sp>
+      <p:sp>
+        <p:nvSpPr>
+          <p:cNvPr id="141" name="文本框 140">
+            <a:extLst>
+              <a:ext uri="{FF2B5EF4-FFF2-40B4-BE49-F238E27FC236}">
+                <a16:creationId xmlns:a16="http://schemas.microsoft.com/office/drawing/2014/main" id="{B31EC8D6-4C0E-E64E-77E4-CFC53E733879}"/>
+              </a:ext>
+            </a:extLst>
+          </p:cNvPr>
+          <p:cNvSpPr txBox="1"/>
+          <p:nvPr/>
+        </p:nvSpPr>
+        <p:spPr>
+          <a:xfrm>
+            <a:off x="2452878" y="5739199"/>
+            <a:ext cx="680410" cy="276999"/>
+          </a:xfrm>
+          <a:prstGeom prst="rect">
+            <a:avLst/>
+          </a:prstGeom>
+          <a:noFill/>
+        </p:spPr>
+        <p:txBody>
+          <a:bodyPr wrap="square" rtlCol="0">
+            <a:spAutoFit/>
+          </a:bodyPr>
+          <a:lstStyle/>
+          <a:p>
+            <a:pPr algn="ctr"/>
+            <a:r>
+              <a:rPr kumimoji="1" lang="en-US" altLang="zh-CN" sz="1200" dirty="0">
+                <a:solidFill>
+                  <a:schemeClr val="accent2">
+                    <a:lumMod val="50000"/>
+                  </a:schemeClr>
+                </a:solidFill>
+              </a:rPr>
+              <a:t>0011</a:t>
+            </a:r>
+            <a:endParaRPr kumimoji="1" lang="zh-CN" altLang="en-US" sz="1200" dirty="0">
+              <a:solidFill>
+                <a:schemeClr val="accent2">
+                  <a:lumMod val="50000"/>
+                </a:schemeClr>
+              </a:solidFill>
+            </a:endParaRPr>
+          </a:p>
+        </p:txBody>
+      </p:sp>
+      <p:sp>
+        <p:nvSpPr>
+          <p:cNvPr id="142" name="文本框 141">
+            <a:extLst>
+              <a:ext uri="{FF2B5EF4-FFF2-40B4-BE49-F238E27FC236}">
+                <a16:creationId xmlns:a16="http://schemas.microsoft.com/office/drawing/2014/main" id="{444C1835-BD76-CF9C-3817-7613907F0C13}"/>
+              </a:ext>
+            </a:extLst>
+          </p:cNvPr>
+          <p:cNvSpPr txBox="1"/>
+          <p:nvPr/>
+        </p:nvSpPr>
+        <p:spPr>
+          <a:xfrm>
+            <a:off x="3301657" y="5739199"/>
+            <a:ext cx="680410" cy="276999"/>
+          </a:xfrm>
+          <a:prstGeom prst="rect">
+            <a:avLst/>
+          </a:prstGeom>
+          <a:noFill/>
+        </p:spPr>
+        <p:txBody>
+          <a:bodyPr wrap="square" rtlCol="0">
+            <a:spAutoFit/>
+          </a:bodyPr>
+          <a:lstStyle/>
+          <a:p>
+            <a:pPr algn="ctr"/>
+            <a:r>
+              <a:rPr kumimoji="1" lang="en-US" altLang="zh-CN" sz="1200" dirty="0">
+                <a:solidFill>
+                  <a:schemeClr val="accent2">
+                    <a:lumMod val="50000"/>
+                  </a:schemeClr>
+                </a:solidFill>
+              </a:rPr>
+              <a:t>0100</a:t>
+            </a:r>
+            <a:endParaRPr kumimoji="1" lang="zh-CN" altLang="en-US" sz="1200" dirty="0">
+              <a:solidFill>
+                <a:schemeClr val="accent2">
+                  <a:lumMod val="50000"/>
+                </a:schemeClr>
+              </a:solidFill>
+            </a:endParaRPr>
+          </a:p>
+        </p:txBody>
+      </p:sp>
+      <p:sp>
+        <p:nvSpPr>
+          <p:cNvPr id="143" name="文本框 142">
+            <a:extLst>
+              <a:ext uri="{FF2B5EF4-FFF2-40B4-BE49-F238E27FC236}">
+                <a16:creationId xmlns:a16="http://schemas.microsoft.com/office/drawing/2014/main" id="{82FCDF7B-8FDB-D68B-AEC0-5AED90C0B1EB}"/>
+              </a:ext>
+            </a:extLst>
+          </p:cNvPr>
+          <p:cNvSpPr txBox="1"/>
+          <p:nvPr/>
+        </p:nvSpPr>
+        <p:spPr>
+          <a:xfrm>
+            <a:off x="4150436" y="5739199"/>
+            <a:ext cx="680410" cy="276999"/>
+          </a:xfrm>
+          <a:prstGeom prst="rect">
+            <a:avLst/>
+          </a:prstGeom>
+          <a:noFill/>
+        </p:spPr>
+        <p:txBody>
+          <a:bodyPr wrap="square" rtlCol="0">
+            <a:spAutoFit/>
+          </a:bodyPr>
+          <a:lstStyle/>
+          <a:p>
+            <a:pPr algn="ctr"/>
+            <a:r>
+              <a:rPr kumimoji="1" lang="en-US" altLang="zh-CN" sz="1200" dirty="0">
+                <a:solidFill>
+                  <a:schemeClr val="accent2">
+                    <a:lumMod val="50000"/>
+                  </a:schemeClr>
+                </a:solidFill>
+              </a:rPr>
+              <a:t>0101</a:t>
+            </a:r>
+            <a:endParaRPr kumimoji="1" lang="zh-CN" altLang="en-US" sz="1200" dirty="0">
+              <a:solidFill>
+                <a:schemeClr val="accent2">
+                  <a:lumMod val="50000"/>
+                </a:schemeClr>
+              </a:solidFill>
+            </a:endParaRPr>
+          </a:p>
+        </p:txBody>
+      </p:sp>
+      <p:sp>
+        <p:nvSpPr>
+          <p:cNvPr id="144" name="文本框 143">
+            <a:extLst>
+              <a:ext uri="{FF2B5EF4-FFF2-40B4-BE49-F238E27FC236}">
+                <a16:creationId xmlns:a16="http://schemas.microsoft.com/office/drawing/2014/main" id="{6092DC26-D930-936B-8FAD-AD5CE2BB52F5}"/>
+              </a:ext>
+            </a:extLst>
+          </p:cNvPr>
+          <p:cNvSpPr txBox="1"/>
+          <p:nvPr/>
+        </p:nvSpPr>
+        <p:spPr>
+          <a:xfrm>
+            <a:off x="4999215" y="5739199"/>
+            <a:ext cx="680410" cy="276999"/>
+          </a:xfrm>
+          <a:prstGeom prst="rect">
+            <a:avLst/>
+          </a:prstGeom>
+          <a:noFill/>
+        </p:spPr>
+        <p:txBody>
+          <a:bodyPr wrap="square" rtlCol="0">
+            <a:spAutoFit/>
+          </a:bodyPr>
+          <a:lstStyle/>
+          <a:p>
+            <a:pPr algn="ctr"/>
+            <a:r>
+              <a:rPr kumimoji="1" lang="en-US" altLang="zh-CN" sz="1200" dirty="0">
+                <a:solidFill>
+                  <a:schemeClr val="accent2">
+                    <a:lumMod val="50000"/>
+                  </a:schemeClr>
+                </a:solidFill>
+              </a:rPr>
+              <a:t>0110</a:t>
+            </a:r>
+            <a:endParaRPr kumimoji="1" lang="zh-CN" altLang="en-US" sz="1200" dirty="0">
+              <a:solidFill>
+                <a:schemeClr val="accent2">
+                  <a:lumMod val="50000"/>
+                </a:schemeClr>
+              </a:solidFill>
+            </a:endParaRPr>
+          </a:p>
+        </p:txBody>
+      </p:sp>
+      <p:sp>
+        <p:nvSpPr>
+          <p:cNvPr id="145" name="文本框 144">
+            <a:extLst>
+              <a:ext uri="{FF2B5EF4-FFF2-40B4-BE49-F238E27FC236}">
+                <a16:creationId xmlns:a16="http://schemas.microsoft.com/office/drawing/2014/main" id="{2C042654-99AE-2656-F8E1-4BB45ACD0875}"/>
+              </a:ext>
+            </a:extLst>
+          </p:cNvPr>
+          <p:cNvSpPr txBox="1"/>
+          <p:nvPr/>
+        </p:nvSpPr>
+        <p:spPr>
+          <a:xfrm>
+            <a:off x="6696770" y="5739199"/>
+            <a:ext cx="680410" cy="276999"/>
+          </a:xfrm>
+          <a:prstGeom prst="rect">
+            <a:avLst/>
+          </a:prstGeom>
+          <a:noFill/>
+        </p:spPr>
+        <p:txBody>
+          <a:bodyPr wrap="square" rtlCol="0">
+            <a:spAutoFit/>
+          </a:bodyPr>
+          <a:lstStyle/>
+          <a:p>
+            <a:pPr algn="ctr"/>
+            <a:r>
+              <a:rPr kumimoji="1" lang="en-US" altLang="zh-CN" sz="1200" dirty="0">
+                <a:solidFill>
+                  <a:schemeClr val="accent2">
+                    <a:lumMod val="50000"/>
+                  </a:schemeClr>
+                </a:solidFill>
+              </a:rPr>
+              <a:t>1000</a:t>
+            </a:r>
+            <a:endParaRPr kumimoji="1" lang="zh-CN" altLang="en-US" sz="1200" dirty="0">
+              <a:solidFill>
+                <a:schemeClr val="accent2">
+                  <a:lumMod val="50000"/>
+                </a:schemeClr>
+              </a:solidFill>
+            </a:endParaRPr>
+          </a:p>
+        </p:txBody>
+      </p:sp>
+      <p:sp>
+        <p:nvSpPr>
+          <p:cNvPr id="146" name="文本框 145">
+            <a:extLst>
+              <a:ext uri="{FF2B5EF4-FFF2-40B4-BE49-F238E27FC236}">
+                <a16:creationId xmlns:a16="http://schemas.microsoft.com/office/drawing/2014/main" id="{1ABF21E2-1AD7-B1A3-4002-5F54DB97A2C5}"/>
+              </a:ext>
+            </a:extLst>
+          </p:cNvPr>
+          <p:cNvSpPr txBox="1"/>
+          <p:nvPr/>
+        </p:nvSpPr>
+        <p:spPr>
+          <a:xfrm>
+            <a:off x="5847994" y="5739199"/>
+            <a:ext cx="680410" cy="276999"/>
+          </a:xfrm>
+          <a:prstGeom prst="rect">
+            <a:avLst/>
+          </a:prstGeom>
+          <a:noFill/>
+        </p:spPr>
+        <p:txBody>
+          <a:bodyPr wrap="square" rtlCol="0">
+            <a:spAutoFit/>
+          </a:bodyPr>
+          <a:lstStyle/>
+          <a:p>
+            <a:pPr algn="ctr"/>
+            <a:r>
+              <a:rPr kumimoji="1" lang="en-US" altLang="zh-CN" sz="1200" dirty="0">
+                <a:solidFill>
+                  <a:schemeClr val="accent2">
+                    <a:lumMod val="50000"/>
+                  </a:schemeClr>
+                </a:solidFill>
+              </a:rPr>
+              <a:t>0111</a:t>
+            </a:r>
+            <a:endParaRPr kumimoji="1" lang="zh-CN" altLang="en-US" sz="1200" dirty="0">
+              <a:solidFill>
+                <a:schemeClr val="accent2">
+                  <a:lumMod val="50000"/>
+                </a:schemeClr>
+              </a:solidFill>
+            </a:endParaRPr>
+          </a:p>
+        </p:txBody>
+      </p:sp>
+      <p:sp>
+        <p:nvSpPr>
+          <p:cNvPr id="188" name="文本框 187">
+            <a:extLst>
+              <a:ext uri="{FF2B5EF4-FFF2-40B4-BE49-F238E27FC236}">
+                <a16:creationId xmlns:a16="http://schemas.microsoft.com/office/drawing/2014/main" id="{9F915972-3E5A-382C-0561-F43F5FE6B863}"/>
+              </a:ext>
+            </a:extLst>
+          </p:cNvPr>
+          <p:cNvSpPr txBox="1"/>
+          <p:nvPr/>
+        </p:nvSpPr>
+        <p:spPr>
+          <a:xfrm>
+            <a:off x="8465643" y="947625"/>
+            <a:ext cx="466795" cy="430887"/>
+          </a:xfrm>
+          <a:prstGeom prst="rect">
+            <a:avLst/>
+          </a:prstGeom>
+          <a:noFill/>
+        </p:spPr>
+        <p:txBody>
+          <a:bodyPr wrap="none" rtlCol="0" anchor="ctr" anchorCtr="0">
+            <a:normAutofit/>
+          </a:bodyPr>
+          <a:lstStyle/>
+          <a:p>
+            <a:pPr algn="ctr"/>
+            <a:r>
+              <a:rPr kumimoji="1" lang="zh-CN" altLang="en-US" sz="2200" dirty="0">
+                <a:solidFill>
+                  <a:srgbClr val="C00000"/>
+                </a:solidFill>
+              </a:rPr>
+              <a:t>①</a:t>
+            </a:r>
+          </a:p>
+        </p:txBody>
+      </p:sp>
+      <p:sp>
+        <p:nvSpPr>
+          <p:cNvPr id="189" name="文本框 188">
+            <a:extLst>
+              <a:ext uri="{FF2B5EF4-FFF2-40B4-BE49-F238E27FC236}">
+                <a16:creationId xmlns:a16="http://schemas.microsoft.com/office/drawing/2014/main" id="{DD3F68F9-DA14-9ECC-FA9F-A4B89DF25FDD}"/>
+              </a:ext>
+            </a:extLst>
+          </p:cNvPr>
+          <p:cNvSpPr txBox="1"/>
+          <p:nvPr/>
+        </p:nvSpPr>
+        <p:spPr>
+          <a:xfrm>
+            <a:off x="8465643" y="1992654"/>
+            <a:ext cx="466795" cy="430887"/>
+          </a:xfrm>
+          <a:prstGeom prst="rect">
+            <a:avLst/>
+          </a:prstGeom>
+          <a:noFill/>
+        </p:spPr>
+        <p:txBody>
+          <a:bodyPr wrap="none" rtlCol="0" anchor="ctr" anchorCtr="0">
+            <a:normAutofit/>
+          </a:bodyPr>
+          <a:lstStyle/>
+          <a:p>
+            <a:pPr algn="ctr"/>
+            <a:r>
+              <a:rPr kumimoji="1" lang="zh-CN" altLang="en-US" sz="2200" dirty="0">
+                <a:solidFill>
+                  <a:srgbClr val="C00000"/>
+                </a:solidFill>
+              </a:rPr>
+              <a:t>②</a:t>
+            </a:r>
+          </a:p>
+        </p:txBody>
+      </p:sp>
+      <p:sp>
+        <p:nvSpPr>
+          <p:cNvPr id="190" name="文本框 189">
+            <a:extLst>
+              <a:ext uri="{FF2B5EF4-FFF2-40B4-BE49-F238E27FC236}">
+                <a16:creationId xmlns:a16="http://schemas.microsoft.com/office/drawing/2014/main" id="{7B7BD9E6-23A0-1C27-A4A4-8407543AE321}"/>
+              </a:ext>
+            </a:extLst>
+          </p:cNvPr>
+          <p:cNvSpPr txBox="1"/>
+          <p:nvPr/>
+        </p:nvSpPr>
+        <p:spPr>
+          <a:xfrm>
+            <a:off x="8465643" y="3150892"/>
+            <a:ext cx="466795" cy="430887"/>
+          </a:xfrm>
+          <a:prstGeom prst="rect">
+            <a:avLst/>
+          </a:prstGeom>
+          <a:noFill/>
+        </p:spPr>
+        <p:txBody>
+          <a:bodyPr wrap="none" rtlCol="0" anchor="ctr" anchorCtr="0">
+            <a:normAutofit/>
+          </a:bodyPr>
+          <a:lstStyle/>
+          <a:p>
+            <a:pPr algn="ctr"/>
+            <a:r>
+              <a:rPr kumimoji="1" lang="zh-CN" altLang="en-US" sz="2200" dirty="0">
+                <a:solidFill>
+                  <a:srgbClr val="C00000"/>
+                </a:solidFill>
+              </a:rPr>
+              <a:t>③</a:t>
+            </a:r>
+          </a:p>
+        </p:txBody>
+      </p:sp>
+      <p:sp>
+        <p:nvSpPr>
+          <p:cNvPr id="191" name="文本框 190">
+            <a:extLst>
+              <a:ext uri="{FF2B5EF4-FFF2-40B4-BE49-F238E27FC236}">
+                <a16:creationId xmlns:a16="http://schemas.microsoft.com/office/drawing/2014/main" id="{1ED59D1B-D238-1628-53B0-8C989764CB65}"/>
+              </a:ext>
+            </a:extLst>
+          </p:cNvPr>
+          <p:cNvSpPr txBox="1"/>
+          <p:nvPr/>
+        </p:nvSpPr>
+        <p:spPr>
+          <a:xfrm>
+            <a:off x="8465643" y="4189167"/>
+            <a:ext cx="466795" cy="430887"/>
+          </a:xfrm>
+          <a:prstGeom prst="rect">
+            <a:avLst/>
+          </a:prstGeom>
+          <a:noFill/>
+        </p:spPr>
+        <p:txBody>
+          <a:bodyPr wrap="none" rtlCol="0" anchor="ctr" anchorCtr="0">
+            <a:normAutofit/>
+          </a:bodyPr>
+          <a:lstStyle/>
+          <a:p>
+            <a:pPr algn="ctr"/>
+            <a:r>
+              <a:rPr kumimoji="1" lang="zh-CN" altLang="en-US" sz="2200" dirty="0">
+                <a:solidFill>
+                  <a:srgbClr val="C00000"/>
+                </a:solidFill>
+              </a:rPr>
+              <a:t>④</a:t>
+            </a:r>
+          </a:p>
+        </p:txBody>
+      </p:sp>
+      <p:sp>
+        <p:nvSpPr>
+          <p:cNvPr id="192" name="文本框 191">
+            <a:extLst>
+              <a:ext uri="{FF2B5EF4-FFF2-40B4-BE49-F238E27FC236}">
+                <a16:creationId xmlns:a16="http://schemas.microsoft.com/office/drawing/2014/main" id="{477CBA3F-C2DF-E5D9-0999-115B0BCABE3A}"/>
+              </a:ext>
+            </a:extLst>
+          </p:cNvPr>
+          <p:cNvSpPr txBox="1"/>
+          <p:nvPr/>
+        </p:nvSpPr>
+        <p:spPr>
+          <a:xfrm>
+            <a:off x="8465643" y="5218464"/>
+            <a:ext cx="466795" cy="430887"/>
+          </a:xfrm>
+          <a:prstGeom prst="rect">
+            <a:avLst/>
+          </a:prstGeom>
+          <a:noFill/>
+        </p:spPr>
+        <p:txBody>
+          <a:bodyPr wrap="none" rtlCol="0" anchor="ctr" anchorCtr="0">
+            <a:normAutofit/>
+          </a:bodyPr>
+          <a:lstStyle/>
+          <a:p>
+            <a:pPr algn="ctr"/>
+            <a:r>
+              <a:rPr kumimoji="1" lang="zh-CN" altLang="en-US" sz="2200" dirty="0">
+                <a:solidFill>
+                  <a:srgbClr val="C00000"/>
+                </a:solidFill>
+              </a:rPr>
+              <a:t>⑤</a:t>
+            </a:r>
+          </a:p>
+        </p:txBody>
+      </p:sp>
+      <p:sp>
+        <p:nvSpPr>
+          <p:cNvPr id="193" name="右箭头 192">
+            <a:extLst>
+              <a:ext uri="{FF2B5EF4-FFF2-40B4-BE49-F238E27FC236}">
+                <a16:creationId xmlns:a16="http://schemas.microsoft.com/office/drawing/2014/main" id="{622BF846-1112-B7F6-D71E-88775AB29023}"/>
+              </a:ext>
+            </a:extLst>
+          </p:cNvPr>
+          <p:cNvSpPr/>
+          <p:nvPr/>
+        </p:nvSpPr>
+        <p:spPr>
+          <a:xfrm>
+            <a:off x="7742397" y="1115722"/>
+            <a:ext cx="535952" cy="113546"/>
+          </a:xfrm>
+          <a:prstGeom prst="rightArrow">
+            <a:avLst/>
+          </a:prstGeom>
+          <a:solidFill>
+            <a:schemeClr val="accent2">
+              <a:lumMod val="60000"/>
+              <a:lumOff val="40000"/>
+            </a:schemeClr>
+          </a:solidFill>
+          <a:ln>
+            <a:solidFill>
+              <a:schemeClr val="accent4"/>
+            </a:solidFill>
+          </a:ln>
+        </p:spPr>
+        <p:style>
+          <a:lnRef idx="2">
+            <a:schemeClr val="accent1">
+              <a:shade val="50000"/>
+            </a:schemeClr>
+          </a:lnRef>
+          <a:fillRef idx="1">
+            <a:schemeClr val="accent1"/>
+          </a:fillRef>
+          <a:effectRef idx="0">
+            <a:schemeClr val="accent1"/>
+          </a:effectRef>
+          <a:fontRef idx="minor">
+            <a:schemeClr val="lt1"/>
+          </a:fontRef>
+        </p:style>
+        <p:txBody>
+          <a:bodyPr rtlCol="0" anchor="ctr"/>
+          <a:lstStyle/>
+          <a:p>
+            <a:pPr algn="ctr"/>
+            <a:endParaRPr kumimoji="1" lang="zh-CN" altLang="en-US"/>
+          </a:p>
+        </p:txBody>
+      </p:sp>
+      <p:sp>
+        <p:nvSpPr>
+          <p:cNvPr id="194" name="右箭头 193">
+            <a:extLst>
+              <a:ext uri="{FF2B5EF4-FFF2-40B4-BE49-F238E27FC236}">
+                <a16:creationId xmlns:a16="http://schemas.microsoft.com/office/drawing/2014/main" id="{EB2C10DC-89F8-D111-FB57-51959F7FE769}"/>
+              </a:ext>
+            </a:extLst>
+          </p:cNvPr>
+          <p:cNvSpPr/>
+          <p:nvPr/>
+        </p:nvSpPr>
+        <p:spPr>
+          <a:xfrm>
+            <a:off x="7742397" y="2160751"/>
+            <a:ext cx="535952" cy="113546"/>
+          </a:xfrm>
+          <a:prstGeom prst="rightArrow">
+            <a:avLst/>
+          </a:prstGeom>
+          <a:solidFill>
+            <a:schemeClr val="accent2">
+              <a:lumMod val="60000"/>
+              <a:lumOff val="40000"/>
+            </a:schemeClr>
+          </a:solidFill>
+          <a:ln>
+            <a:solidFill>
+              <a:schemeClr val="accent4"/>
+            </a:solidFill>
+          </a:ln>
+        </p:spPr>
+        <p:style>
+          <a:lnRef idx="2">
+            <a:schemeClr val="accent1">
+              <a:shade val="50000"/>
+            </a:schemeClr>
+          </a:lnRef>
+          <a:fillRef idx="1">
+            <a:schemeClr val="accent1"/>
+          </a:fillRef>
+          <a:effectRef idx="0">
+            <a:schemeClr val="accent1"/>
+          </a:effectRef>
+          <a:fontRef idx="minor">
+            <a:schemeClr val="lt1"/>
+          </a:fontRef>
+        </p:style>
+        <p:txBody>
+          <a:bodyPr rtlCol="0" anchor="ctr"/>
+          <a:lstStyle/>
+          <a:p>
+            <a:pPr algn="ctr"/>
+            <a:endParaRPr kumimoji="1" lang="zh-CN" altLang="en-US"/>
+          </a:p>
+        </p:txBody>
+      </p:sp>
+      <p:sp>
+        <p:nvSpPr>
+          <p:cNvPr id="195" name="右箭头 194">
+            <a:extLst>
+              <a:ext uri="{FF2B5EF4-FFF2-40B4-BE49-F238E27FC236}">
+                <a16:creationId xmlns:a16="http://schemas.microsoft.com/office/drawing/2014/main" id="{395EBC01-84D0-74E4-7910-B1E1666FD846}"/>
+              </a:ext>
+            </a:extLst>
+          </p:cNvPr>
+          <p:cNvSpPr/>
+          <p:nvPr/>
+        </p:nvSpPr>
+        <p:spPr>
+          <a:xfrm>
+            <a:off x="7742397" y="3309562"/>
+            <a:ext cx="535952" cy="113546"/>
+          </a:xfrm>
+          <a:prstGeom prst="rightArrow">
+            <a:avLst/>
+          </a:prstGeom>
+          <a:solidFill>
+            <a:schemeClr val="accent2">
+              <a:lumMod val="60000"/>
+              <a:lumOff val="40000"/>
+            </a:schemeClr>
+          </a:solidFill>
+          <a:ln>
+            <a:solidFill>
+              <a:schemeClr val="accent4"/>
+            </a:solidFill>
+          </a:ln>
+        </p:spPr>
+        <p:style>
+          <a:lnRef idx="2">
+            <a:schemeClr val="accent1">
+              <a:shade val="50000"/>
+            </a:schemeClr>
+          </a:lnRef>
+          <a:fillRef idx="1">
+            <a:schemeClr val="accent1"/>
+          </a:fillRef>
+          <a:effectRef idx="0">
+            <a:schemeClr val="accent1"/>
+          </a:effectRef>
+          <a:fontRef idx="minor">
+            <a:schemeClr val="lt1"/>
+          </a:fontRef>
+        </p:style>
+        <p:txBody>
+          <a:bodyPr rtlCol="0" anchor="ctr"/>
+          <a:lstStyle/>
+          <a:p>
+            <a:pPr algn="ctr"/>
+            <a:endParaRPr kumimoji="1" lang="zh-CN" altLang="en-US"/>
+          </a:p>
+        </p:txBody>
+      </p:sp>
+      <p:sp>
+        <p:nvSpPr>
+          <p:cNvPr id="196" name="右箭头 195">
+            <a:extLst>
+              <a:ext uri="{FF2B5EF4-FFF2-40B4-BE49-F238E27FC236}">
+                <a16:creationId xmlns:a16="http://schemas.microsoft.com/office/drawing/2014/main" id="{A3CCA0F8-45D6-A760-6CEC-D148D0F41042}"/>
+              </a:ext>
+            </a:extLst>
+          </p:cNvPr>
+          <p:cNvSpPr/>
+          <p:nvPr/>
+        </p:nvSpPr>
+        <p:spPr>
+          <a:xfrm>
+            <a:off x="7742397" y="4347837"/>
+            <a:ext cx="535952" cy="113546"/>
+          </a:xfrm>
+          <a:prstGeom prst="rightArrow">
+            <a:avLst/>
+          </a:prstGeom>
+          <a:solidFill>
+            <a:schemeClr val="accent2">
+              <a:lumMod val="60000"/>
+              <a:lumOff val="40000"/>
+            </a:schemeClr>
+          </a:solidFill>
+          <a:ln>
+            <a:solidFill>
+              <a:schemeClr val="accent4"/>
+            </a:solidFill>
+          </a:ln>
+        </p:spPr>
+        <p:style>
+          <a:lnRef idx="2">
+            <a:schemeClr val="accent1">
+              <a:shade val="50000"/>
+            </a:schemeClr>
+          </a:lnRef>
+          <a:fillRef idx="1">
+            <a:schemeClr val="accent1"/>
+          </a:fillRef>
+          <a:effectRef idx="0">
+            <a:schemeClr val="accent1"/>
+          </a:effectRef>
+          <a:fontRef idx="minor">
+            <a:schemeClr val="lt1"/>
+          </a:fontRef>
+        </p:style>
+        <p:txBody>
+          <a:bodyPr rtlCol="0" anchor="ctr"/>
+          <a:lstStyle/>
+          <a:p>
+            <a:pPr algn="ctr"/>
+            <a:endParaRPr kumimoji="1" lang="zh-CN" altLang="en-US"/>
+          </a:p>
+        </p:txBody>
+      </p:sp>
+      <p:sp>
+        <p:nvSpPr>
+          <p:cNvPr id="197" name="右箭头 196">
+            <a:extLst>
+              <a:ext uri="{FF2B5EF4-FFF2-40B4-BE49-F238E27FC236}">
+                <a16:creationId xmlns:a16="http://schemas.microsoft.com/office/drawing/2014/main" id="{5E1209BC-4B50-36F1-6919-D37971752E19}"/>
+              </a:ext>
+            </a:extLst>
+          </p:cNvPr>
+          <p:cNvSpPr/>
+          <p:nvPr/>
+        </p:nvSpPr>
+        <p:spPr>
+          <a:xfrm>
+            <a:off x="7742397" y="5377134"/>
+            <a:ext cx="535952" cy="113546"/>
+          </a:xfrm>
+          <a:prstGeom prst="rightArrow">
+            <a:avLst/>
+          </a:prstGeom>
+          <a:solidFill>
+            <a:schemeClr val="accent2">
+              <a:lumMod val="60000"/>
+              <a:lumOff val="40000"/>
+            </a:schemeClr>
+          </a:solidFill>
+          <a:ln>
+            <a:solidFill>
+              <a:schemeClr val="accent4"/>
+            </a:solidFill>
+          </a:ln>
+        </p:spPr>
+        <p:style>
+          <a:lnRef idx="2">
+            <a:schemeClr val="accent1">
+              <a:shade val="50000"/>
+            </a:schemeClr>
+          </a:lnRef>
+          <a:fillRef idx="1">
+            <a:schemeClr val="accent1"/>
+          </a:fillRef>
+          <a:effectRef idx="0">
+            <a:schemeClr val="accent1"/>
+          </a:effectRef>
+          <a:fontRef idx="minor">
+            <a:schemeClr val="lt1"/>
+          </a:fontRef>
+        </p:style>
+        <p:txBody>
+          <a:bodyPr rtlCol="0" anchor="ctr"/>
+          <a:lstStyle/>
+          <a:p>
+            <a:pPr algn="ctr"/>
+            <a:endParaRPr kumimoji="1" lang="zh-CN" altLang="en-US"/>
+          </a:p>
+        </p:txBody>
+      </p:sp>
+    </p:spTree>
+    <p:extLst>
+      <p:ext uri="{BB962C8B-B14F-4D97-AF65-F5344CB8AC3E}">
+        <p14:creationId xmlns:p14="http://schemas.microsoft.com/office/powerpoint/2010/main" val="1723856792"/>
+      </p:ext>
+    </p:extLst>
+  </p:cSld>
+  <p:clrMapOvr>
+    <a:masterClrMapping/>
+  </p:clrMapOvr>
+</p:sld>
+</file>
+
 <file path=ppt/theme/theme1.xml><?xml version="1.0" encoding="utf-8"?>
 <a:theme xmlns:a="http://schemas.openxmlformats.org/drawingml/2006/main" name="Office 主题​​">
   <a:themeElements>
